--- a/image/基础统计分析和高维图片.pptx
+++ b/image/基础统计分析和高维图片.pptx
@@ -106,6 +106,22 @@
       </a:defRPr>
     </a:lvl9pPr>
   </p:defaultTextStyle>
+  <p:extLst>
+    <p:ext uri="{EFAFB233-063F-42B5-8137-9DF3F51BA10A}">
+      <p15:sldGuideLst xmlns:p15="http://schemas.microsoft.com/office/powerpoint/2012/main">
+        <p15:guide id="1" orient="horz" pos="3402">
+          <p15:clr>
+            <a:srgbClr val="A4A3A4"/>
+          </p15:clr>
+        </p15:guide>
+        <p15:guide id="2" pos="2880">
+          <p15:clr>
+            <a:srgbClr val="A4A3A4"/>
+          </p15:clr>
+        </p15:guide>
+      </p15:sldGuideLst>
+    </p:ext>
+  </p:extLst>
 </p:presentation>
 </file>
 
@@ -2372,10 +2388,9 @@
         <a:lstStyle/>
         <a:p>
           <a:r>
-            <a:rPr lang="zh-CN" altLang="en-US" sz="1800" b="1" dirty="0" smtClean="0"/>
+            <a:rPr lang="zh-CN" altLang="en-US" sz="1800" b="1" dirty="0"/>
             <a:t>基础统计分析</a:t>
           </a:r>
-          <a:endParaRPr lang="zh-CN" altLang="en-US" sz="1800" b="1" dirty="0"/>
         </a:p>
       </dgm:t>
     </dgm:pt>
@@ -2409,10 +2424,9 @@
         <a:lstStyle/>
         <a:p>
           <a:r>
-            <a:rPr lang="zh-CN" altLang="en-US" sz="1400" dirty="0" smtClean="0"/>
+            <a:rPr lang="zh-CN" altLang="en-US" sz="1400" dirty="0"/>
             <a:t>描述性指标</a:t>
           </a:r>
-          <a:endParaRPr lang="zh-CN" altLang="en-US" sz="1400" dirty="0"/>
         </a:p>
       </dgm:t>
     </dgm:pt>
@@ -2446,17 +2460,16 @@
         <a:lstStyle/>
         <a:p>
           <a:r>
-            <a:rPr lang="en-US" altLang="zh-CN" sz="1400" dirty="0" smtClean="0">
+            <a:rPr lang="en-US" altLang="zh-CN" sz="1400" dirty="0">
               <a:latin typeface="Times New Roman" panose="02020603050405020304" pitchFamily="18" charset="0"/>
               <a:cs typeface="Times New Roman" panose="02020603050405020304" pitchFamily="18" charset="0"/>
             </a:rPr>
             <a:t>t</a:t>
           </a:r>
           <a:r>
-            <a:rPr lang="zh-CN" altLang="en-US" sz="1400" dirty="0" smtClean="0"/>
+            <a:rPr lang="zh-CN" altLang="en-US" sz="1400" dirty="0"/>
             <a:t>检验</a:t>
           </a:r>
-          <a:endParaRPr lang="zh-CN" altLang="en-US" sz="1400" dirty="0"/>
         </a:p>
       </dgm:t>
     </dgm:pt>
@@ -2490,10 +2503,9 @@
         <a:lstStyle/>
         <a:p>
           <a:r>
-            <a:rPr lang="zh-CN" altLang="en-US" sz="1400" dirty="0" smtClean="0"/>
+            <a:rPr lang="zh-CN" altLang="en-US" sz="1400" dirty="0"/>
             <a:t>方差分析</a:t>
           </a:r>
-          <a:endParaRPr lang="zh-CN" altLang="en-US" sz="1400" dirty="0"/>
         </a:p>
       </dgm:t>
     </dgm:pt>
@@ -2527,10 +2539,9 @@
         <a:lstStyle/>
         <a:p>
           <a:r>
-            <a:rPr lang="zh-CN" altLang="en-US" sz="1400" dirty="0" smtClean="0"/>
+            <a:rPr lang="zh-CN" altLang="en-US" sz="1400" dirty="0"/>
             <a:t>卡方检验</a:t>
           </a:r>
-          <a:endParaRPr lang="zh-CN" altLang="en-US" sz="1400" dirty="0"/>
         </a:p>
       </dgm:t>
     </dgm:pt>
@@ -2564,10 +2575,9 @@
         <a:lstStyle/>
         <a:p>
           <a:r>
-            <a:rPr lang="zh-CN" altLang="en-US" sz="1400" dirty="0" smtClean="0"/>
+            <a:rPr lang="zh-CN" altLang="en-US" sz="1400" dirty="0"/>
             <a:t>秩和检验</a:t>
           </a:r>
-          <a:endParaRPr lang="zh-CN" altLang="en-US" sz="1400" dirty="0"/>
         </a:p>
       </dgm:t>
     </dgm:pt>
@@ -2601,10 +2611,9 @@
         <a:lstStyle/>
         <a:p>
           <a:r>
-            <a:rPr lang="zh-CN" altLang="en-US" sz="1400" dirty="0" smtClean="0"/>
+            <a:rPr lang="zh-CN" altLang="en-US" sz="1400" dirty="0"/>
             <a:t>相关性分析</a:t>
           </a:r>
-          <a:endParaRPr lang="zh-CN" altLang="en-US" sz="1400" dirty="0"/>
         </a:p>
       </dgm:t>
     </dgm:pt>
@@ -2638,10 +2647,9 @@
         <a:lstStyle/>
         <a:p>
           <a:r>
-            <a:rPr lang="zh-CN" altLang="en-US" sz="1400" dirty="0" smtClean="0"/>
+            <a:rPr lang="zh-CN" altLang="en-US" sz="1400" dirty="0"/>
             <a:t>多重线性回归</a:t>
           </a:r>
-          <a:endParaRPr lang="zh-CN" altLang="en-US" sz="1400" dirty="0"/>
         </a:p>
       </dgm:t>
     </dgm:pt>
@@ -2675,17 +2683,16 @@
         <a:lstStyle/>
         <a:p>
           <a:r>
-            <a:rPr lang="en-US" altLang="zh-CN" sz="1400" dirty="0" smtClean="0">
+            <a:rPr lang="en-US" altLang="zh-CN" sz="1400" dirty="0">
               <a:latin typeface="Times New Roman" pitchFamily="18" charset="0"/>
               <a:cs typeface="Times New Roman" pitchFamily="18" charset="0"/>
             </a:rPr>
             <a:t>logistic</a:t>
           </a:r>
           <a:r>
-            <a:rPr lang="zh-CN" altLang="en-US" sz="1400" dirty="0" smtClean="0"/>
+            <a:rPr lang="zh-CN" altLang="en-US" sz="1400" dirty="0"/>
             <a:t>回归</a:t>
           </a:r>
-          <a:endParaRPr lang="zh-CN" altLang="en-US" sz="1400" dirty="0"/>
         </a:p>
       </dgm:t>
     </dgm:pt>
@@ -2719,17 +2726,16 @@
         <a:lstStyle/>
         <a:p>
           <a:r>
-            <a:rPr lang="en-US" altLang="zh-CN" sz="1400" dirty="0" smtClean="0">
+            <a:rPr lang="en-US" altLang="zh-CN" sz="1400" dirty="0">
               <a:latin typeface="Times New Roman" panose="02020603050405020304" pitchFamily="18" charset="0"/>
               <a:cs typeface="Times New Roman" panose="02020603050405020304" pitchFamily="18" charset="0"/>
             </a:rPr>
             <a:t>Cox</a:t>
           </a:r>
           <a:r>
-            <a:rPr lang="zh-CN" altLang="en-US" sz="1400" dirty="0" smtClean="0"/>
+            <a:rPr lang="zh-CN" altLang="en-US" sz="1400" dirty="0"/>
             <a:t>回归</a:t>
           </a:r>
-          <a:endParaRPr lang="zh-CN" altLang="en-US" sz="1400" dirty="0"/>
         </a:p>
       </dgm:t>
     </dgm:pt>
@@ -2763,23 +2769,19 @@
         <a:lstStyle/>
         <a:p>
           <a:r>
-            <a:rPr lang="en-US" altLang="zh-CN" sz="1400" dirty="0" smtClean="0">
+            <a:rPr lang="en-US" altLang="zh-CN" sz="1400" dirty="0">
               <a:latin typeface="Times New Roman" panose="02020603050405020304" pitchFamily="18" charset="0"/>
               <a:cs typeface="Times New Roman" panose="02020603050405020304" pitchFamily="18" charset="0"/>
             </a:rPr>
             <a:t>ROC</a:t>
           </a:r>
           <a:r>
-            <a:rPr lang="zh-CN" altLang="en-US" sz="1400" dirty="0" smtClean="0">
+            <a:rPr lang="zh-CN" altLang="en-US" sz="1400" dirty="0">
               <a:latin typeface="Times New Roman" panose="02020603050405020304" pitchFamily="18" charset="0"/>
               <a:cs typeface="Times New Roman" panose="02020603050405020304" pitchFamily="18" charset="0"/>
             </a:rPr>
             <a:t>分析</a:t>
           </a:r>
-          <a:endParaRPr lang="zh-CN" altLang="en-US" sz="1400" dirty="0">
-            <a:latin typeface="Times New Roman" panose="02020603050405020304" pitchFamily="18" charset="0"/>
-            <a:cs typeface="Times New Roman" panose="02020603050405020304" pitchFamily="18" charset="0"/>
-          </a:endParaRPr>
         </a:p>
       </dgm:t>
     </dgm:pt>
@@ -2813,21 +2815,21 @@
         <a:lstStyle/>
         <a:p>
           <a:r>
-            <a:rPr lang="en-US" altLang="zh-CN" sz="1400" dirty="0" smtClean="0">
+            <a:rPr lang="en-US" altLang="zh-CN" sz="1400" dirty="0">
               <a:latin typeface="Times New Roman" panose="02020603050405020304" pitchFamily="18" charset="0"/>
               <a:cs typeface="Times New Roman" panose="02020603050405020304" pitchFamily="18" charset="0"/>
             </a:rPr>
             <a:t>NRI</a:t>
           </a:r>
           <a:r>
-            <a:rPr lang="zh-CN" altLang="en-US" sz="1400" dirty="0" smtClean="0">
+            <a:rPr lang="zh-CN" altLang="en-US" sz="1400" dirty="0">
               <a:latin typeface="Times New Roman" panose="02020603050405020304" pitchFamily="18" charset="0"/>
               <a:cs typeface="Times New Roman" panose="02020603050405020304" pitchFamily="18" charset="0"/>
             </a:rPr>
             <a:t>和</a:t>
           </a:r>
           <a:r>
-            <a:rPr lang="en-US" altLang="zh-CN" sz="1400" dirty="0" smtClean="0">
+            <a:rPr lang="en-US" altLang="zh-CN" sz="1400" dirty="0">
               <a:latin typeface="Times New Roman" panose="02020603050405020304" pitchFamily="18" charset="0"/>
               <a:cs typeface="Times New Roman" panose="02020603050405020304" pitchFamily="18" charset="0"/>
             </a:rPr>
@@ -2867,30 +2869,26 @@
         <a:lstStyle/>
         <a:p>
           <a:r>
-            <a:rPr lang="zh-CN" altLang="en-US" sz="1400" dirty="0" smtClean="0">
+            <a:rPr lang="zh-CN" altLang="en-US" sz="1400" dirty="0">
               <a:latin typeface="Times New Roman" panose="02020603050405020304" pitchFamily="18" charset="0"/>
               <a:cs typeface="Times New Roman" panose="02020603050405020304" pitchFamily="18" charset="0"/>
             </a:rPr>
             <a:t>限制性立方样条（</a:t>
           </a:r>
           <a:r>
-            <a:rPr lang="en-US" altLang="zh-CN" sz="1400" dirty="0" smtClean="0">
+            <a:rPr lang="en-US" altLang="zh-CN" sz="1400" dirty="0">
               <a:latin typeface="Times New Roman" panose="02020603050405020304" pitchFamily="18" charset="0"/>
               <a:cs typeface="Times New Roman" panose="02020603050405020304" pitchFamily="18" charset="0"/>
             </a:rPr>
             <a:t>RCS</a:t>
           </a:r>
           <a:r>
-            <a:rPr lang="zh-CN" altLang="en-US" sz="1400" dirty="0" smtClean="0">
+            <a:rPr lang="zh-CN" altLang="en-US" sz="1400" dirty="0">
               <a:latin typeface="Times New Roman" panose="02020603050405020304" pitchFamily="18" charset="0"/>
               <a:cs typeface="Times New Roman" panose="02020603050405020304" pitchFamily="18" charset="0"/>
             </a:rPr>
             <a:t>）</a:t>
           </a:r>
-          <a:endParaRPr lang="zh-CN" altLang="en-US" sz="1400" dirty="0">
-            <a:latin typeface="Times New Roman" panose="02020603050405020304" pitchFamily="18" charset="0"/>
-            <a:cs typeface="Times New Roman" panose="02020603050405020304" pitchFamily="18" charset="0"/>
-          </a:endParaRPr>
         </a:p>
       </dgm:t>
     </dgm:pt>
@@ -2927,13 +2925,6 @@
         </dgm:presLayoutVars>
       </dgm:prSet>
       <dgm:spPr/>
-      <dgm:t>
-        <a:bodyPr/>
-        <a:lstStyle/>
-        <a:p>
-          <a:endParaRPr lang="zh-CN" altLang="en-US"/>
-        </a:p>
-      </dgm:t>
     </dgm:pt>
     <dgm:pt modelId="{255B1160-FBC3-42F1-8D69-C6F1E895DD29}" type="pres">
       <dgm:prSet presAssocID="{34056986-2666-41AE-AF1C-2DDE8896B393}" presName="root" presStyleCnt="0"/>
@@ -2946,24 +2937,10 @@
     <dgm:pt modelId="{28871C56-86E6-42A9-B126-12E074E41452}" type="pres">
       <dgm:prSet presAssocID="{34056986-2666-41AE-AF1C-2DDE8896B393}" presName="rootText" presStyleLbl="node1" presStyleIdx="0" presStyleCnt="1" custScaleX="87684" custScaleY="30630" custLinFactNeighborX="-13291" custLinFactNeighborY="605"/>
       <dgm:spPr/>
-      <dgm:t>
-        <a:bodyPr/>
-        <a:lstStyle/>
-        <a:p>
-          <a:endParaRPr lang="zh-CN" altLang="en-US"/>
-        </a:p>
-      </dgm:t>
     </dgm:pt>
     <dgm:pt modelId="{92F6AE3F-1E3E-41D0-B768-5C2423D894BF}" type="pres">
       <dgm:prSet presAssocID="{34056986-2666-41AE-AF1C-2DDE8896B393}" presName="rootConnector" presStyleLbl="node1" presStyleIdx="0" presStyleCnt="1"/>
       <dgm:spPr/>
-      <dgm:t>
-        <a:bodyPr/>
-        <a:lstStyle/>
-        <a:p>
-          <a:endParaRPr lang="zh-CN" altLang="en-US"/>
-        </a:p>
-      </dgm:t>
     </dgm:pt>
     <dgm:pt modelId="{2B9DDED7-3A3F-4729-871B-E557532B823D}" type="pres">
       <dgm:prSet presAssocID="{34056986-2666-41AE-AF1C-2DDE8896B393}" presName="childShape" presStyleCnt="0"/>
@@ -2972,13 +2949,6 @@
     <dgm:pt modelId="{43D36F6B-64B1-4DB4-AFF8-7D344D714B1A}" type="pres">
       <dgm:prSet presAssocID="{65DAD07D-E74B-4565-B78E-56149E78C065}" presName="Name13" presStyleLbl="parChTrans1D2" presStyleIdx="0" presStyleCnt="12"/>
       <dgm:spPr/>
-      <dgm:t>
-        <a:bodyPr/>
-        <a:lstStyle/>
-        <a:p>
-          <a:endParaRPr lang="zh-CN" altLang="en-US"/>
-        </a:p>
-      </dgm:t>
     </dgm:pt>
     <dgm:pt modelId="{169207AD-8A1F-42E4-B949-0DBD721663A0}" type="pres">
       <dgm:prSet presAssocID="{DD3861E8-843E-43EC-BF4F-ACD97A3E9418}" presName="childText" presStyleLbl="bgAcc1" presStyleIdx="0" presStyleCnt="12" custScaleX="72037" custScaleY="25587">
@@ -2987,24 +2957,10 @@
         </dgm:presLayoutVars>
       </dgm:prSet>
       <dgm:spPr/>
-      <dgm:t>
-        <a:bodyPr/>
-        <a:lstStyle/>
-        <a:p>
-          <a:endParaRPr lang="zh-CN" altLang="en-US"/>
-        </a:p>
-      </dgm:t>
     </dgm:pt>
     <dgm:pt modelId="{EB9659E7-9A53-4644-9314-86DE72DC9001}" type="pres">
       <dgm:prSet presAssocID="{51F11A03-7701-449C-A577-60E1D680E19A}" presName="Name13" presStyleLbl="parChTrans1D2" presStyleIdx="1" presStyleCnt="12"/>
       <dgm:spPr/>
-      <dgm:t>
-        <a:bodyPr/>
-        <a:lstStyle/>
-        <a:p>
-          <a:endParaRPr lang="zh-CN" altLang="en-US"/>
-        </a:p>
-      </dgm:t>
     </dgm:pt>
     <dgm:pt modelId="{4FB9068B-7DB7-4553-A520-C65CBDA48E47}" type="pres">
       <dgm:prSet presAssocID="{3985C515-0B94-49C0-8E0B-12AAF058782B}" presName="childText" presStyleLbl="bgAcc1" presStyleIdx="1" presStyleCnt="12" custScaleX="72334" custScaleY="25613">
@@ -3013,24 +2969,10 @@
         </dgm:presLayoutVars>
       </dgm:prSet>
       <dgm:spPr/>
-      <dgm:t>
-        <a:bodyPr/>
-        <a:lstStyle/>
-        <a:p>
-          <a:endParaRPr lang="zh-CN" altLang="en-US"/>
-        </a:p>
-      </dgm:t>
     </dgm:pt>
     <dgm:pt modelId="{C52EAAA0-3D93-49E1-9C5B-C5AECA912F36}" type="pres">
       <dgm:prSet presAssocID="{BD81DC21-B32C-4C72-8374-613991D6E1EA}" presName="Name13" presStyleLbl="parChTrans1D2" presStyleIdx="2" presStyleCnt="12"/>
       <dgm:spPr/>
-      <dgm:t>
-        <a:bodyPr/>
-        <a:lstStyle/>
-        <a:p>
-          <a:endParaRPr lang="zh-CN" altLang="en-US"/>
-        </a:p>
-      </dgm:t>
     </dgm:pt>
     <dgm:pt modelId="{048A9ECF-9D80-4B92-8F1E-BCCEE5386184}" type="pres">
       <dgm:prSet presAssocID="{78B2DFB2-2F1F-488A-8479-D43D76F53C74}" presName="childText" presStyleLbl="bgAcc1" presStyleIdx="2" presStyleCnt="12" custScaleX="72708" custScaleY="25719" custLinFactNeighborX="-40" custLinFactNeighborY="-193">
@@ -3039,24 +2981,10 @@
         </dgm:presLayoutVars>
       </dgm:prSet>
       <dgm:spPr/>
-      <dgm:t>
-        <a:bodyPr/>
-        <a:lstStyle/>
-        <a:p>
-          <a:endParaRPr lang="zh-CN" altLang="en-US"/>
-        </a:p>
-      </dgm:t>
     </dgm:pt>
     <dgm:pt modelId="{75D7EA51-CD76-43FD-BCF9-E99A1ACB081F}" type="pres">
       <dgm:prSet presAssocID="{69BD8A25-FC6E-412F-97DF-626058C289B8}" presName="Name13" presStyleLbl="parChTrans1D2" presStyleIdx="3" presStyleCnt="12"/>
       <dgm:spPr/>
-      <dgm:t>
-        <a:bodyPr/>
-        <a:lstStyle/>
-        <a:p>
-          <a:endParaRPr lang="zh-CN" altLang="en-US"/>
-        </a:p>
-      </dgm:t>
     </dgm:pt>
     <dgm:pt modelId="{1F8EBB40-AD1E-43BB-BB82-9B7B2FD97A19}" type="pres">
       <dgm:prSet presAssocID="{26562236-CAB2-45E3-872B-DE66CB2D3B52}" presName="childText" presStyleLbl="bgAcc1" presStyleIdx="3" presStyleCnt="12" custScaleX="73086" custScaleY="25852" custLinFactNeighborX="-40" custLinFactNeighborY="-193">
@@ -3065,24 +2993,10 @@
         </dgm:presLayoutVars>
       </dgm:prSet>
       <dgm:spPr/>
-      <dgm:t>
-        <a:bodyPr/>
-        <a:lstStyle/>
-        <a:p>
-          <a:endParaRPr lang="zh-CN" altLang="en-US"/>
-        </a:p>
-      </dgm:t>
     </dgm:pt>
     <dgm:pt modelId="{9AC2FDAE-2F83-4984-8458-A45E86189C69}" type="pres">
       <dgm:prSet presAssocID="{5B5EE49F-4575-4840-B566-266C0BA44343}" presName="Name13" presStyleLbl="parChTrans1D2" presStyleIdx="4" presStyleCnt="12"/>
       <dgm:spPr/>
-      <dgm:t>
-        <a:bodyPr/>
-        <a:lstStyle/>
-        <a:p>
-          <a:endParaRPr lang="zh-CN" altLang="en-US"/>
-        </a:p>
-      </dgm:t>
     </dgm:pt>
     <dgm:pt modelId="{D1BA5B84-998D-4AE3-8F00-B8174DEF8B2A}" type="pres">
       <dgm:prSet presAssocID="{A0DB7D28-19B7-47F6-9A84-CA4AC8FD1B45}" presName="childText" presStyleLbl="bgAcc1" presStyleIdx="4" presStyleCnt="12" custScaleX="73546" custScaleY="25986" custLinFactNeighborX="-40" custLinFactNeighborY="-193">
@@ -3091,24 +3005,10 @@
         </dgm:presLayoutVars>
       </dgm:prSet>
       <dgm:spPr/>
-      <dgm:t>
-        <a:bodyPr/>
-        <a:lstStyle/>
-        <a:p>
-          <a:endParaRPr lang="zh-CN" altLang="en-US"/>
-        </a:p>
-      </dgm:t>
     </dgm:pt>
     <dgm:pt modelId="{04789028-5A03-46A1-8B65-CC2BF7F10F23}" type="pres">
       <dgm:prSet presAssocID="{1D224A27-EF88-4575-8C5C-17DB75230009}" presName="Name13" presStyleLbl="parChTrans1D2" presStyleIdx="5" presStyleCnt="12"/>
       <dgm:spPr/>
-      <dgm:t>
-        <a:bodyPr/>
-        <a:lstStyle/>
-        <a:p>
-          <a:endParaRPr lang="zh-CN" altLang="en-US"/>
-        </a:p>
-      </dgm:t>
     </dgm:pt>
     <dgm:pt modelId="{5AA439A5-4769-4090-8803-6CC1C9192883}" type="pres">
       <dgm:prSet presAssocID="{1E9F7328-5C16-47B7-B80B-083989395D0A}" presName="childText" presStyleLbl="bgAcc1" presStyleIdx="5" presStyleCnt="12" custScaleX="73933" custScaleY="26150" custLinFactNeighborX="-40" custLinFactNeighborY="-193">
@@ -3117,24 +3017,10 @@
         </dgm:presLayoutVars>
       </dgm:prSet>
       <dgm:spPr/>
-      <dgm:t>
-        <a:bodyPr/>
-        <a:lstStyle/>
-        <a:p>
-          <a:endParaRPr lang="zh-CN" altLang="en-US"/>
-        </a:p>
-      </dgm:t>
     </dgm:pt>
     <dgm:pt modelId="{C273DD00-29C5-4C55-9492-16027570554D}" type="pres">
       <dgm:prSet presAssocID="{727EEF25-5726-48D6-BCEE-15735CC5B06A}" presName="Name13" presStyleLbl="parChTrans1D2" presStyleIdx="6" presStyleCnt="12"/>
       <dgm:spPr/>
-      <dgm:t>
-        <a:bodyPr/>
-        <a:lstStyle/>
-        <a:p>
-          <a:endParaRPr lang="zh-CN" altLang="en-US"/>
-        </a:p>
-      </dgm:t>
     </dgm:pt>
     <dgm:pt modelId="{2CB1C6E7-9142-4D03-A094-6A7E37BFF4B9}" type="pres">
       <dgm:prSet presAssocID="{D1710CBD-AB40-4F45-8178-834B49B3DA01}" presName="childText" presStyleLbl="bgAcc1" presStyleIdx="6" presStyleCnt="12" custScaleX="73933" custScaleY="26287" custLinFactNeighborX="-40" custLinFactNeighborY="-193">
@@ -3143,24 +3029,10 @@
         </dgm:presLayoutVars>
       </dgm:prSet>
       <dgm:spPr/>
-      <dgm:t>
-        <a:bodyPr/>
-        <a:lstStyle/>
-        <a:p>
-          <a:endParaRPr lang="zh-CN" altLang="en-US"/>
-        </a:p>
-      </dgm:t>
     </dgm:pt>
     <dgm:pt modelId="{E3FD055E-5114-4AE0-876F-3220E45CF707}" type="pres">
       <dgm:prSet presAssocID="{5140BE97-C22D-4E5F-89DE-41E3841149BD}" presName="Name13" presStyleLbl="parChTrans1D2" presStyleIdx="7" presStyleCnt="12"/>
       <dgm:spPr/>
-      <dgm:t>
-        <a:bodyPr/>
-        <a:lstStyle/>
-        <a:p>
-          <a:endParaRPr lang="zh-CN" altLang="en-US"/>
-        </a:p>
-      </dgm:t>
     </dgm:pt>
     <dgm:pt modelId="{81CCEF33-02CC-440B-B6DA-92C1028740FF}" type="pres">
       <dgm:prSet presAssocID="{FC53A1AA-2FAB-4595-ABA3-BE4FEBEBDD3A}" presName="childText" presStyleLbl="bgAcc1" presStyleIdx="7" presStyleCnt="12" custScaleX="74879" custScaleY="26454" custLinFactNeighborX="-40" custLinFactNeighborY="-193">
@@ -3169,24 +3041,10 @@
         </dgm:presLayoutVars>
       </dgm:prSet>
       <dgm:spPr/>
-      <dgm:t>
-        <a:bodyPr/>
-        <a:lstStyle/>
-        <a:p>
-          <a:endParaRPr lang="zh-CN" altLang="en-US"/>
-        </a:p>
-      </dgm:t>
     </dgm:pt>
     <dgm:pt modelId="{6AF2AD2A-5585-4128-8FDB-D938FC490509}" type="pres">
       <dgm:prSet presAssocID="{B2FCBF77-CF7F-456C-B23C-70773AE0ED25}" presName="Name13" presStyleLbl="parChTrans1D2" presStyleIdx="8" presStyleCnt="12"/>
       <dgm:spPr/>
-      <dgm:t>
-        <a:bodyPr/>
-        <a:lstStyle/>
-        <a:p>
-          <a:endParaRPr lang="zh-CN" altLang="en-US"/>
-        </a:p>
-      </dgm:t>
     </dgm:pt>
     <dgm:pt modelId="{4432AA66-218A-4C6C-91BB-FACCC74AEE94}" type="pres">
       <dgm:prSet presAssocID="{F9C7345D-FB0F-4765-BAD5-5319E4AC2BDB}" presName="childText" presStyleLbl="bgAcc1" presStyleIdx="8" presStyleCnt="12" custScaleX="75361" custScaleY="26623" custLinFactNeighborX="-40" custLinFactNeighborY="-193">
@@ -3195,24 +3053,10 @@
         </dgm:presLayoutVars>
       </dgm:prSet>
       <dgm:spPr/>
-      <dgm:t>
-        <a:bodyPr/>
-        <a:lstStyle/>
-        <a:p>
-          <a:endParaRPr lang="zh-CN" altLang="en-US"/>
-        </a:p>
-      </dgm:t>
     </dgm:pt>
     <dgm:pt modelId="{4123A999-C1E6-444A-81D8-167F1754D406}" type="pres">
       <dgm:prSet presAssocID="{0A7B90AB-D26A-4D71-A701-F301E0CE5290}" presName="Name13" presStyleLbl="parChTrans1D2" presStyleIdx="9" presStyleCnt="12"/>
       <dgm:spPr/>
-      <dgm:t>
-        <a:bodyPr/>
-        <a:lstStyle/>
-        <a:p>
-          <a:endParaRPr lang="zh-CN" altLang="en-US"/>
-        </a:p>
-      </dgm:t>
     </dgm:pt>
     <dgm:pt modelId="{8C250DEF-F378-4621-811C-8C42C006096A}" type="pres">
       <dgm:prSet presAssocID="{D89FECDC-A308-49FE-B12B-52B03C73346C}" presName="childText" presStyleLbl="bgAcc1" presStyleIdx="9" presStyleCnt="12" custScaleX="75849" custScaleY="26795" custLinFactNeighborX="-40" custLinFactNeighborY="-193">
@@ -3221,24 +3065,10 @@
         </dgm:presLayoutVars>
       </dgm:prSet>
       <dgm:spPr/>
-      <dgm:t>
-        <a:bodyPr/>
-        <a:lstStyle/>
-        <a:p>
-          <a:endParaRPr lang="zh-CN" altLang="en-US"/>
-        </a:p>
-      </dgm:t>
     </dgm:pt>
     <dgm:pt modelId="{85FCF8EB-ACB5-4FDA-8DC2-F3BE34E479C7}" type="pres">
       <dgm:prSet presAssocID="{FB2CC241-6B83-4C10-B479-2671C94D8866}" presName="Name13" presStyleLbl="parChTrans1D2" presStyleIdx="10" presStyleCnt="12"/>
       <dgm:spPr/>
-      <dgm:t>
-        <a:bodyPr/>
-        <a:lstStyle/>
-        <a:p>
-          <a:endParaRPr lang="zh-CN" altLang="en-US"/>
-        </a:p>
-      </dgm:t>
     </dgm:pt>
     <dgm:pt modelId="{F59A84C3-B401-4665-87B8-CA28D7E7B0FE}" type="pres">
       <dgm:prSet presAssocID="{39FFE7A1-3D26-47C0-95DF-D5FD224216C1}" presName="childText" presStyleLbl="bgAcc1" presStyleIdx="10" presStyleCnt="12" custScaleX="76427" custScaleY="26969" custLinFactNeighborX="-40" custLinFactNeighborY="-193">
@@ -3247,24 +3077,10 @@
         </dgm:presLayoutVars>
       </dgm:prSet>
       <dgm:spPr/>
-      <dgm:t>
-        <a:bodyPr/>
-        <a:lstStyle/>
-        <a:p>
-          <a:endParaRPr lang="zh-CN" altLang="en-US"/>
-        </a:p>
-      </dgm:t>
     </dgm:pt>
     <dgm:pt modelId="{79ACB423-0B99-4D7E-BD23-3C6D3CF0507E}" type="pres">
       <dgm:prSet presAssocID="{5B370E0D-E146-4AC3-9330-5E7ADC5C8691}" presName="Name13" presStyleLbl="parChTrans1D2" presStyleIdx="11" presStyleCnt="12"/>
       <dgm:spPr/>
-      <dgm:t>
-        <a:bodyPr/>
-        <a:lstStyle/>
-        <a:p>
-          <a:endParaRPr lang="zh-CN" altLang="en-US"/>
-        </a:p>
-      </dgm:t>
     </dgm:pt>
     <dgm:pt modelId="{9B280429-AF32-4E5F-B59D-3F9A6F384BED}" type="pres">
       <dgm:prSet presAssocID="{AFD70870-C602-461D-BA8B-2C9F917060D2}" presName="childText" presStyleLbl="bgAcc1" presStyleIdx="11" presStyleCnt="12" custScaleX="76929" custScaleY="38761" custLinFactNeighborX="-40" custLinFactNeighborY="-193">
@@ -3273,56 +3089,49 @@
         </dgm:presLayoutVars>
       </dgm:prSet>
       <dgm:spPr/>
-      <dgm:t>
-        <a:bodyPr/>
-        <a:lstStyle/>
-        <a:p>
-          <a:endParaRPr lang="zh-CN" altLang="en-US"/>
-        </a:p>
-      </dgm:t>
     </dgm:pt>
   </dgm:ptLst>
   <dgm:cxnLst>
+    <dgm:cxn modelId="{E1D6C401-7485-436A-AED1-262C0C6A447E}" srcId="{34056986-2666-41AE-AF1C-2DDE8896B393}" destId="{3985C515-0B94-49C0-8E0B-12AAF058782B}" srcOrd="1" destOrd="0" parTransId="{51F11A03-7701-449C-A577-60E1D680E19A}" sibTransId="{65D58652-7033-4BA7-BA8F-7E2DE12F50BB}"/>
+    <dgm:cxn modelId="{BCD7FF01-045D-4689-B94E-CB6B65AD4403}" srcId="{530853BB-A3FC-4BE4-8043-E66AEB4AF174}" destId="{34056986-2666-41AE-AF1C-2DDE8896B393}" srcOrd="0" destOrd="0" parTransId="{5B1DD257-7CC7-4C0C-B594-EC43FE6A864D}" sibTransId="{753A4B17-BA61-4180-99BF-D58E0F2FC3CC}"/>
+    <dgm:cxn modelId="{84211803-F468-4803-8163-96C6660DBECF}" srcId="{34056986-2666-41AE-AF1C-2DDE8896B393}" destId="{26562236-CAB2-45E3-872B-DE66CB2D3B52}" srcOrd="3" destOrd="0" parTransId="{69BD8A25-FC6E-412F-97DF-626058C289B8}" sibTransId="{82CBBD28-6ADE-4BEF-8D88-3072098F1668}"/>
+    <dgm:cxn modelId="{2E5AA109-5CB9-44E5-9B4B-96010795B273}" type="presOf" srcId="{D89FECDC-A308-49FE-B12B-52B03C73346C}" destId="{8C250DEF-F378-4621-811C-8C42C006096A}" srcOrd="0" destOrd="0" presId="urn:microsoft.com/office/officeart/2005/8/layout/hierarchy3"/>
+    <dgm:cxn modelId="{19EFAB0F-47F1-46B6-AD58-D42947920E1D}" type="presOf" srcId="{51F11A03-7701-449C-A577-60E1D680E19A}" destId="{EB9659E7-9A53-4644-9314-86DE72DC9001}" srcOrd="0" destOrd="0" presId="urn:microsoft.com/office/officeart/2005/8/layout/hierarchy3"/>
+    <dgm:cxn modelId="{3F8F1117-2AB6-41B3-B34E-EF24A0C4D884}" type="presOf" srcId="{69BD8A25-FC6E-412F-97DF-626058C289B8}" destId="{75D7EA51-CD76-43FD-BCF9-E99A1ACB081F}" srcOrd="0" destOrd="0" presId="urn:microsoft.com/office/officeart/2005/8/layout/hierarchy3"/>
+    <dgm:cxn modelId="{5823061E-0B91-4AC0-966E-091B008B4A46}" type="presOf" srcId="{F9C7345D-FB0F-4765-BAD5-5319E4AC2BDB}" destId="{4432AA66-218A-4C6C-91BB-FACCC74AEE94}" srcOrd="0" destOrd="0" presId="urn:microsoft.com/office/officeart/2005/8/layout/hierarchy3"/>
+    <dgm:cxn modelId="{B1F82025-A7DA-4EAE-8830-8C36C7BCFB58}" type="presOf" srcId="{26562236-CAB2-45E3-872B-DE66CB2D3B52}" destId="{1F8EBB40-AD1E-43BB-BB82-9B7B2FD97A19}" srcOrd="0" destOrd="0" presId="urn:microsoft.com/office/officeart/2005/8/layout/hierarchy3"/>
+    <dgm:cxn modelId="{E5726C33-BD3E-4F7B-A3C8-CF4FAEAC4763}" srcId="{34056986-2666-41AE-AF1C-2DDE8896B393}" destId="{78B2DFB2-2F1F-488A-8479-D43D76F53C74}" srcOrd="2" destOrd="0" parTransId="{BD81DC21-B32C-4C72-8374-613991D6E1EA}" sibTransId="{A47E901D-6E56-40A1-A8CE-8E05517BF615}"/>
+    <dgm:cxn modelId="{7992673E-7880-4DDD-ADEB-172151A16A16}" type="presOf" srcId="{65DAD07D-E74B-4565-B78E-56149E78C065}" destId="{43D36F6B-64B1-4DB4-AFF8-7D344D714B1A}" srcOrd="0" destOrd="0" presId="urn:microsoft.com/office/officeart/2005/8/layout/hierarchy3"/>
+    <dgm:cxn modelId="{9E425E43-2368-42E2-BA2C-A235A0DED11C}" type="presOf" srcId="{3985C515-0B94-49C0-8E0B-12AAF058782B}" destId="{4FB9068B-7DB7-4553-A520-C65CBDA48E47}" srcOrd="0" destOrd="0" presId="urn:microsoft.com/office/officeart/2005/8/layout/hierarchy3"/>
+    <dgm:cxn modelId="{BE2DDF46-423F-4C09-BA94-CCE956372542}" type="presOf" srcId="{78B2DFB2-2F1F-488A-8479-D43D76F53C74}" destId="{048A9ECF-9D80-4B92-8F1E-BCCEE5386184}" srcOrd="0" destOrd="0" presId="urn:microsoft.com/office/officeart/2005/8/layout/hierarchy3"/>
+    <dgm:cxn modelId="{A0F1E847-FB6E-433D-8718-38520D149D99}" srcId="{34056986-2666-41AE-AF1C-2DDE8896B393}" destId="{39FFE7A1-3D26-47C0-95DF-D5FD224216C1}" srcOrd="10" destOrd="0" parTransId="{FB2CC241-6B83-4C10-B479-2671C94D8866}" sibTransId="{37B574BE-28F1-4058-9683-0B8971CE782D}"/>
+    <dgm:cxn modelId="{BABC536A-B779-4EF9-B979-E99A639C33CE}" type="presOf" srcId="{5B5EE49F-4575-4840-B566-266C0BA44343}" destId="{9AC2FDAE-2F83-4984-8458-A45E86189C69}" srcOrd="0" destOrd="0" presId="urn:microsoft.com/office/officeart/2005/8/layout/hierarchy3"/>
+    <dgm:cxn modelId="{BA70E56D-F6B9-4367-967A-24775B6FB8C6}" srcId="{34056986-2666-41AE-AF1C-2DDE8896B393}" destId="{DD3861E8-843E-43EC-BF4F-ACD97A3E9418}" srcOrd="0" destOrd="0" parTransId="{65DAD07D-E74B-4565-B78E-56149E78C065}" sibTransId="{79DC67DD-5A9D-47E8-B04E-E9A428440411}"/>
+    <dgm:cxn modelId="{88EEDB4F-ECD6-4B62-8AE1-F4C47DCD0E7D}" srcId="{34056986-2666-41AE-AF1C-2DDE8896B393}" destId="{FC53A1AA-2FAB-4595-ABA3-BE4FEBEBDD3A}" srcOrd="7" destOrd="0" parTransId="{5140BE97-C22D-4E5F-89DE-41E3841149BD}" sibTransId="{CF867E1D-3DC5-4AB6-A200-58D16B2C61B9}"/>
+    <dgm:cxn modelId="{4C290570-62D3-4941-BC41-D80F4E3159D4}" type="presOf" srcId="{34056986-2666-41AE-AF1C-2DDE8896B393}" destId="{92F6AE3F-1E3E-41D0-B768-5C2423D894BF}" srcOrd="1" destOrd="0" presId="urn:microsoft.com/office/officeart/2005/8/layout/hierarchy3"/>
+    <dgm:cxn modelId="{1BE2FE75-D34D-429D-A9DE-114B8CD55235}" type="presOf" srcId="{FC53A1AA-2FAB-4595-ABA3-BE4FEBEBDD3A}" destId="{81CCEF33-02CC-440B-B6DA-92C1028740FF}" srcOrd="0" destOrd="0" presId="urn:microsoft.com/office/officeart/2005/8/layout/hierarchy3"/>
     <dgm:cxn modelId="{0102097C-F933-4CA9-A51B-C804547C96C9}" type="presOf" srcId="{BD81DC21-B32C-4C72-8374-613991D6E1EA}" destId="{C52EAAA0-3D93-49E1-9C5B-C5AECA912F36}" srcOrd="0" destOrd="0" presId="urn:microsoft.com/office/officeart/2005/8/layout/hierarchy3"/>
-    <dgm:cxn modelId="{6F74F0C7-94CD-42AE-8A7B-B0A5BCC3C66A}" type="presOf" srcId="{B2FCBF77-CF7F-456C-B23C-70773AE0ED25}" destId="{6AF2AD2A-5585-4128-8FDB-D938FC490509}" srcOrd="0" destOrd="0" presId="urn:microsoft.com/office/officeart/2005/8/layout/hierarchy3"/>
-    <dgm:cxn modelId="{2A0401A0-8E03-4C34-A92C-6F413D0E3ED0}" type="presOf" srcId="{AFD70870-C602-461D-BA8B-2C9F917060D2}" destId="{9B280429-AF32-4E5F-B59D-3F9A6F384BED}" srcOrd="0" destOrd="0" presId="urn:microsoft.com/office/officeart/2005/8/layout/hierarchy3"/>
-    <dgm:cxn modelId="{9E79599B-23BE-4549-B267-4A70E7E21030}" type="presOf" srcId="{5140BE97-C22D-4E5F-89DE-41E3841149BD}" destId="{E3FD055E-5114-4AE0-876F-3220E45CF707}" srcOrd="0" destOrd="0" presId="urn:microsoft.com/office/officeart/2005/8/layout/hierarchy3"/>
-    <dgm:cxn modelId="{BE2DDF46-423F-4C09-BA94-CCE956372542}" type="presOf" srcId="{78B2DFB2-2F1F-488A-8479-D43D76F53C74}" destId="{048A9ECF-9D80-4B92-8F1E-BCCEE5386184}" srcOrd="0" destOrd="0" presId="urn:microsoft.com/office/officeart/2005/8/layout/hierarchy3"/>
-    <dgm:cxn modelId="{4C290570-62D3-4941-BC41-D80F4E3159D4}" type="presOf" srcId="{34056986-2666-41AE-AF1C-2DDE8896B393}" destId="{92F6AE3F-1E3E-41D0-B768-5C2423D894BF}" srcOrd="1" destOrd="0" presId="urn:microsoft.com/office/officeart/2005/8/layout/hierarchy3"/>
     <dgm:cxn modelId="{38F32B81-C44F-4DDB-A965-419B58F4EF7F}" type="presOf" srcId="{FB2CC241-6B83-4C10-B479-2671C94D8866}" destId="{85FCF8EB-ACB5-4FDA-8DC2-F3BE34E479C7}" srcOrd="0" destOrd="0" presId="urn:microsoft.com/office/officeart/2005/8/layout/hierarchy3"/>
-    <dgm:cxn modelId="{B1F82025-A7DA-4EAE-8830-8C36C7BCFB58}" type="presOf" srcId="{26562236-CAB2-45E3-872B-DE66CB2D3B52}" destId="{1F8EBB40-AD1E-43BB-BB82-9B7B2FD97A19}" srcOrd="0" destOrd="0" presId="urn:microsoft.com/office/officeart/2005/8/layout/hierarchy3"/>
-    <dgm:cxn modelId="{1CE222A6-0D1C-4DC6-9239-22F539486DE1}" type="presOf" srcId="{A0DB7D28-19B7-47F6-9A84-CA4AC8FD1B45}" destId="{D1BA5B84-998D-4AE3-8F00-B8174DEF8B2A}" srcOrd="0" destOrd="0" presId="urn:microsoft.com/office/officeart/2005/8/layout/hierarchy3"/>
-    <dgm:cxn modelId="{3F8F1117-2AB6-41B3-B34E-EF24A0C4D884}" type="presOf" srcId="{69BD8A25-FC6E-412F-97DF-626058C289B8}" destId="{75D7EA51-CD76-43FD-BCF9-E99A1ACB081F}" srcOrd="0" destOrd="0" presId="urn:microsoft.com/office/officeart/2005/8/layout/hierarchy3"/>
-    <dgm:cxn modelId="{88EEDB4F-ECD6-4B62-8AE1-F4C47DCD0E7D}" srcId="{34056986-2666-41AE-AF1C-2DDE8896B393}" destId="{FC53A1AA-2FAB-4595-ABA3-BE4FEBEBDD3A}" srcOrd="7" destOrd="0" parTransId="{5140BE97-C22D-4E5F-89DE-41E3841149BD}" sibTransId="{CF867E1D-3DC5-4AB6-A200-58D16B2C61B9}"/>
-    <dgm:cxn modelId="{3A849DB2-276E-4CC6-8A31-17FF24DB933D}" type="presOf" srcId="{0A7B90AB-D26A-4D71-A701-F301E0CE5290}" destId="{4123A999-C1E6-444A-81D8-167F1754D406}" srcOrd="0" destOrd="0" presId="urn:microsoft.com/office/officeart/2005/8/layout/hierarchy3"/>
-    <dgm:cxn modelId="{EABAD2F5-52BA-4F95-9624-4D8CB24B24A4}" type="presOf" srcId="{727EEF25-5726-48D6-BCEE-15735CC5B06A}" destId="{C273DD00-29C5-4C55-9492-16027570554D}" srcOrd="0" destOrd="0" presId="urn:microsoft.com/office/officeart/2005/8/layout/hierarchy3"/>
+    <dgm:cxn modelId="{BC3A5683-BB09-4EC8-8860-E422F3A023F9}" type="presOf" srcId="{DD3861E8-843E-43EC-BF4F-ACD97A3E9418}" destId="{169207AD-8A1F-42E4-B949-0DBD721663A0}" srcOrd="0" destOrd="0" presId="urn:microsoft.com/office/officeart/2005/8/layout/hierarchy3"/>
+    <dgm:cxn modelId="{D6244485-35E1-46DD-B2A6-0844E32FAA5F}" srcId="{34056986-2666-41AE-AF1C-2DDE8896B393}" destId="{AFD70870-C602-461D-BA8B-2C9F917060D2}" srcOrd="11" destOrd="0" parTransId="{5B370E0D-E146-4AC3-9330-5E7ADC5C8691}" sibTransId="{2FC06417-BBCB-481E-856B-912C1C85B023}"/>
+    <dgm:cxn modelId="{53DEDA8A-2E15-466F-B5B8-1DC731B20E1C}" srcId="{34056986-2666-41AE-AF1C-2DDE8896B393}" destId="{D1710CBD-AB40-4F45-8178-834B49B3DA01}" srcOrd="6" destOrd="0" parTransId="{727EEF25-5726-48D6-BCEE-15735CC5B06A}" sibTransId="{1A1D70BF-605C-4BAA-A634-B6E3560003C7}"/>
+    <dgm:cxn modelId="{0781968D-1232-4FD8-A72E-2AE34E61DDC6}" type="presOf" srcId="{D1710CBD-AB40-4F45-8178-834B49B3DA01}" destId="{2CB1C6E7-9142-4D03-A094-6A7E37BFF4B9}" srcOrd="0" destOrd="0" presId="urn:microsoft.com/office/officeart/2005/8/layout/hierarchy3"/>
     <dgm:cxn modelId="{B0B82C8E-44E8-4F28-A906-76C150AF642B}" srcId="{34056986-2666-41AE-AF1C-2DDE8896B393}" destId="{F9C7345D-FB0F-4765-BAD5-5319E4AC2BDB}" srcOrd="8" destOrd="0" parTransId="{B2FCBF77-CF7F-456C-B23C-70773AE0ED25}" sibTransId="{AC6F6B50-2F02-4384-A745-B364C952ADCD}"/>
     <dgm:cxn modelId="{96251D92-F2CA-4BAE-8FD7-2CED1547594C}" type="presOf" srcId="{5B370E0D-E146-4AC3-9330-5E7ADC5C8691}" destId="{79ACB423-0B99-4D7E-BD23-3C6D3CF0507E}" srcOrd="0" destOrd="0" presId="urn:microsoft.com/office/officeart/2005/8/layout/hierarchy3"/>
-    <dgm:cxn modelId="{BABC536A-B779-4EF9-B979-E99A639C33CE}" type="presOf" srcId="{5B5EE49F-4575-4840-B566-266C0BA44343}" destId="{9AC2FDAE-2F83-4984-8458-A45E86189C69}" srcOrd="0" destOrd="0" presId="urn:microsoft.com/office/officeart/2005/8/layout/hierarchy3"/>
-    <dgm:cxn modelId="{D6244485-35E1-46DD-B2A6-0844E32FAA5F}" srcId="{34056986-2666-41AE-AF1C-2DDE8896B393}" destId="{AFD70870-C602-461D-BA8B-2C9F917060D2}" srcOrd="11" destOrd="0" parTransId="{5B370E0D-E146-4AC3-9330-5E7ADC5C8691}" sibTransId="{2FC06417-BBCB-481E-856B-912C1C85B023}"/>
-    <dgm:cxn modelId="{E5726C33-BD3E-4F7B-A3C8-CF4FAEAC4763}" srcId="{34056986-2666-41AE-AF1C-2DDE8896B393}" destId="{78B2DFB2-2F1F-488A-8479-D43D76F53C74}" srcOrd="2" destOrd="0" parTransId="{BD81DC21-B32C-4C72-8374-613991D6E1EA}" sibTransId="{A47E901D-6E56-40A1-A8CE-8E05517BF615}"/>
+    <dgm:cxn modelId="{9E79599B-23BE-4549-B267-4A70E7E21030}" type="presOf" srcId="{5140BE97-C22D-4E5F-89DE-41E3841149BD}" destId="{E3FD055E-5114-4AE0-876F-3220E45CF707}" srcOrd="0" destOrd="0" presId="urn:microsoft.com/office/officeart/2005/8/layout/hierarchy3"/>
+    <dgm:cxn modelId="{2A0401A0-8E03-4C34-A92C-6F413D0E3ED0}" type="presOf" srcId="{AFD70870-C602-461D-BA8B-2C9F917060D2}" destId="{9B280429-AF32-4E5F-B59D-3F9A6F384BED}" srcOrd="0" destOrd="0" presId="urn:microsoft.com/office/officeart/2005/8/layout/hierarchy3"/>
+    <dgm:cxn modelId="{5F4A52A3-B7A3-46DD-9A8F-7DD6E0F7FA0F}" type="presOf" srcId="{39FFE7A1-3D26-47C0-95DF-D5FD224216C1}" destId="{F59A84C3-B401-4665-87B8-CA28D7E7B0FE}" srcOrd="0" destOrd="0" presId="urn:microsoft.com/office/officeart/2005/8/layout/hierarchy3"/>
+    <dgm:cxn modelId="{1CE222A6-0D1C-4DC6-9239-22F539486DE1}" type="presOf" srcId="{A0DB7D28-19B7-47F6-9A84-CA4AC8FD1B45}" destId="{D1BA5B84-998D-4AE3-8F00-B8174DEF8B2A}" srcOrd="0" destOrd="0" presId="urn:microsoft.com/office/officeart/2005/8/layout/hierarchy3"/>
+    <dgm:cxn modelId="{348F8DB2-45E8-49E6-8EA9-06B53396B0E5}" type="presOf" srcId="{1E9F7328-5C16-47B7-B80B-083989395D0A}" destId="{5AA439A5-4769-4090-8803-6CC1C9192883}" srcOrd="0" destOrd="0" presId="urn:microsoft.com/office/officeart/2005/8/layout/hierarchy3"/>
+    <dgm:cxn modelId="{3A849DB2-276E-4CC6-8A31-17FF24DB933D}" type="presOf" srcId="{0A7B90AB-D26A-4D71-A701-F301E0CE5290}" destId="{4123A999-C1E6-444A-81D8-167F1754D406}" srcOrd="0" destOrd="0" presId="urn:microsoft.com/office/officeart/2005/8/layout/hierarchy3"/>
+    <dgm:cxn modelId="{77E9D1B6-5B2B-4EB7-85B8-8D0A6570F044}" srcId="{34056986-2666-41AE-AF1C-2DDE8896B393}" destId="{1E9F7328-5C16-47B7-B80B-083989395D0A}" srcOrd="5" destOrd="0" parTransId="{1D224A27-EF88-4575-8C5C-17DB75230009}" sibTransId="{794D2DFA-3821-4F6B-BBBF-BF3B554E2A19}"/>
+    <dgm:cxn modelId="{89EE1ABE-8B69-4427-88D4-40DC846B4DA8}" type="presOf" srcId="{1D224A27-EF88-4575-8C5C-17DB75230009}" destId="{04789028-5A03-46A1-8B65-CC2BF7F10F23}" srcOrd="0" destOrd="0" presId="urn:microsoft.com/office/officeart/2005/8/layout/hierarchy3"/>
+    <dgm:cxn modelId="{6F74F0C7-94CD-42AE-8A7B-B0A5BCC3C66A}" type="presOf" srcId="{B2FCBF77-CF7F-456C-B23C-70773AE0ED25}" destId="{6AF2AD2A-5585-4128-8FDB-D938FC490509}" srcOrd="0" destOrd="0" presId="urn:microsoft.com/office/officeart/2005/8/layout/hierarchy3"/>
+    <dgm:cxn modelId="{8C85B3D6-6FE1-431E-ADA7-9F2BFFB83046}" type="presOf" srcId="{34056986-2666-41AE-AF1C-2DDE8896B393}" destId="{28871C56-86E6-42A9-B126-12E074E41452}" srcOrd="0" destOrd="0" presId="urn:microsoft.com/office/officeart/2005/8/layout/hierarchy3"/>
     <dgm:cxn modelId="{1C9C99DE-DA15-4D4F-8C48-2C79132038A3}" srcId="{34056986-2666-41AE-AF1C-2DDE8896B393}" destId="{D89FECDC-A308-49FE-B12B-52B03C73346C}" srcOrd="9" destOrd="0" parTransId="{0A7B90AB-D26A-4D71-A701-F301E0CE5290}" sibTransId="{CEA6578E-B6A6-4DE1-A2D2-527DC5EFA354}"/>
-    <dgm:cxn modelId="{8C85B3D6-6FE1-431E-ADA7-9F2BFFB83046}" type="presOf" srcId="{34056986-2666-41AE-AF1C-2DDE8896B393}" destId="{28871C56-86E6-42A9-B126-12E074E41452}" srcOrd="0" destOrd="0" presId="urn:microsoft.com/office/officeart/2005/8/layout/hierarchy3"/>
-    <dgm:cxn modelId="{E1D6C401-7485-436A-AED1-262C0C6A447E}" srcId="{34056986-2666-41AE-AF1C-2DDE8896B393}" destId="{3985C515-0B94-49C0-8E0B-12AAF058782B}" srcOrd="1" destOrd="0" parTransId="{51F11A03-7701-449C-A577-60E1D680E19A}" sibTransId="{65D58652-7033-4BA7-BA8F-7E2DE12F50BB}"/>
-    <dgm:cxn modelId="{BC3A5683-BB09-4EC8-8860-E422F3A023F9}" type="presOf" srcId="{DD3861E8-843E-43EC-BF4F-ACD97A3E9418}" destId="{169207AD-8A1F-42E4-B949-0DBD721663A0}" srcOrd="0" destOrd="0" presId="urn:microsoft.com/office/officeart/2005/8/layout/hierarchy3"/>
+    <dgm:cxn modelId="{9F13B0E4-5EAE-4712-8534-B07BB8DDC525}" srcId="{34056986-2666-41AE-AF1C-2DDE8896B393}" destId="{A0DB7D28-19B7-47F6-9A84-CA4AC8FD1B45}" srcOrd="4" destOrd="0" parTransId="{5B5EE49F-4575-4840-B566-266C0BA44343}" sibTransId="{A4D06BF6-0F29-48C1-B600-1B59F4586EB7}"/>
     <dgm:cxn modelId="{E72A0FED-E213-44A2-B246-F7E940EBB5AA}" type="presOf" srcId="{530853BB-A3FC-4BE4-8043-E66AEB4AF174}" destId="{F8F62866-FAED-444D-8280-5BE6897D0FAB}" srcOrd="0" destOrd="0" presId="urn:microsoft.com/office/officeart/2005/8/layout/hierarchy3"/>
-    <dgm:cxn modelId="{9E425E43-2368-42E2-BA2C-A235A0DED11C}" type="presOf" srcId="{3985C515-0B94-49C0-8E0B-12AAF058782B}" destId="{4FB9068B-7DB7-4553-A520-C65CBDA48E47}" srcOrd="0" destOrd="0" presId="urn:microsoft.com/office/officeart/2005/8/layout/hierarchy3"/>
-    <dgm:cxn modelId="{A0F1E847-FB6E-433D-8718-38520D149D99}" srcId="{34056986-2666-41AE-AF1C-2DDE8896B393}" destId="{39FFE7A1-3D26-47C0-95DF-D5FD224216C1}" srcOrd="10" destOrd="0" parTransId="{FB2CC241-6B83-4C10-B479-2671C94D8866}" sibTransId="{37B574BE-28F1-4058-9683-0B8971CE782D}"/>
-    <dgm:cxn modelId="{19EFAB0F-47F1-46B6-AD58-D42947920E1D}" type="presOf" srcId="{51F11A03-7701-449C-A577-60E1D680E19A}" destId="{EB9659E7-9A53-4644-9314-86DE72DC9001}" srcOrd="0" destOrd="0" presId="urn:microsoft.com/office/officeart/2005/8/layout/hierarchy3"/>
-    <dgm:cxn modelId="{7992673E-7880-4DDD-ADEB-172151A16A16}" type="presOf" srcId="{65DAD07D-E74B-4565-B78E-56149E78C065}" destId="{43D36F6B-64B1-4DB4-AFF8-7D344D714B1A}" srcOrd="0" destOrd="0" presId="urn:microsoft.com/office/officeart/2005/8/layout/hierarchy3"/>
-    <dgm:cxn modelId="{1BE2FE75-D34D-429D-A9DE-114B8CD55235}" type="presOf" srcId="{FC53A1AA-2FAB-4595-ABA3-BE4FEBEBDD3A}" destId="{81CCEF33-02CC-440B-B6DA-92C1028740FF}" srcOrd="0" destOrd="0" presId="urn:microsoft.com/office/officeart/2005/8/layout/hierarchy3"/>
-    <dgm:cxn modelId="{5F4A52A3-B7A3-46DD-9A8F-7DD6E0F7FA0F}" type="presOf" srcId="{39FFE7A1-3D26-47C0-95DF-D5FD224216C1}" destId="{F59A84C3-B401-4665-87B8-CA28D7E7B0FE}" srcOrd="0" destOrd="0" presId="urn:microsoft.com/office/officeart/2005/8/layout/hierarchy3"/>
-    <dgm:cxn modelId="{0781968D-1232-4FD8-A72E-2AE34E61DDC6}" type="presOf" srcId="{D1710CBD-AB40-4F45-8178-834B49B3DA01}" destId="{2CB1C6E7-9142-4D03-A094-6A7E37BFF4B9}" srcOrd="0" destOrd="0" presId="urn:microsoft.com/office/officeart/2005/8/layout/hierarchy3"/>
-    <dgm:cxn modelId="{84211803-F468-4803-8163-96C6660DBECF}" srcId="{34056986-2666-41AE-AF1C-2DDE8896B393}" destId="{26562236-CAB2-45E3-872B-DE66CB2D3B52}" srcOrd="3" destOrd="0" parTransId="{69BD8A25-FC6E-412F-97DF-626058C289B8}" sibTransId="{82CBBD28-6ADE-4BEF-8D88-3072098F1668}"/>
-    <dgm:cxn modelId="{BA70E56D-F6B9-4367-967A-24775B6FB8C6}" srcId="{34056986-2666-41AE-AF1C-2DDE8896B393}" destId="{DD3861E8-843E-43EC-BF4F-ACD97A3E9418}" srcOrd="0" destOrd="0" parTransId="{65DAD07D-E74B-4565-B78E-56149E78C065}" sibTransId="{79DC67DD-5A9D-47E8-B04E-E9A428440411}"/>
-    <dgm:cxn modelId="{5823061E-0B91-4AC0-966E-091B008B4A46}" type="presOf" srcId="{F9C7345D-FB0F-4765-BAD5-5319E4AC2BDB}" destId="{4432AA66-218A-4C6C-91BB-FACCC74AEE94}" srcOrd="0" destOrd="0" presId="urn:microsoft.com/office/officeart/2005/8/layout/hierarchy3"/>
-    <dgm:cxn modelId="{9F13B0E4-5EAE-4712-8534-B07BB8DDC525}" srcId="{34056986-2666-41AE-AF1C-2DDE8896B393}" destId="{A0DB7D28-19B7-47F6-9A84-CA4AC8FD1B45}" srcOrd="4" destOrd="0" parTransId="{5B5EE49F-4575-4840-B566-266C0BA44343}" sibTransId="{A4D06BF6-0F29-48C1-B600-1B59F4586EB7}"/>
-    <dgm:cxn modelId="{53DEDA8A-2E15-466F-B5B8-1DC731B20E1C}" srcId="{34056986-2666-41AE-AF1C-2DDE8896B393}" destId="{D1710CBD-AB40-4F45-8178-834B49B3DA01}" srcOrd="6" destOrd="0" parTransId="{727EEF25-5726-48D6-BCEE-15735CC5B06A}" sibTransId="{1A1D70BF-605C-4BAA-A634-B6E3560003C7}"/>
-    <dgm:cxn modelId="{348F8DB2-45E8-49E6-8EA9-06B53396B0E5}" type="presOf" srcId="{1E9F7328-5C16-47B7-B80B-083989395D0A}" destId="{5AA439A5-4769-4090-8803-6CC1C9192883}" srcOrd="0" destOrd="0" presId="urn:microsoft.com/office/officeart/2005/8/layout/hierarchy3"/>
-    <dgm:cxn modelId="{BCD7FF01-045D-4689-B94E-CB6B65AD4403}" srcId="{530853BB-A3FC-4BE4-8043-E66AEB4AF174}" destId="{34056986-2666-41AE-AF1C-2DDE8896B393}" srcOrd="0" destOrd="0" parTransId="{5B1DD257-7CC7-4C0C-B594-EC43FE6A864D}" sibTransId="{753A4B17-BA61-4180-99BF-D58E0F2FC3CC}"/>
-    <dgm:cxn modelId="{77E9D1B6-5B2B-4EB7-85B8-8D0A6570F044}" srcId="{34056986-2666-41AE-AF1C-2DDE8896B393}" destId="{1E9F7328-5C16-47B7-B80B-083989395D0A}" srcOrd="5" destOrd="0" parTransId="{1D224A27-EF88-4575-8C5C-17DB75230009}" sibTransId="{794D2DFA-3821-4F6B-BBBF-BF3B554E2A19}"/>
-    <dgm:cxn modelId="{2E5AA109-5CB9-44E5-9B4B-96010795B273}" type="presOf" srcId="{D89FECDC-A308-49FE-B12B-52B03C73346C}" destId="{8C250DEF-F378-4621-811C-8C42C006096A}" srcOrd="0" destOrd="0" presId="urn:microsoft.com/office/officeart/2005/8/layout/hierarchy3"/>
-    <dgm:cxn modelId="{89EE1ABE-8B69-4427-88D4-40DC846B4DA8}" type="presOf" srcId="{1D224A27-EF88-4575-8C5C-17DB75230009}" destId="{04789028-5A03-46A1-8B65-CC2BF7F10F23}" srcOrd="0" destOrd="0" presId="urn:microsoft.com/office/officeart/2005/8/layout/hierarchy3"/>
+    <dgm:cxn modelId="{EABAD2F5-52BA-4F95-9624-4D8CB24B24A4}" type="presOf" srcId="{727EEF25-5726-48D6-BCEE-15735CC5B06A}" destId="{C273DD00-29C5-4C55-9492-16027570554D}" srcOrd="0" destOrd="0" presId="urn:microsoft.com/office/officeart/2005/8/layout/hierarchy3"/>
     <dgm:cxn modelId="{905F5C68-FFB8-4627-A5B3-CE15629D6A14}" type="presParOf" srcId="{F8F62866-FAED-444D-8280-5BE6897D0FAB}" destId="{255B1160-FBC3-42F1-8D69-C6F1E895DD29}" srcOrd="0" destOrd="0" presId="urn:microsoft.com/office/officeart/2005/8/layout/hierarchy3"/>
     <dgm:cxn modelId="{6EF69A1F-684F-4C0F-A0ED-0628EA104302}" type="presParOf" srcId="{255B1160-FBC3-42F1-8D69-C6F1E895DD29}" destId="{70202FD3-84FA-46E9-877B-1361F099AD61}" srcOrd="0" destOrd="0" presId="urn:microsoft.com/office/officeart/2005/8/layout/hierarchy3"/>
     <dgm:cxn modelId="{31768299-B6A4-42AD-9308-D720AB03D339}" type="presParOf" srcId="{70202FD3-84FA-46E9-877B-1361F099AD61}" destId="{28871C56-86E6-42A9-B126-12E074E41452}" srcOrd="0" destOrd="0" presId="urn:microsoft.com/office/officeart/2005/8/layout/hierarchy3"/>
@@ -3385,10 +3194,9 @@
         <a:lstStyle/>
         <a:p>
           <a:r>
-            <a:rPr lang="zh-CN" altLang="en-US" sz="1800" b="1" dirty="0" smtClean="0"/>
+            <a:rPr lang="zh-CN" altLang="en-US" sz="1800" b="1" dirty="0"/>
             <a:t>高维数据分析</a:t>
           </a:r>
-          <a:endParaRPr lang="zh-CN" altLang="en-US" sz="1800" b="1" dirty="0"/>
         </a:p>
       </dgm:t>
     </dgm:pt>
@@ -3422,10 +3230,9 @@
         <a:lstStyle/>
         <a:p>
           <a:r>
-            <a:rPr lang="zh-CN" altLang="en-US" sz="1400" dirty="0" smtClean="0"/>
+            <a:rPr lang="zh-CN" altLang="en-US" sz="1400" dirty="0"/>
             <a:t>主成分分析</a:t>
           </a:r>
-          <a:endParaRPr lang="zh-CN" altLang="en-US" sz="1400" dirty="0"/>
         </a:p>
       </dgm:t>
     </dgm:pt>
@@ -3459,10 +3266,9 @@
         <a:lstStyle/>
         <a:p>
           <a:r>
-            <a:rPr lang="zh-CN" altLang="en-US" sz="1400" dirty="0" smtClean="0"/>
+            <a:rPr lang="zh-CN" altLang="en-US" sz="1400" dirty="0"/>
             <a:t>判别分析</a:t>
           </a:r>
-          <a:endParaRPr lang="zh-CN" altLang="en-US" sz="1400" dirty="0"/>
         </a:p>
       </dgm:t>
     </dgm:pt>
@@ -3496,10 +3302,9 @@
         <a:lstStyle/>
         <a:p>
           <a:r>
-            <a:rPr lang="zh-CN" altLang="en-US" sz="1400" dirty="0" smtClean="0"/>
+            <a:rPr lang="zh-CN" altLang="en-US" sz="1400" dirty="0"/>
             <a:t>判别分析</a:t>
           </a:r>
-          <a:endParaRPr lang="zh-CN" altLang="en-US" sz="1400" dirty="0"/>
         </a:p>
       </dgm:t>
     </dgm:pt>
@@ -3533,10 +3338,9 @@
         <a:lstStyle/>
         <a:p>
           <a:r>
-            <a:rPr lang="zh-CN" altLang="en-US" sz="1400" dirty="0" smtClean="0"/>
+            <a:rPr lang="zh-CN" altLang="en-US" sz="1400" dirty="0"/>
             <a:t>置换检验</a:t>
           </a:r>
-          <a:endParaRPr lang="zh-CN" altLang="en-US" sz="1400" dirty="0"/>
         </a:p>
       </dgm:t>
     </dgm:pt>
@@ -3570,10 +3374,9 @@
         <a:lstStyle/>
         <a:p>
           <a:r>
-            <a:rPr lang="zh-CN" altLang="en-US" sz="1400" dirty="0" smtClean="0"/>
+            <a:rPr lang="zh-CN" altLang="en-US" sz="1400" dirty="0"/>
             <a:t>交叉验证</a:t>
           </a:r>
-          <a:endParaRPr lang="zh-CN" altLang="en-US" sz="1400" dirty="0"/>
         </a:p>
       </dgm:t>
     </dgm:pt>
@@ -3607,7 +3410,7 @@
         <a:lstStyle/>
         <a:p>
           <a:r>
-            <a:rPr lang="en-US" altLang="zh-CN" sz="1400" dirty="0" smtClean="0">
+            <a:rPr lang="en-US" altLang="zh-CN" sz="1400" dirty="0">
               <a:latin typeface="Times New Roman" panose="02020603050405020304" pitchFamily="18" charset="0"/>
               <a:cs typeface="Times New Roman" panose="02020603050405020304" pitchFamily="18" charset="0"/>
             </a:rPr>
@@ -3650,10 +3453,9 @@
         <a:lstStyle/>
         <a:p>
           <a:r>
-            <a:rPr lang="zh-CN" altLang="en-US" sz="1400" dirty="0" smtClean="0"/>
+            <a:rPr lang="zh-CN" altLang="en-US" sz="1400" dirty="0"/>
             <a:t>随机森林</a:t>
           </a:r>
-          <a:endParaRPr lang="zh-CN" altLang="en-US" sz="1400" dirty="0"/>
         </a:p>
       </dgm:t>
     </dgm:pt>
@@ -3687,10 +3489,9 @@
         <a:lstStyle/>
         <a:p>
           <a:r>
-            <a:rPr lang="zh-CN" altLang="en-US" sz="1400" dirty="0" smtClean="0"/>
+            <a:rPr lang="zh-CN" altLang="en-US" sz="1400" dirty="0"/>
             <a:t>支持向量机</a:t>
           </a:r>
-          <a:endParaRPr lang="zh-CN" altLang="en-US" sz="1400" dirty="0"/>
         </a:p>
       </dgm:t>
     </dgm:pt>
@@ -3724,10 +3525,9 @@
         <a:lstStyle/>
         <a:p>
           <a:r>
-            <a:rPr lang="zh-CN" altLang="en-US" sz="1400" dirty="0" smtClean="0"/>
+            <a:rPr lang="zh-CN" altLang="en-US" sz="1400" dirty="0"/>
             <a:t>遗传算法</a:t>
           </a:r>
-          <a:endParaRPr lang="zh-CN" altLang="en-US" sz="1400" dirty="0"/>
         </a:p>
       </dgm:t>
     </dgm:pt>
@@ -3761,10 +3561,9 @@
         <a:lstStyle/>
         <a:p>
           <a:r>
-            <a:rPr lang="zh-CN" altLang="en-US" sz="1400" dirty="0" smtClean="0"/>
+            <a:rPr lang="zh-CN" altLang="en-US" sz="1400" dirty="0"/>
             <a:t>免疫算法</a:t>
           </a:r>
-          <a:endParaRPr lang="zh-CN" altLang="en-US" sz="1400" dirty="0"/>
         </a:p>
       </dgm:t>
     </dgm:pt>
@@ -3798,10 +3597,9 @@
         <a:lstStyle/>
         <a:p>
           <a:r>
-            <a:rPr lang="zh-CN" altLang="en-US" sz="1400" dirty="0" smtClean="0"/>
+            <a:rPr lang="zh-CN" altLang="en-US" sz="1400" dirty="0"/>
             <a:t>神经网络</a:t>
           </a:r>
-          <a:endParaRPr lang="zh-CN" altLang="en-US" sz="1400" dirty="0"/>
         </a:p>
       </dgm:t>
     </dgm:pt>
@@ -3835,7 +3633,7 @@
         <a:lstStyle/>
         <a:p>
           <a:r>
-            <a:rPr lang="en-US" altLang="zh-CN" sz="1400" dirty="0" smtClean="0">
+            <a:rPr lang="en-US" altLang="zh-CN" sz="1400" dirty="0">
               <a:latin typeface="Times New Roman" panose="02020603050405020304" pitchFamily="18" charset="0"/>
               <a:cs typeface="Times New Roman" panose="02020603050405020304" pitchFamily="18" charset="0"/>
             </a:rPr>
@@ -3881,13 +3679,6 @@
         </dgm:presLayoutVars>
       </dgm:prSet>
       <dgm:spPr/>
-      <dgm:t>
-        <a:bodyPr/>
-        <a:lstStyle/>
-        <a:p>
-          <a:endParaRPr lang="zh-CN" altLang="en-US"/>
-        </a:p>
-      </dgm:t>
     </dgm:pt>
     <dgm:pt modelId="{255B1160-FBC3-42F1-8D69-C6F1E895DD29}" type="pres">
       <dgm:prSet presAssocID="{34056986-2666-41AE-AF1C-2DDE8896B393}" presName="root" presStyleCnt="0"/>
@@ -3900,24 +3691,10 @@
     <dgm:pt modelId="{28871C56-86E6-42A9-B126-12E074E41452}" type="pres">
       <dgm:prSet presAssocID="{34056986-2666-41AE-AF1C-2DDE8896B393}" presName="rootText" presStyleLbl="node1" presStyleIdx="0" presStyleCnt="1" custScaleX="87684" custScaleY="30630" custLinFactNeighborX="-13291" custLinFactNeighborY="605"/>
       <dgm:spPr/>
-      <dgm:t>
-        <a:bodyPr/>
-        <a:lstStyle/>
-        <a:p>
-          <a:endParaRPr lang="zh-CN" altLang="en-US"/>
-        </a:p>
-      </dgm:t>
     </dgm:pt>
     <dgm:pt modelId="{92F6AE3F-1E3E-41D0-B768-5C2423D894BF}" type="pres">
       <dgm:prSet presAssocID="{34056986-2666-41AE-AF1C-2DDE8896B393}" presName="rootConnector" presStyleLbl="node1" presStyleIdx="0" presStyleCnt="1"/>
       <dgm:spPr/>
-      <dgm:t>
-        <a:bodyPr/>
-        <a:lstStyle/>
-        <a:p>
-          <a:endParaRPr lang="zh-CN" altLang="en-US"/>
-        </a:p>
-      </dgm:t>
     </dgm:pt>
     <dgm:pt modelId="{2B9DDED7-3A3F-4729-871B-E557532B823D}" type="pres">
       <dgm:prSet presAssocID="{34056986-2666-41AE-AF1C-2DDE8896B393}" presName="childShape" presStyleCnt="0"/>
@@ -3926,13 +3703,6 @@
     <dgm:pt modelId="{43D36F6B-64B1-4DB4-AFF8-7D344D714B1A}" type="pres">
       <dgm:prSet presAssocID="{65DAD07D-E74B-4565-B78E-56149E78C065}" presName="Name13" presStyleLbl="parChTrans1D2" presStyleIdx="0" presStyleCnt="12"/>
       <dgm:spPr/>
-      <dgm:t>
-        <a:bodyPr/>
-        <a:lstStyle/>
-        <a:p>
-          <a:endParaRPr lang="zh-CN" altLang="en-US"/>
-        </a:p>
-      </dgm:t>
     </dgm:pt>
     <dgm:pt modelId="{169207AD-8A1F-42E4-B949-0DBD721663A0}" type="pres">
       <dgm:prSet presAssocID="{DD3861E8-843E-43EC-BF4F-ACD97A3E9418}" presName="childText" presStyleLbl="bgAcc1" presStyleIdx="0" presStyleCnt="12" custScaleX="72037" custScaleY="25587">
@@ -3941,24 +3711,10 @@
         </dgm:presLayoutVars>
       </dgm:prSet>
       <dgm:spPr/>
-      <dgm:t>
-        <a:bodyPr/>
-        <a:lstStyle/>
-        <a:p>
-          <a:endParaRPr lang="zh-CN" altLang="en-US"/>
-        </a:p>
-      </dgm:t>
     </dgm:pt>
     <dgm:pt modelId="{EB9659E7-9A53-4644-9314-86DE72DC9001}" type="pres">
       <dgm:prSet presAssocID="{51F11A03-7701-449C-A577-60E1D680E19A}" presName="Name13" presStyleLbl="parChTrans1D2" presStyleIdx="1" presStyleCnt="12"/>
       <dgm:spPr/>
-      <dgm:t>
-        <a:bodyPr/>
-        <a:lstStyle/>
-        <a:p>
-          <a:endParaRPr lang="zh-CN" altLang="en-US"/>
-        </a:p>
-      </dgm:t>
     </dgm:pt>
     <dgm:pt modelId="{4FB9068B-7DB7-4553-A520-C65CBDA48E47}" type="pres">
       <dgm:prSet presAssocID="{3985C515-0B94-49C0-8E0B-12AAF058782B}" presName="childText" presStyleLbl="bgAcc1" presStyleIdx="1" presStyleCnt="12" custScaleX="72334" custScaleY="25613">
@@ -3967,24 +3723,10 @@
         </dgm:presLayoutVars>
       </dgm:prSet>
       <dgm:spPr/>
-      <dgm:t>
-        <a:bodyPr/>
-        <a:lstStyle/>
-        <a:p>
-          <a:endParaRPr lang="zh-CN" altLang="en-US"/>
-        </a:p>
-      </dgm:t>
     </dgm:pt>
     <dgm:pt modelId="{C52EAAA0-3D93-49E1-9C5B-C5AECA912F36}" type="pres">
       <dgm:prSet presAssocID="{BD81DC21-B32C-4C72-8374-613991D6E1EA}" presName="Name13" presStyleLbl="parChTrans1D2" presStyleIdx="2" presStyleCnt="12"/>
       <dgm:spPr/>
-      <dgm:t>
-        <a:bodyPr/>
-        <a:lstStyle/>
-        <a:p>
-          <a:endParaRPr lang="zh-CN" altLang="en-US"/>
-        </a:p>
-      </dgm:t>
     </dgm:pt>
     <dgm:pt modelId="{048A9ECF-9D80-4B92-8F1E-BCCEE5386184}" type="pres">
       <dgm:prSet presAssocID="{78B2DFB2-2F1F-488A-8479-D43D76F53C74}" presName="childText" presStyleLbl="bgAcc1" presStyleIdx="2" presStyleCnt="12" custScaleX="72708" custScaleY="25719" custLinFactNeighborX="-40" custLinFactNeighborY="-193">
@@ -3993,24 +3735,10 @@
         </dgm:presLayoutVars>
       </dgm:prSet>
       <dgm:spPr/>
-      <dgm:t>
-        <a:bodyPr/>
-        <a:lstStyle/>
-        <a:p>
-          <a:endParaRPr lang="zh-CN" altLang="en-US"/>
-        </a:p>
-      </dgm:t>
     </dgm:pt>
     <dgm:pt modelId="{75D7EA51-CD76-43FD-BCF9-E99A1ACB081F}" type="pres">
       <dgm:prSet presAssocID="{69BD8A25-FC6E-412F-97DF-626058C289B8}" presName="Name13" presStyleLbl="parChTrans1D2" presStyleIdx="3" presStyleCnt="12"/>
       <dgm:spPr/>
-      <dgm:t>
-        <a:bodyPr/>
-        <a:lstStyle/>
-        <a:p>
-          <a:endParaRPr lang="zh-CN" altLang="en-US"/>
-        </a:p>
-      </dgm:t>
     </dgm:pt>
     <dgm:pt modelId="{1F8EBB40-AD1E-43BB-BB82-9B7B2FD97A19}" type="pres">
       <dgm:prSet presAssocID="{26562236-CAB2-45E3-872B-DE66CB2D3B52}" presName="childText" presStyleLbl="bgAcc1" presStyleIdx="3" presStyleCnt="12" custScaleX="73086" custScaleY="25852" custLinFactNeighborX="-40" custLinFactNeighborY="-193">
@@ -4019,24 +3747,10 @@
         </dgm:presLayoutVars>
       </dgm:prSet>
       <dgm:spPr/>
-      <dgm:t>
-        <a:bodyPr/>
-        <a:lstStyle/>
-        <a:p>
-          <a:endParaRPr lang="zh-CN" altLang="en-US"/>
-        </a:p>
-      </dgm:t>
     </dgm:pt>
     <dgm:pt modelId="{9AC2FDAE-2F83-4984-8458-A45E86189C69}" type="pres">
       <dgm:prSet presAssocID="{5B5EE49F-4575-4840-B566-266C0BA44343}" presName="Name13" presStyleLbl="parChTrans1D2" presStyleIdx="4" presStyleCnt="12"/>
       <dgm:spPr/>
-      <dgm:t>
-        <a:bodyPr/>
-        <a:lstStyle/>
-        <a:p>
-          <a:endParaRPr lang="zh-CN" altLang="en-US"/>
-        </a:p>
-      </dgm:t>
     </dgm:pt>
     <dgm:pt modelId="{D1BA5B84-998D-4AE3-8F00-B8174DEF8B2A}" type="pres">
       <dgm:prSet presAssocID="{A0DB7D28-19B7-47F6-9A84-CA4AC8FD1B45}" presName="childText" presStyleLbl="bgAcc1" presStyleIdx="4" presStyleCnt="12" custScaleX="73546" custScaleY="25986" custLinFactNeighborX="-40" custLinFactNeighborY="-193">
@@ -4045,24 +3759,10 @@
         </dgm:presLayoutVars>
       </dgm:prSet>
       <dgm:spPr/>
-      <dgm:t>
-        <a:bodyPr/>
-        <a:lstStyle/>
-        <a:p>
-          <a:endParaRPr lang="zh-CN" altLang="en-US"/>
-        </a:p>
-      </dgm:t>
     </dgm:pt>
     <dgm:pt modelId="{04789028-5A03-46A1-8B65-CC2BF7F10F23}" type="pres">
       <dgm:prSet presAssocID="{1D224A27-EF88-4575-8C5C-17DB75230009}" presName="Name13" presStyleLbl="parChTrans1D2" presStyleIdx="5" presStyleCnt="12"/>
       <dgm:spPr/>
-      <dgm:t>
-        <a:bodyPr/>
-        <a:lstStyle/>
-        <a:p>
-          <a:endParaRPr lang="zh-CN" altLang="en-US"/>
-        </a:p>
-      </dgm:t>
     </dgm:pt>
     <dgm:pt modelId="{5AA439A5-4769-4090-8803-6CC1C9192883}" type="pres">
       <dgm:prSet presAssocID="{1E9F7328-5C16-47B7-B80B-083989395D0A}" presName="childText" presStyleLbl="bgAcc1" presStyleIdx="5" presStyleCnt="12" custScaleX="73933" custScaleY="26150" custLinFactNeighborX="-40" custLinFactNeighborY="-193">
@@ -4071,24 +3771,10 @@
         </dgm:presLayoutVars>
       </dgm:prSet>
       <dgm:spPr/>
-      <dgm:t>
-        <a:bodyPr/>
-        <a:lstStyle/>
-        <a:p>
-          <a:endParaRPr lang="zh-CN" altLang="en-US"/>
-        </a:p>
-      </dgm:t>
     </dgm:pt>
     <dgm:pt modelId="{C273DD00-29C5-4C55-9492-16027570554D}" type="pres">
       <dgm:prSet presAssocID="{727EEF25-5726-48D6-BCEE-15735CC5B06A}" presName="Name13" presStyleLbl="parChTrans1D2" presStyleIdx="6" presStyleCnt="12"/>
       <dgm:spPr/>
-      <dgm:t>
-        <a:bodyPr/>
-        <a:lstStyle/>
-        <a:p>
-          <a:endParaRPr lang="zh-CN" altLang="en-US"/>
-        </a:p>
-      </dgm:t>
     </dgm:pt>
     <dgm:pt modelId="{2CB1C6E7-9142-4D03-A094-6A7E37BFF4B9}" type="pres">
       <dgm:prSet presAssocID="{D1710CBD-AB40-4F45-8178-834B49B3DA01}" presName="childText" presStyleLbl="bgAcc1" presStyleIdx="6" presStyleCnt="12" custScaleX="73933" custScaleY="26287" custLinFactNeighborX="-40" custLinFactNeighborY="-193">
@@ -4097,24 +3783,10 @@
         </dgm:presLayoutVars>
       </dgm:prSet>
       <dgm:spPr/>
-      <dgm:t>
-        <a:bodyPr/>
-        <a:lstStyle/>
-        <a:p>
-          <a:endParaRPr lang="zh-CN" altLang="en-US"/>
-        </a:p>
-      </dgm:t>
     </dgm:pt>
     <dgm:pt modelId="{E3FD055E-5114-4AE0-876F-3220E45CF707}" type="pres">
       <dgm:prSet presAssocID="{5140BE97-C22D-4E5F-89DE-41E3841149BD}" presName="Name13" presStyleLbl="parChTrans1D2" presStyleIdx="7" presStyleCnt="12"/>
       <dgm:spPr/>
-      <dgm:t>
-        <a:bodyPr/>
-        <a:lstStyle/>
-        <a:p>
-          <a:endParaRPr lang="zh-CN" altLang="en-US"/>
-        </a:p>
-      </dgm:t>
     </dgm:pt>
     <dgm:pt modelId="{81CCEF33-02CC-440B-B6DA-92C1028740FF}" type="pres">
       <dgm:prSet presAssocID="{FC53A1AA-2FAB-4595-ABA3-BE4FEBEBDD3A}" presName="childText" presStyleLbl="bgAcc1" presStyleIdx="7" presStyleCnt="12" custScaleX="74879" custScaleY="26454" custLinFactNeighborX="-40" custLinFactNeighborY="-193">
@@ -4123,24 +3795,10 @@
         </dgm:presLayoutVars>
       </dgm:prSet>
       <dgm:spPr/>
-      <dgm:t>
-        <a:bodyPr/>
-        <a:lstStyle/>
-        <a:p>
-          <a:endParaRPr lang="zh-CN" altLang="en-US"/>
-        </a:p>
-      </dgm:t>
     </dgm:pt>
     <dgm:pt modelId="{6AF2AD2A-5585-4128-8FDB-D938FC490509}" type="pres">
       <dgm:prSet presAssocID="{B2FCBF77-CF7F-456C-B23C-70773AE0ED25}" presName="Name13" presStyleLbl="parChTrans1D2" presStyleIdx="8" presStyleCnt="12"/>
       <dgm:spPr/>
-      <dgm:t>
-        <a:bodyPr/>
-        <a:lstStyle/>
-        <a:p>
-          <a:endParaRPr lang="zh-CN" altLang="en-US"/>
-        </a:p>
-      </dgm:t>
     </dgm:pt>
     <dgm:pt modelId="{4432AA66-218A-4C6C-91BB-FACCC74AEE94}" type="pres">
       <dgm:prSet presAssocID="{F9C7345D-FB0F-4765-BAD5-5319E4AC2BDB}" presName="childText" presStyleLbl="bgAcc1" presStyleIdx="8" presStyleCnt="12" custScaleX="75361" custScaleY="26623" custLinFactNeighborX="-40" custLinFactNeighborY="-193">
@@ -4149,24 +3807,10 @@
         </dgm:presLayoutVars>
       </dgm:prSet>
       <dgm:spPr/>
-      <dgm:t>
-        <a:bodyPr/>
-        <a:lstStyle/>
-        <a:p>
-          <a:endParaRPr lang="zh-CN" altLang="en-US"/>
-        </a:p>
-      </dgm:t>
     </dgm:pt>
     <dgm:pt modelId="{4123A999-C1E6-444A-81D8-167F1754D406}" type="pres">
       <dgm:prSet presAssocID="{0A7B90AB-D26A-4D71-A701-F301E0CE5290}" presName="Name13" presStyleLbl="parChTrans1D2" presStyleIdx="9" presStyleCnt="12"/>
       <dgm:spPr/>
-      <dgm:t>
-        <a:bodyPr/>
-        <a:lstStyle/>
-        <a:p>
-          <a:endParaRPr lang="zh-CN" altLang="en-US"/>
-        </a:p>
-      </dgm:t>
     </dgm:pt>
     <dgm:pt modelId="{8C250DEF-F378-4621-811C-8C42C006096A}" type="pres">
       <dgm:prSet presAssocID="{D89FECDC-A308-49FE-B12B-52B03C73346C}" presName="childText" presStyleLbl="bgAcc1" presStyleIdx="9" presStyleCnt="12" custScaleX="75849" custScaleY="26795" custLinFactNeighborX="-40" custLinFactNeighborY="-193">
@@ -4175,24 +3819,10 @@
         </dgm:presLayoutVars>
       </dgm:prSet>
       <dgm:spPr/>
-      <dgm:t>
-        <a:bodyPr/>
-        <a:lstStyle/>
-        <a:p>
-          <a:endParaRPr lang="zh-CN" altLang="en-US"/>
-        </a:p>
-      </dgm:t>
     </dgm:pt>
     <dgm:pt modelId="{85FCF8EB-ACB5-4FDA-8DC2-F3BE34E479C7}" type="pres">
       <dgm:prSet presAssocID="{FB2CC241-6B83-4C10-B479-2671C94D8866}" presName="Name13" presStyleLbl="parChTrans1D2" presStyleIdx="10" presStyleCnt="12"/>
       <dgm:spPr/>
-      <dgm:t>
-        <a:bodyPr/>
-        <a:lstStyle/>
-        <a:p>
-          <a:endParaRPr lang="zh-CN" altLang="en-US"/>
-        </a:p>
-      </dgm:t>
     </dgm:pt>
     <dgm:pt modelId="{F59A84C3-B401-4665-87B8-CA28D7E7B0FE}" type="pres">
       <dgm:prSet presAssocID="{39FFE7A1-3D26-47C0-95DF-D5FD224216C1}" presName="childText" presStyleLbl="bgAcc1" presStyleIdx="10" presStyleCnt="12" custScaleX="76427" custScaleY="26969" custLinFactNeighborX="-40" custLinFactNeighborY="-193">
@@ -4201,24 +3831,10 @@
         </dgm:presLayoutVars>
       </dgm:prSet>
       <dgm:spPr/>
-      <dgm:t>
-        <a:bodyPr/>
-        <a:lstStyle/>
-        <a:p>
-          <a:endParaRPr lang="zh-CN" altLang="en-US"/>
-        </a:p>
-      </dgm:t>
     </dgm:pt>
     <dgm:pt modelId="{79ACB423-0B99-4D7E-BD23-3C6D3CF0507E}" type="pres">
       <dgm:prSet presAssocID="{5B370E0D-E146-4AC3-9330-5E7ADC5C8691}" presName="Name13" presStyleLbl="parChTrans1D2" presStyleIdx="11" presStyleCnt="12"/>
       <dgm:spPr/>
-      <dgm:t>
-        <a:bodyPr/>
-        <a:lstStyle/>
-        <a:p>
-          <a:endParaRPr lang="zh-CN" altLang="en-US"/>
-        </a:p>
-      </dgm:t>
     </dgm:pt>
     <dgm:pt modelId="{9B280429-AF32-4E5F-B59D-3F9A6F384BED}" type="pres">
       <dgm:prSet presAssocID="{AFD70870-C602-461D-BA8B-2C9F917060D2}" presName="childText" presStyleLbl="bgAcc1" presStyleIdx="11" presStyleCnt="12" custScaleX="76929" custScaleY="27174" custLinFactNeighborX="-40" custLinFactNeighborY="-193">
@@ -4227,56 +3843,49 @@
         </dgm:presLayoutVars>
       </dgm:prSet>
       <dgm:spPr/>
-      <dgm:t>
-        <a:bodyPr/>
-        <a:lstStyle/>
-        <a:p>
-          <a:endParaRPr lang="zh-CN" altLang="en-US"/>
-        </a:p>
-      </dgm:t>
     </dgm:pt>
   </dgm:ptLst>
   <dgm:cxnLst>
+    <dgm:cxn modelId="{E1D6C401-7485-436A-AED1-262C0C6A447E}" srcId="{34056986-2666-41AE-AF1C-2DDE8896B393}" destId="{3985C515-0B94-49C0-8E0B-12AAF058782B}" srcOrd="1" destOrd="0" parTransId="{51F11A03-7701-449C-A577-60E1D680E19A}" sibTransId="{65D58652-7033-4BA7-BA8F-7E2DE12F50BB}"/>
+    <dgm:cxn modelId="{BCD7FF01-045D-4689-B94E-CB6B65AD4403}" srcId="{530853BB-A3FC-4BE4-8043-E66AEB4AF174}" destId="{34056986-2666-41AE-AF1C-2DDE8896B393}" srcOrd="0" destOrd="0" parTransId="{5B1DD257-7CC7-4C0C-B594-EC43FE6A864D}" sibTransId="{753A4B17-BA61-4180-99BF-D58E0F2FC3CC}"/>
+    <dgm:cxn modelId="{84211803-F468-4803-8163-96C6660DBECF}" srcId="{34056986-2666-41AE-AF1C-2DDE8896B393}" destId="{26562236-CAB2-45E3-872B-DE66CB2D3B52}" srcOrd="3" destOrd="0" parTransId="{69BD8A25-FC6E-412F-97DF-626058C289B8}" sibTransId="{82CBBD28-6ADE-4BEF-8D88-3072098F1668}"/>
+    <dgm:cxn modelId="{1CF9EB16-192B-4BF2-8FDA-167441C829CD}" type="presOf" srcId="{A0DB7D28-19B7-47F6-9A84-CA4AC8FD1B45}" destId="{D1BA5B84-998D-4AE3-8F00-B8174DEF8B2A}" srcOrd="0" destOrd="0" presId="urn:microsoft.com/office/officeart/2005/8/layout/hierarchy3"/>
+    <dgm:cxn modelId="{70955017-1611-4501-AB4F-33CC1CA4F010}" type="presOf" srcId="{5B5EE49F-4575-4840-B566-266C0BA44343}" destId="{9AC2FDAE-2F83-4984-8458-A45E86189C69}" srcOrd="0" destOrd="0" presId="urn:microsoft.com/office/officeart/2005/8/layout/hierarchy3"/>
     <dgm:cxn modelId="{3978C926-383D-4633-882F-510F3AC1576E}" type="presOf" srcId="{3985C515-0B94-49C0-8E0B-12AAF058782B}" destId="{4FB9068B-7DB7-4553-A520-C65CBDA48E47}" srcOrd="0" destOrd="0" presId="urn:microsoft.com/office/officeart/2005/8/layout/hierarchy3"/>
-    <dgm:cxn modelId="{C2D07FF9-9360-49F5-A753-CF2816BBA868}" type="presOf" srcId="{65DAD07D-E74B-4565-B78E-56149E78C065}" destId="{43D36F6B-64B1-4DB4-AFF8-7D344D714B1A}" srcOrd="0" destOrd="0" presId="urn:microsoft.com/office/officeart/2005/8/layout/hierarchy3"/>
+    <dgm:cxn modelId="{E5726C33-BD3E-4F7B-A3C8-CF4FAEAC4763}" srcId="{34056986-2666-41AE-AF1C-2DDE8896B393}" destId="{78B2DFB2-2F1F-488A-8479-D43D76F53C74}" srcOrd="2" destOrd="0" parTransId="{BD81DC21-B32C-4C72-8374-613991D6E1EA}" sibTransId="{A47E901D-6E56-40A1-A8CE-8E05517BF615}"/>
+    <dgm:cxn modelId="{C1A9E435-C11B-487F-BE5F-2AFD62180302}" type="presOf" srcId="{AFD70870-C602-461D-BA8B-2C9F917060D2}" destId="{9B280429-AF32-4E5F-B59D-3F9A6F384BED}" srcOrd="0" destOrd="0" presId="urn:microsoft.com/office/officeart/2005/8/layout/hierarchy3"/>
+    <dgm:cxn modelId="{77D3D03C-BBF5-431B-8BA9-586440D85A83}" type="presOf" srcId="{51F11A03-7701-449C-A577-60E1D680E19A}" destId="{EB9659E7-9A53-4644-9314-86DE72DC9001}" srcOrd="0" destOrd="0" presId="urn:microsoft.com/office/officeart/2005/8/layout/hierarchy3"/>
+    <dgm:cxn modelId="{C2C4545D-4676-4FA3-A14B-A3D138C21A42}" type="presOf" srcId="{FB2CC241-6B83-4C10-B479-2671C94D8866}" destId="{85FCF8EB-ACB5-4FDA-8DC2-F3BE34E479C7}" srcOrd="0" destOrd="0" presId="urn:microsoft.com/office/officeart/2005/8/layout/hierarchy3"/>
+    <dgm:cxn modelId="{8DABBB45-794C-4C0F-A8D6-68FCFD1A4EDC}" type="presOf" srcId="{5140BE97-C22D-4E5F-89DE-41E3841149BD}" destId="{E3FD055E-5114-4AE0-876F-3220E45CF707}" srcOrd="0" destOrd="0" presId="urn:microsoft.com/office/officeart/2005/8/layout/hierarchy3"/>
     <dgm:cxn modelId="{DA8D7066-8D04-498C-82FC-58AFB6159346}" type="presOf" srcId="{39FFE7A1-3D26-47C0-95DF-D5FD224216C1}" destId="{F59A84C3-B401-4665-87B8-CA28D7E7B0FE}" srcOrd="0" destOrd="0" presId="urn:microsoft.com/office/officeart/2005/8/layout/hierarchy3"/>
-    <dgm:cxn modelId="{70955017-1611-4501-AB4F-33CC1CA4F010}" type="presOf" srcId="{5B5EE49F-4575-4840-B566-266C0BA44343}" destId="{9AC2FDAE-2F83-4984-8458-A45E86189C69}" srcOrd="0" destOrd="0" presId="urn:microsoft.com/office/officeart/2005/8/layout/hierarchy3"/>
-    <dgm:cxn modelId="{8DABBB45-794C-4C0F-A8D6-68FCFD1A4EDC}" type="presOf" srcId="{5140BE97-C22D-4E5F-89DE-41E3841149BD}" destId="{E3FD055E-5114-4AE0-876F-3220E45CF707}" srcOrd="0" destOrd="0" presId="urn:microsoft.com/office/officeart/2005/8/layout/hierarchy3"/>
+    <dgm:cxn modelId="{A0F1E847-FB6E-433D-8718-38520D149D99}" srcId="{34056986-2666-41AE-AF1C-2DDE8896B393}" destId="{39FFE7A1-3D26-47C0-95DF-D5FD224216C1}" srcOrd="10" destOrd="0" parTransId="{FB2CC241-6B83-4C10-B479-2671C94D8866}" sibTransId="{37B574BE-28F1-4058-9683-0B8971CE782D}"/>
+    <dgm:cxn modelId="{BA70E56D-F6B9-4367-967A-24775B6FB8C6}" srcId="{34056986-2666-41AE-AF1C-2DDE8896B393}" destId="{DD3861E8-843E-43EC-BF4F-ACD97A3E9418}" srcOrd="0" destOrd="0" parTransId="{65DAD07D-E74B-4565-B78E-56149E78C065}" sibTransId="{79DC67DD-5A9D-47E8-B04E-E9A428440411}"/>
+    <dgm:cxn modelId="{A349176E-791D-449C-BEE7-27CD3B5FECBF}" type="presOf" srcId="{F9C7345D-FB0F-4765-BAD5-5319E4AC2BDB}" destId="{4432AA66-218A-4C6C-91BB-FACCC74AEE94}" srcOrd="0" destOrd="0" presId="urn:microsoft.com/office/officeart/2005/8/layout/hierarchy3"/>
+    <dgm:cxn modelId="{88EEDB4F-ECD6-4B62-8AE1-F4C47DCD0E7D}" srcId="{34056986-2666-41AE-AF1C-2DDE8896B393}" destId="{FC53A1AA-2FAB-4595-ABA3-BE4FEBEBDD3A}" srcOrd="7" destOrd="0" parTransId="{5140BE97-C22D-4E5F-89DE-41E3841149BD}" sibTransId="{CF867E1D-3DC5-4AB6-A200-58D16B2C61B9}"/>
+    <dgm:cxn modelId="{B2E5DB74-8D7C-4C59-A721-AC6F74B69B12}" type="presOf" srcId="{D89FECDC-A308-49FE-B12B-52B03C73346C}" destId="{8C250DEF-F378-4621-811C-8C42C006096A}" srcOrd="0" destOrd="0" presId="urn:microsoft.com/office/officeart/2005/8/layout/hierarchy3"/>
+    <dgm:cxn modelId="{D6244485-35E1-46DD-B2A6-0844E32FAA5F}" srcId="{34056986-2666-41AE-AF1C-2DDE8896B393}" destId="{AFD70870-C602-461D-BA8B-2C9F917060D2}" srcOrd="11" destOrd="0" parTransId="{5B370E0D-E146-4AC3-9330-5E7ADC5C8691}" sibTransId="{2FC06417-BBCB-481E-856B-912C1C85B023}"/>
     <dgm:cxn modelId="{361AB086-437E-4A53-BE3B-789E4DA1AAD7}" type="presOf" srcId="{26562236-CAB2-45E3-872B-DE66CB2D3B52}" destId="{1F8EBB40-AD1E-43BB-BB82-9B7B2FD97A19}" srcOrd="0" destOrd="0" presId="urn:microsoft.com/office/officeart/2005/8/layout/hierarchy3"/>
-    <dgm:cxn modelId="{D7E817D7-D5AC-4692-ABA4-1876AF734BCF}" type="presOf" srcId="{DD3861E8-843E-43EC-BF4F-ACD97A3E9418}" destId="{169207AD-8A1F-42E4-B949-0DBD721663A0}" srcOrd="0" destOrd="0" presId="urn:microsoft.com/office/officeart/2005/8/layout/hierarchy3"/>
-    <dgm:cxn modelId="{60F7B68D-97D0-4DBD-8687-FAA6DD155FB3}" type="presOf" srcId="{1D224A27-EF88-4575-8C5C-17DB75230009}" destId="{04789028-5A03-46A1-8B65-CC2BF7F10F23}" srcOrd="0" destOrd="0" presId="urn:microsoft.com/office/officeart/2005/8/layout/hierarchy3"/>
-    <dgm:cxn modelId="{88EEDB4F-ECD6-4B62-8AE1-F4C47DCD0E7D}" srcId="{34056986-2666-41AE-AF1C-2DDE8896B393}" destId="{FC53A1AA-2FAB-4595-ABA3-BE4FEBEBDD3A}" srcOrd="7" destOrd="0" parTransId="{5140BE97-C22D-4E5F-89DE-41E3841149BD}" sibTransId="{CF867E1D-3DC5-4AB6-A200-58D16B2C61B9}"/>
-    <dgm:cxn modelId="{D47174B2-7E20-448B-9005-39C77412B03D}" type="presOf" srcId="{5B370E0D-E146-4AC3-9330-5E7ADC5C8691}" destId="{79ACB423-0B99-4D7E-BD23-3C6D3CF0507E}" srcOrd="0" destOrd="0" presId="urn:microsoft.com/office/officeart/2005/8/layout/hierarchy3"/>
-    <dgm:cxn modelId="{C3FA0EE4-E060-4EF9-8E58-1F704F9B1BED}" type="presOf" srcId="{D1710CBD-AB40-4F45-8178-834B49B3DA01}" destId="{2CB1C6E7-9142-4D03-A094-6A7E37BFF4B9}" srcOrd="0" destOrd="0" presId="urn:microsoft.com/office/officeart/2005/8/layout/hierarchy3"/>
-    <dgm:cxn modelId="{5E3AD19D-AEAE-4A4C-9AE9-3791B88EC410}" type="presOf" srcId="{0A7B90AB-D26A-4D71-A701-F301E0CE5290}" destId="{4123A999-C1E6-444A-81D8-167F1754D406}" srcOrd="0" destOrd="0" presId="urn:microsoft.com/office/officeart/2005/8/layout/hierarchy3"/>
-    <dgm:cxn modelId="{B0B82C8E-44E8-4F28-A906-76C150AF642B}" srcId="{34056986-2666-41AE-AF1C-2DDE8896B393}" destId="{F9C7345D-FB0F-4765-BAD5-5319E4AC2BDB}" srcOrd="8" destOrd="0" parTransId="{B2FCBF77-CF7F-456C-B23C-70773AE0ED25}" sibTransId="{AC6F6B50-2F02-4384-A745-B364C952ADCD}"/>
-    <dgm:cxn modelId="{D6244485-35E1-46DD-B2A6-0844E32FAA5F}" srcId="{34056986-2666-41AE-AF1C-2DDE8896B393}" destId="{AFD70870-C602-461D-BA8B-2C9F917060D2}" srcOrd="11" destOrd="0" parTransId="{5B370E0D-E146-4AC3-9330-5E7ADC5C8691}" sibTransId="{2FC06417-BBCB-481E-856B-912C1C85B023}"/>
-    <dgm:cxn modelId="{E5726C33-BD3E-4F7B-A3C8-CF4FAEAC4763}" srcId="{34056986-2666-41AE-AF1C-2DDE8896B393}" destId="{78B2DFB2-2F1F-488A-8479-D43D76F53C74}" srcOrd="2" destOrd="0" parTransId="{BD81DC21-B32C-4C72-8374-613991D6E1EA}" sibTransId="{A47E901D-6E56-40A1-A8CE-8E05517BF615}"/>
-    <dgm:cxn modelId="{325048BB-2A0A-4CF5-908A-CD6CF1550E19}" type="presOf" srcId="{BD81DC21-B32C-4C72-8374-613991D6E1EA}" destId="{C52EAAA0-3D93-49E1-9C5B-C5AECA912F36}" srcOrd="0" destOrd="0" presId="urn:microsoft.com/office/officeart/2005/8/layout/hierarchy3"/>
-    <dgm:cxn modelId="{B958E5B9-8213-489B-A391-3C3271A5590A}" type="presOf" srcId="{FC53A1AA-2FAB-4595-ABA3-BE4FEBEBDD3A}" destId="{81CCEF33-02CC-440B-B6DA-92C1028740FF}" srcOrd="0" destOrd="0" presId="urn:microsoft.com/office/officeart/2005/8/layout/hierarchy3"/>
-    <dgm:cxn modelId="{1C9C99DE-DA15-4D4F-8C48-2C79132038A3}" srcId="{34056986-2666-41AE-AF1C-2DDE8896B393}" destId="{D89FECDC-A308-49FE-B12B-52B03C73346C}" srcOrd="9" destOrd="0" parTransId="{0A7B90AB-D26A-4D71-A701-F301E0CE5290}" sibTransId="{CEA6578E-B6A6-4DE1-A2D2-527DC5EFA354}"/>
-    <dgm:cxn modelId="{E1D6C401-7485-436A-AED1-262C0C6A447E}" srcId="{34056986-2666-41AE-AF1C-2DDE8896B393}" destId="{3985C515-0B94-49C0-8E0B-12AAF058782B}" srcOrd="1" destOrd="0" parTransId="{51F11A03-7701-449C-A577-60E1D680E19A}" sibTransId="{65D58652-7033-4BA7-BA8F-7E2DE12F50BB}"/>
-    <dgm:cxn modelId="{C1A9E435-C11B-487F-BE5F-2AFD62180302}" type="presOf" srcId="{AFD70870-C602-461D-BA8B-2C9F917060D2}" destId="{9B280429-AF32-4E5F-B59D-3F9A6F384BED}" srcOrd="0" destOrd="0" presId="urn:microsoft.com/office/officeart/2005/8/layout/hierarchy3"/>
-    <dgm:cxn modelId="{B2E5DB74-8D7C-4C59-A721-AC6F74B69B12}" type="presOf" srcId="{D89FECDC-A308-49FE-B12B-52B03C73346C}" destId="{8C250DEF-F378-4621-811C-8C42C006096A}" srcOrd="0" destOrd="0" presId="urn:microsoft.com/office/officeart/2005/8/layout/hierarchy3"/>
-    <dgm:cxn modelId="{A349176E-791D-449C-BEE7-27CD3B5FECBF}" type="presOf" srcId="{F9C7345D-FB0F-4765-BAD5-5319E4AC2BDB}" destId="{4432AA66-218A-4C6C-91BB-FACCC74AEE94}" srcOrd="0" destOrd="0" presId="urn:microsoft.com/office/officeart/2005/8/layout/hierarchy3"/>
-    <dgm:cxn modelId="{72C53DDB-AD15-4417-8174-4600227B5A1D}" type="presOf" srcId="{34056986-2666-41AE-AF1C-2DDE8896B393}" destId="{28871C56-86E6-42A9-B126-12E074E41452}" srcOrd="0" destOrd="0" presId="urn:microsoft.com/office/officeart/2005/8/layout/hierarchy3"/>
-    <dgm:cxn modelId="{A0F1E847-FB6E-433D-8718-38520D149D99}" srcId="{34056986-2666-41AE-AF1C-2DDE8896B393}" destId="{39FFE7A1-3D26-47C0-95DF-D5FD224216C1}" srcOrd="10" destOrd="0" parTransId="{FB2CC241-6B83-4C10-B479-2671C94D8866}" sibTransId="{37B574BE-28F1-4058-9683-0B8971CE782D}"/>
-    <dgm:cxn modelId="{2E55BA97-125E-4892-99D6-85F2573E6C70}" type="presOf" srcId="{34056986-2666-41AE-AF1C-2DDE8896B393}" destId="{92F6AE3F-1E3E-41D0-B768-5C2423D894BF}" srcOrd="1" destOrd="0" presId="urn:microsoft.com/office/officeart/2005/8/layout/hierarchy3"/>
-    <dgm:cxn modelId="{749466D5-A06C-4623-BD1E-FB9A2158CC40}" type="presOf" srcId="{530853BB-A3FC-4BE4-8043-E66AEB4AF174}" destId="{F8F62866-FAED-444D-8280-5BE6897D0FAB}" srcOrd="0" destOrd="0" presId="urn:microsoft.com/office/officeart/2005/8/layout/hierarchy3"/>
-    <dgm:cxn modelId="{77D3D03C-BBF5-431B-8BA9-586440D85A83}" type="presOf" srcId="{51F11A03-7701-449C-A577-60E1D680E19A}" destId="{EB9659E7-9A53-4644-9314-86DE72DC9001}" srcOrd="0" destOrd="0" presId="urn:microsoft.com/office/officeart/2005/8/layout/hierarchy3"/>
-    <dgm:cxn modelId="{84211803-F468-4803-8163-96C6660DBECF}" srcId="{34056986-2666-41AE-AF1C-2DDE8896B393}" destId="{26562236-CAB2-45E3-872B-DE66CB2D3B52}" srcOrd="3" destOrd="0" parTransId="{69BD8A25-FC6E-412F-97DF-626058C289B8}" sibTransId="{82CBBD28-6ADE-4BEF-8D88-3072098F1668}"/>
-    <dgm:cxn modelId="{0660F38D-0625-4E1E-80C6-3B7B9F0BEBAF}" type="presOf" srcId="{69BD8A25-FC6E-412F-97DF-626058C289B8}" destId="{75D7EA51-CD76-43FD-BCF9-E99A1ACB081F}" srcOrd="0" destOrd="0" presId="urn:microsoft.com/office/officeart/2005/8/layout/hierarchy3"/>
-    <dgm:cxn modelId="{BA70E56D-F6B9-4367-967A-24775B6FB8C6}" srcId="{34056986-2666-41AE-AF1C-2DDE8896B393}" destId="{DD3861E8-843E-43EC-BF4F-ACD97A3E9418}" srcOrd="0" destOrd="0" parTransId="{65DAD07D-E74B-4565-B78E-56149E78C065}" sibTransId="{79DC67DD-5A9D-47E8-B04E-E9A428440411}"/>
-    <dgm:cxn modelId="{9F13B0E4-5EAE-4712-8534-B07BB8DDC525}" srcId="{34056986-2666-41AE-AF1C-2DDE8896B393}" destId="{A0DB7D28-19B7-47F6-9A84-CA4AC8FD1B45}" srcOrd="4" destOrd="0" parTransId="{5B5EE49F-4575-4840-B566-266C0BA44343}" sibTransId="{A4D06BF6-0F29-48C1-B600-1B59F4586EB7}"/>
-    <dgm:cxn modelId="{0009F6CE-52FA-4F29-912C-81C707EEC2B1}" type="presOf" srcId="{78B2DFB2-2F1F-488A-8479-D43D76F53C74}" destId="{048A9ECF-9D80-4B92-8F1E-BCCEE5386184}" srcOrd="0" destOrd="0" presId="urn:microsoft.com/office/officeart/2005/8/layout/hierarchy3"/>
-    <dgm:cxn modelId="{C2C4545D-4676-4FA3-A14B-A3D138C21A42}" type="presOf" srcId="{FB2CC241-6B83-4C10-B479-2671C94D8866}" destId="{85FCF8EB-ACB5-4FDA-8DC2-F3BE34E479C7}" srcOrd="0" destOrd="0" presId="urn:microsoft.com/office/officeart/2005/8/layout/hierarchy3"/>
     <dgm:cxn modelId="{35CCB489-6C0E-46C4-8967-7D40F23E07F4}" type="presOf" srcId="{B2FCBF77-CF7F-456C-B23C-70773AE0ED25}" destId="{6AF2AD2A-5585-4128-8FDB-D938FC490509}" srcOrd="0" destOrd="0" presId="urn:microsoft.com/office/officeart/2005/8/layout/hierarchy3"/>
     <dgm:cxn modelId="{53DEDA8A-2E15-466F-B5B8-1DC731B20E1C}" srcId="{34056986-2666-41AE-AF1C-2DDE8896B393}" destId="{D1710CBD-AB40-4F45-8178-834B49B3DA01}" srcOrd="6" destOrd="0" parTransId="{727EEF25-5726-48D6-BCEE-15735CC5B06A}" sibTransId="{1A1D70BF-605C-4BAA-A634-B6E3560003C7}"/>
-    <dgm:cxn modelId="{BCD7FF01-045D-4689-B94E-CB6B65AD4403}" srcId="{530853BB-A3FC-4BE4-8043-E66AEB4AF174}" destId="{34056986-2666-41AE-AF1C-2DDE8896B393}" srcOrd="0" destOrd="0" parTransId="{5B1DD257-7CC7-4C0C-B594-EC43FE6A864D}" sibTransId="{753A4B17-BA61-4180-99BF-D58E0F2FC3CC}"/>
+    <dgm:cxn modelId="{60F7B68D-97D0-4DBD-8687-FAA6DD155FB3}" type="presOf" srcId="{1D224A27-EF88-4575-8C5C-17DB75230009}" destId="{04789028-5A03-46A1-8B65-CC2BF7F10F23}" srcOrd="0" destOrd="0" presId="urn:microsoft.com/office/officeart/2005/8/layout/hierarchy3"/>
+    <dgm:cxn modelId="{0660F38D-0625-4E1E-80C6-3B7B9F0BEBAF}" type="presOf" srcId="{69BD8A25-FC6E-412F-97DF-626058C289B8}" destId="{75D7EA51-CD76-43FD-BCF9-E99A1ACB081F}" srcOrd="0" destOrd="0" presId="urn:microsoft.com/office/officeart/2005/8/layout/hierarchy3"/>
+    <dgm:cxn modelId="{B0B82C8E-44E8-4F28-A906-76C150AF642B}" srcId="{34056986-2666-41AE-AF1C-2DDE8896B393}" destId="{F9C7345D-FB0F-4765-BAD5-5319E4AC2BDB}" srcOrd="8" destOrd="0" parTransId="{B2FCBF77-CF7F-456C-B23C-70773AE0ED25}" sibTransId="{AC6F6B50-2F02-4384-A745-B364C952ADCD}"/>
+    <dgm:cxn modelId="{2E55BA97-125E-4892-99D6-85F2573E6C70}" type="presOf" srcId="{34056986-2666-41AE-AF1C-2DDE8896B393}" destId="{92F6AE3F-1E3E-41D0-B768-5C2423D894BF}" srcOrd="1" destOrd="0" presId="urn:microsoft.com/office/officeart/2005/8/layout/hierarchy3"/>
+    <dgm:cxn modelId="{4FB3D19C-273D-4C4A-9F0A-0346C1A29140}" type="presOf" srcId="{727EEF25-5726-48D6-BCEE-15735CC5B06A}" destId="{C273DD00-29C5-4C55-9492-16027570554D}" srcOrd="0" destOrd="0" presId="urn:microsoft.com/office/officeart/2005/8/layout/hierarchy3"/>
+    <dgm:cxn modelId="{5E3AD19D-AEAE-4A4C-9AE9-3791B88EC410}" type="presOf" srcId="{0A7B90AB-D26A-4D71-A701-F301E0CE5290}" destId="{4123A999-C1E6-444A-81D8-167F1754D406}" srcOrd="0" destOrd="0" presId="urn:microsoft.com/office/officeart/2005/8/layout/hierarchy3"/>
+    <dgm:cxn modelId="{D47174B2-7E20-448B-9005-39C77412B03D}" type="presOf" srcId="{5B370E0D-E146-4AC3-9330-5E7ADC5C8691}" destId="{79ACB423-0B99-4D7E-BD23-3C6D3CF0507E}" srcOrd="0" destOrd="0" presId="urn:microsoft.com/office/officeart/2005/8/layout/hierarchy3"/>
     <dgm:cxn modelId="{77E9D1B6-5B2B-4EB7-85B8-8D0A6570F044}" srcId="{34056986-2666-41AE-AF1C-2DDE8896B393}" destId="{1E9F7328-5C16-47B7-B80B-083989395D0A}" srcOrd="5" destOrd="0" parTransId="{1D224A27-EF88-4575-8C5C-17DB75230009}" sibTransId="{794D2DFA-3821-4F6B-BBBF-BF3B554E2A19}"/>
+    <dgm:cxn modelId="{B958E5B9-8213-489B-A391-3C3271A5590A}" type="presOf" srcId="{FC53A1AA-2FAB-4595-ABA3-BE4FEBEBDD3A}" destId="{81CCEF33-02CC-440B-B6DA-92C1028740FF}" srcOrd="0" destOrd="0" presId="urn:microsoft.com/office/officeart/2005/8/layout/hierarchy3"/>
+    <dgm:cxn modelId="{325048BB-2A0A-4CF5-908A-CD6CF1550E19}" type="presOf" srcId="{BD81DC21-B32C-4C72-8374-613991D6E1EA}" destId="{C52EAAA0-3D93-49E1-9C5B-C5AECA912F36}" srcOrd="0" destOrd="0" presId="urn:microsoft.com/office/officeart/2005/8/layout/hierarchy3"/>
+    <dgm:cxn modelId="{0009F6CE-52FA-4F29-912C-81C707EEC2B1}" type="presOf" srcId="{78B2DFB2-2F1F-488A-8479-D43D76F53C74}" destId="{048A9ECF-9D80-4B92-8F1E-BCCEE5386184}" srcOrd="0" destOrd="0" presId="urn:microsoft.com/office/officeart/2005/8/layout/hierarchy3"/>
+    <dgm:cxn modelId="{749466D5-A06C-4623-BD1E-FB9A2158CC40}" type="presOf" srcId="{530853BB-A3FC-4BE4-8043-E66AEB4AF174}" destId="{F8F62866-FAED-444D-8280-5BE6897D0FAB}" srcOrd="0" destOrd="0" presId="urn:microsoft.com/office/officeart/2005/8/layout/hierarchy3"/>
+    <dgm:cxn modelId="{D7E817D7-D5AC-4692-ABA4-1876AF734BCF}" type="presOf" srcId="{DD3861E8-843E-43EC-BF4F-ACD97A3E9418}" destId="{169207AD-8A1F-42E4-B949-0DBD721663A0}" srcOrd="0" destOrd="0" presId="urn:microsoft.com/office/officeart/2005/8/layout/hierarchy3"/>
+    <dgm:cxn modelId="{72C53DDB-AD15-4417-8174-4600227B5A1D}" type="presOf" srcId="{34056986-2666-41AE-AF1C-2DDE8896B393}" destId="{28871C56-86E6-42A9-B126-12E074E41452}" srcOrd="0" destOrd="0" presId="urn:microsoft.com/office/officeart/2005/8/layout/hierarchy3"/>
+    <dgm:cxn modelId="{1C9C99DE-DA15-4D4F-8C48-2C79132038A3}" srcId="{34056986-2666-41AE-AF1C-2DDE8896B393}" destId="{D89FECDC-A308-49FE-B12B-52B03C73346C}" srcOrd="9" destOrd="0" parTransId="{0A7B90AB-D26A-4D71-A701-F301E0CE5290}" sibTransId="{CEA6578E-B6A6-4DE1-A2D2-527DC5EFA354}"/>
+    <dgm:cxn modelId="{C3FA0EE4-E060-4EF9-8E58-1F704F9B1BED}" type="presOf" srcId="{D1710CBD-AB40-4F45-8178-834B49B3DA01}" destId="{2CB1C6E7-9142-4D03-A094-6A7E37BFF4B9}" srcOrd="0" destOrd="0" presId="urn:microsoft.com/office/officeart/2005/8/layout/hierarchy3"/>
+    <dgm:cxn modelId="{9F13B0E4-5EAE-4712-8534-B07BB8DDC525}" srcId="{34056986-2666-41AE-AF1C-2DDE8896B393}" destId="{A0DB7D28-19B7-47F6-9A84-CA4AC8FD1B45}" srcOrd="4" destOrd="0" parTransId="{5B5EE49F-4575-4840-B566-266C0BA44343}" sibTransId="{A4D06BF6-0F29-48C1-B600-1B59F4586EB7}"/>
     <dgm:cxn modelId="{A930EFF8-A6F7-43F5-8FDA-8B82CD3D979D}" type="presOf" srcId="{1E9F7328-5C16-47B7-B80B-083989395D0A}" destId="{5AA439A5-4769-4090-8803-6CC1C9192883}" srcOrd="0" destOrd="0" presId="urn:microsoft.com/office/officeart/2005/8/layout/hierarchy3"/>
-    <dgm:cxn modelId="{1CF9EB16-192B-4BF2-8FDA-167441C829CD}" type="presOf" srcId="{A0DB7D28-19B7-47F6-9A84-CA4AC8FD1B45}" destId="{D1BA5B84-998D-4AE3-8F00-B8174DEF8B2A}" srcOrd="0" destOrd="0" presId="urn:microsoft.com/office/officeart/2005/8/layout/hierarchy3"/>
-    <dgm:cxn modelId="{4FB3D19C-273D-4C4A-9F0A-0346C1A29140}" type="presOf" srcId="{727EEF25-5726-48D6-BCEE-15735CC5B06A}" destId="{C273DD00-29C5-4C55-9492-16027570554D}" srcOrd="0" destOrd="0" presId="urn:microsoft.com/office/officeart/2005/8/layout/hierarchy3"/>
+    <dgm:cxn modelId="{C2D07FF9-9360-49F5-A753-CF2816BBA868}" type="presOf" srcId="{65DAD07D-E74B-4565-B78E-56149E78C065}" destId="{43D36F6B-64B1-4DB4-AFF8-7D344D714B1A}" srcOrd="0" destOrd="0" presId="urn:microsoft.com/office/officeart/2005/8/layout/hierarchy3"/>
     <dgm:cxn modelId="{DD41643D-2B63-458C-B5DA-93A06ED23C3F}" type="presParOf" srcId="{F8F62866-FAED-444D-8280-5BE6897D0FAB}" destId="{255B1160-FBC3-42F1-8D69-C6F1E895DD29}" srcOrd="0" destOrd="0" presId="urn:microsoft.com/office/officeart/2005/8/layout/hierarchy3"/>
     <dgm:cxn modelId="{BD0AA7F2-F587-4FB8-BC8B-5F354360015D}" type="presParOf" srcId="{255B1160-FBC3-42F1-8D69-C6F1E895DD29}" destId="{70202FD3-84FA-46E9-877B-1361F099AD61}" srcOrd="0" destOrd="0" presId="urn:microsoft.com/office/officeart/2005/8/layout/hierarchy3"/>
     <dgm:cxn modelId="{B8BACA42-39D6-41D6-9196-A231989951A2}" type="presParOf" srcId="{70202FD3-84FA-46E9-877B-1361F099AD61}" destId="{28871C56-86E6-42A9-B126-12E074E41452}" srcOrd="0" destOrd="0" presId="urn:microsoft.com/office/officeart/2005/8/layout/hierarchy3"/>
@@ -4339,10 +3948,9 @@
         <a:lstStyle/>
         <a:p>
           <a:r>
-            <a:rPr lang="zh-CN" altLang="en-US" sz="1800" b="1" dirty="0" smtClean="0"/>
+            <a:rPr lang="zh-CN" altLang="en-US" sz="1800" b="1" dirty="0"/>
             <a:t>数据挖掘与机器学习</a:t>
           </a:r>
-          <a:endParaRPr lang="zh-CN" altLang="en-US" sz="1800" b="1" dirty="0"/>
         </a:p>
       </dgm:t>
     </dgm:pt>
@@ -4376,10 +3984,9 @@
         <a:lstStyle/>
         <a:p>
           <a:r>
-            <a:rPr lang="zh-CN" altLang="en-US" sz="1400" dirty="0" smtClean="0"/>
+            <a:rPr lang="zh-CN" altLang="en-US" sz="1400" dirty="0"/>
             <a:t>主成分分析</a:t>
           </a:r>
-          <a:endParaRPr lang="zh-CN" altLang="en-US" sz="1400" dirty="0"/>
         </a:p>
       </dgm:t>
     </dgm:pt>
@@ -4413,7 +4020,7 @@
         <a:lstStyle/>
         <a:p>
           <a:r>
-            <a:rPr lang="en-US" altLang="zh-CN" sz="1400" dirty="0" smtClean="0">
+            <a:rPr lang="en-US" altLang="zh-CN" sz="1400" dirty="0">
               <a:latin typeface="Times New Roman" panose="02020603050405020304" pitchFamily="18" charset="0"/>
               <a:cs typeface="Times New Roman" panose="02020603050405020304" pitchFamily="18" charset="0"/>
             </a:rPr>
@@ -4456,10 +4063,9 @@
         <a:lstStyle/>
         <a:p>
           <a:r>
-            <a:rPr lang="zh-CN" altLang="en-US" sz="1400" dirty="0" smtClean="0"/>
+            <a:rPr lang="zh-CN" altLang="en-US" sz="1400" dirty="0"/>
             <a:t>热图</a:t>
           </a:r>
-          <a:endParaRPr lang="zh-CN" altLang="en-US" sz="1400" dirty="0"/>
         </a:p>
       </dgm:t>
     </dgm:pt>
@@ -4493,10 +4099,9 @@
         <a:lstStyle/>
         <a:p>
           <a:r>
-            <a:rPr lang="zh-CN" altLang="en-US" sz="1400" dirty="0" smtClean="0"/>
+            <a:rPr lang="zh-CN" altLang="en-US" sz="1400" dirty="0"/>
             <a:t>随机森林</a:t>
           </a:r>
-          <a:endParaRPr lang="zh-CN" altLang="en-US" sz="1400" dirty="0"/>
         </a:p>
       </dgm:t>
     </dgm:pt>
@@ -4530,10 +4135,9 @@
         <a:lstStyle/>
         <a:p>
           <a:r>
-            <a:rPr lang="zh-CN" altLang="en-US" sz="1400" dirty="0" smtClean="0"/>
+            <a:rPr lang="zh-CN" altLang="en-US" sz="1400" dirty="0"/>
             <a:t>支持向量机</a:t>
           </a:r>
-          <a:endParaRPr lang="zh-CN" altLang="en-US" sz="1400" dirty="0"/>
         </a:p>
       </dgm:t>
     </dgm:pt>
@@ -4567,7 +4171,7 @@
         <a:lstStyle/>
         <a:p>
           <a:r>
-            <a:rPr lang="en-US" altLang="zh-CN" sz="1400" dirty="0" smtClean="0">
+            <a:rPr lang="en-US" altLang="zh-CN" sz="1400" dirty="0">
               <a:latin typeface="Times New Roman" panose="02020603050405020304" pitchFamily="18" charset="0"/>
               <a:cs typeface="Times New Roman" panose="02020603050405020304" pitchFamily="18" charset="0"/>
             </a:rPr>
@@ -4602,6 +4206,92 @@
         </a:p>
       </dgm:t>
     </dgm:pt>
+    <dgm:pt modelId="{DCB6A17A-67C5-4B03-8E42-E4A04E76EE4A}">
+      <dgm:prSet custT="1"/>
+      <dgm:spPr/>
+      <dgm:t>
+        <a:bodyPr/>
+        <a:lstStyle/>
+        <a:p>
+          <a:r>
+            <a:rPr lang="en-US" altLang="zh-CN" sz="1400" dirty="0">
+              <a:latin typeface="Times New Roman" panose="02020603050405020304" pitchFamily="18" charset="0"/>
+              <a:cs typeface="Times New Roman" panose="02020603050405020304" pitchFamily="18" charset="0"/>
+            </a:rPr>
+            <a:t>BeSS</a:t>
+          </a:r>
+          <a:endParaRPr lang="zh-CN" altLang="en-US" sz="1400" dirty="0">
+            <a:latin typeface="Times New Roman" panose="02020603050405020304" pitchFamily="18" charset="0"/>
+            <a:cs typeface="Times New Roman" panose="02020603050405020304" pitchFamily="18" charset="0"/>
+          </a:endParaRPr>
+        </a:p>
+      </dgm:t>
+    </dgm:pt>
+    <dgm:pt modelId="{7B610B38-8AFF-43A4-AE91-AFC43713857E}" type="parTrans" cxnId="{8813B60F-0D28-435E-87CD-8D8D836D57E6}">
+      <dgm:prSet/>
+      <dgm:spPr/>
+      <dgm:t>
+        <a:bodyPr/>
+        <a:lstStyle/>
+        <a:p>
+          <a:endParaRPr lang="zh-CN" altLang="en-US"/>
+        </a:p>
+      </dgm:t>
+    </dgm:pt>
+    <dgm:pt modelId="{51C1CF0C-E0E0-46DA-8227-7198DB358ED5}" type="sibTrans" cxnId="{8813B60F-0D28-435E-87CD-8D8D836D57E6}">
+      <dgm:prSet/>
+      <dgm:spPr/>
+      <dgm:t>
+        <a:bodyPr/>
+        <a:lstStyle/>
+        <a:p>
+          <a:endParaRPr lang="zh-CN" altLang="en-US"/>
+        </a:p>
+      </dgm:t>
+    </dgm:pt>
+    <dgm:pt modelId="{849C2DB6-2265-4CD8-BFD0-D0E90CA21F84}">
+      <dgm:prSet custT="1"/>
+      <dgm:spPr/>
+      <dgm:t>
+        <a:bodyPr/>
+        <a:lstStyle/>
+        <a:p>
+          <a:r>
+            <a:rPr lang="en-US" altLang="zh-CN" sz="1400" dirty="0">
+              <a:latin typeface="Times New Roman" panose="02020603050405020304" pitchFamily="18" charset="0"/>
+              <a:cs typeface="Times New Roman" panose="02020603050405020304" pitchFamily="18" charset="0"/>
+            </a:rPr>
+            <a:t>Lasso</a:t>
+          </a:r>
+          <a:endParaRPr lang="zh-CN" altLang="en-US" sz="1400" dirty="0">
+            <a:latin typeface="Times New Roman" panose="02020603050405020304" pitchFamily="18" charset="0"/>
+            <a:cs typeface="Times New Roman" panose="02020603050405020304" pitchFamily="18" charset="0"/>
+          </a:endParaRPr>
+        </a:p>
+      </dgm:t>
+    </dgm:pt>
+    <dgm:pt modelId="{F2F4608F-F47C-4E38-95AB-5A95AE2B35F9}" type="parTrans" cxnId="{E94DF1EE-903B-4479-B7B7-AA6123CBAEC6}">
+      <dgm:prSet/>
+      <dgm:spPr/>
+      <dgm:t>
+        <a:bodyPr/>
+        <a:lstStyle/>
+        <a:p>
+          <a:endParaRPr lang="zh-CN" altLang="en-US"/>
+        </a:p>
+      </dgm:t>
+    </dgm:pt>
+    <dgm:pt modelId="{5ABC9459-8C99-45F4-8B16-074C07544FCB}" type="sibTrans" cxnId="{E94DF1EE-903B-4479-B7B7-AA6123CBAEC6}">
+      <dgm:prSet/>
+      <dgm:spPr/>
+      <dgm:t>
+        <a:bodyPr/>
+        <a:lstStyle/>
+        <a:p>
+          <a:endParaRPr lang="zh-CN" altLang="en-US"/>
+        </a:p>
+      </dgm:t>
+    </dgm:pt>
     <dgm:pt modelId="{F8F62866-FAED-444D-8280-5BE6897D0FAB}" type="pres">
       <dgm:prSet presAssocID="{530853BB-A3FC-4BE4-8043-E66AEB4AF174}" presName="diagram" presStyleCnt="0">
         <dgm:presLayoutVars>
@@ -4613,13 +4303,6 @@
         </dgm:presLayoutVars>
       </dgm:prSet>
       <dgm:spPr/>
-      <dgm:t>
-        <a:bodyPr/>
-        <a:lstStyle/>
-        <a:p>
-          <a:endParaRPr lang="zh-CN" altLang="en-US"/>
-        </a:p>
-      </dgm:t>
     </dgm:pt>
     <dgm:pt modelId="{255B1160-FBC3-42F1-8D69-C6F1E895DD29}" type="pres">
       <dgm:prSet presAssocID="{34056986-2666-41AE-AF1C-2DDE8896B393}" presName="root" presStyleCnt="0"/>
@@ -4632,209 +4315,141 @@
     <dgm:pt modelId="{28871C56-86E6-42A9-B126-12E074E41452}" type="pres">
       <dgm:prSet presAssocID="{34056986-2666-41AE-AF1C-2DDE8896B393}" presName="rootText" presStyleLbl="node1" presStyleIdx="0" presStyleCnt="1" custScaleX="87684" custScaleY="30630" custLinFactNeighborX="-13291" custLinFactNeighborY="605"/>
       <dgm:spPr/>
-      <dgm:t>
-        <a:bodyPr/>
-        <a:lstStyle/>
-        <a:p>
-          <a:endParaRPr lang="zh-CN" altLang="en-US"/>
-        </a:p>
-      </dgm:t>
     </dgm:pt>
     <dgm:pt modelId="{92F6AE3F-1E3E-41D0-B768-5C2423D894BF}" type="pres">
       <dgm:prSet presAssocID="{34056986-2666-41AE-AF1C-2DDE8896B393}" presName="rootConnector" presStyleLbl="node1" presStyleIdx="0" presStyleCnt="1"/>
       <dgm:spPr/>
-      <dgm:t>
-        <a:bodyPr/>
-        <a:lstStyle/>
-        <a:p>
-          <a:endParaRPr lang="zh-CN" altLang="en-US"/>
-        </a:p>
-      </dgm:t>
     </dgm:pt>
     <dgm:pt modelId="{2B9DDED7-3A3F-4729-871B-E557532B823D}" type="pres">
       <dgm:prSet presAssocID="{34056986-2666-41AE-AF1C-2DDE8896B393}" presName="childShape" presStyleCnt="0"/>
       <dgm:spPr/>
     </dgm:pt>
     <dgm:pt modelId="{43D36F6B-64B1-4DB4-AFF8-7D344D714B1A}" type="pres">
-      <dgm:prSet presAssocID="{65DAD07D-E74B-4565-B78E-56149E78C065}" presName="Name13" presStyleLbl="parChTrans1D2" presStyleIdx="0" presStyleCnt="6"/>
-      <dgm:spPr/>
-      <dgm:t>
-        <a:bodyPr/>
-        <a:lstStyle/>
-        <a:p>
-          <a:endParaRPr lang="zh-CN" altLang="en-US"/>
-        </a:p>
-      </dgm:t>
+      <dgm:prSet presAssocID="{65DAD07D-E74B-4565-B78E-56149E78C065}" presName="Name13" presStyleLbl="parChTrans1D2" presStyleIdx="0" presStyleCnt="8"/>
+      <dgm:spPr/>
     </dgm:pt>
     <dgm:pt modelId="{169207AD-8A1F-42E4-B949-0DBD721663A0}" type="pres">
-      <dgm:prSet presAssocID="{DD3861E8-843E-43EC-BF4F-ACD97A3E9418}" presName="childText" presStyleLbl="bgAcc1" presStyleIdx="0" presStyleCnt="6" custScaleX="72037" custScaleY="25587">
+      <dgm:prSet presAssocID="{DD3861E8-843E-43EC-BF4F-ACD97A3E9418}" presName="childText" presStyleLbl="bgAcc1" presStyleIdx="0" presStyleCnt="8" custScaleX="74839" custScaleY="26582">
         <dgm:presLayoutVars>
           <dgm:bulletEnabled val="1"/>
         </dgm:presLayoutVars>
       </dgm:prSet>
       <dgm:spPr/>
-      <dgm:t>
-        <a:bodyPr/>
-        <a:lstStyle/>
-        <a:p>
-          <a:endParaRPr lang="zh-CN" altLang="en-US"/>
-        </a:p>
-      </dgm:t>
     </dgm:pt>
     <dgm:pt modelId="{EB9659E7-9A53-4644-9314-86DE72DC9001}" type="pres">
-      <dgm:prSet presAssocID="{51F11A03-7701-449C-A577-60E1D680E19A}" presName="Name13" presStyleLbl="parChTrans1D2" presStyleIdx="1" presStyleCnt="6"/>
-      <dgm:spPr/>
-      <dgm:t>
-        <a:bodyPr/>
-        <a:lstStyle/>
-        <a:p>
-          <a:endParaRPr lang="zh-CN" altLang="en-US"/>
-        </a:p>
-      </dgm:t>
+      <dgm:prSet presAssocID="{51F11A03-7701-449C-A577-60E1D680E19A}" presName="Name13" presStyleLbl="parChTrans1D2" presStyleIdx="1" presStyleCnt="8"/>
+      <dgm:spPr/>
     </dgm:pt>
     <dgm:pt modelId="{4FB9068B-7DB7-4553-A520-C65CBDA48E47}" type="pres">
-      <dgm:prSet presAssocID="{3985C515-0B94-49C0-8E0B-12AAF058782B}" presName="childText" presStyleLbl="bgAcc1" presStyleIdx="1" presStyleCnt="6" custScaleX="72334" custScaleY="25613">
+      <dgm:prSet presAssocID="{3985C515-0B94-49C0-8E0B-12AAF058782B}" presName="childText" presStyleLbl="bgAcc1" presStyleIdx="1" presStyleCnt="8" custScaleX="74839" custScaleY="25613">
         <dgm:presLayoutVars>
           <dgm:bulletEnabled val="1"/>
         </dgm:presLayoutVars>
       </dgm:prSet>
       <dgm:spPr/>
-      <dgm:t>
-        <a:bodyPr/>
-        <a:lstStyle/>
-        <a:p>
-          <a:endParaRPr lang="zh-CN" altLang="en-US"/>
-        </a:p>
-      </dgm:t>
     </dgm:pt>
     <dgm:pt modelId="{C52EAAA0-3D93-49E1-9C5B-C5AECA912F36}" type="pres">
-      <dgm:prSet presAssocID="{BD81DC21-B32C-4C72-8374-613991D6E1EA}" presName="Name13" presStyleLbl="parChTrans1D2" presStyleIdx="2" presStyleCnt="6"/>
-      <dgm:spPr/>
-      <dgm:t>
-        <a:bodyPr/>
-        <a:lstStyle/>
-        <a:p>
-          <a:endParaRPr lang="zh-CN" altLang="en-US"/>
-        </a:p>
-      </dgm:t>
+      <dgm:prSet presAssocID="{BD81DC21-B32C-4C72-8374-613991D6E1EA}" presName="Name13" presStyleLbl="parChTrans1D2" presStyleIdx="2" presStyleCnt="8"/>
+      <dgm:spPr/>
     </dgm:pt>
     <dgm:pt modelId="{048A9ECF-9D80-4B92-8F1E-BCCEE5386184}" type="pres">
-      <dgm:prSet presAssocID="{78B2DFB2-2F1F-488A-8479-D43D76F53C74}" presName="childText" presStyleLbl="bgAcc1" presStyleIdx="2" presStyleCnt="6" custScaleX="72708" custScaleY="25719" custLinFactNeighborX="-40" custLinFactNeighborY="-193">
+      <dgm:prSet presAssocID="{78B2DFB2-2F1F-488A-8479-D43D76F53C74}" presName="childText" presStyleLbl="bgAcc1" presStyleIdx="2" presStyleCnt="8" custScaleX="74839" custScaleY="26582" custLinFactNeighborX="-40" custLinFactNeighborY="-193">
         <dgm:presLayoutVars>
           <dgm:bulletEnabled val="1"/>
         </dgm:presLayoutVars>
       </dgm:prSet>
       <dgm:spPr/>
-      <dgm:t>
-        <a:bodyPr/>
-        <a:lstStyle/>
-        <a:p>
-          <a:endParaRPr lang="zh-CN" altLang="en-US"/>
-        </a:p>
-      </dgm:t>
     </dgm:pt>
     <dgm:pt modelId="{75D7EA51-CD76-43FD-BCF9-E99A1ACB081F}" type="pres">
-      <dgm:prSet presAssocID="{69BD8A25-FC6E-412F-97DF-626058C289B8}" presName="Name13" presStyleLbl="parChTrans1D2" presStyleIdx="3" presStyleCnt="6"/>
-      <dgm:spPr/>
-      <dgm:t>
-        <a:bodyPr/>
-        <a:lstStyle/>
-        <a:p>
-          <a:endParaRPr lang="zh-CN" altLang="en-US"/>
-        </a:p>
-      </dgm:t>
+      <dgm:prSet presAssocID="{69BD8A25-FC6E-412F-97DF-626058C289B8}" presName="Name13" presStyleLbl="parChTrans1D2" presStyleIdx="3" presStyleCnt="8"/>
+      <dgm:spPr/>
     </dgm:pt>
     <dgm:pt modelId="{1F8EBB40-AD1E-43BB-BB82-9B7B2FD97A19}" type="pres">
-      <dgm:prSet presAssocID="{26562236-CAB2-45E3-872B-DE66CB2D3B52}" presName="childText" presStyleLbl="bgAcc1" presStyleIdx="3" presStyleCnt="6" custScaleX="73086" custScaleY="25852" custLinFactNeighborX="-40" custLinFactNeighborY="-193">
+      <dgm:prSet presAssocID="{26562236-CAB2-45E3-872B-DE66CB2D3B52}" presName="childText" presStyleLbl="bgAcc1" presStyleIdx="3" presStyleCnt="8" custScaleX="74534" custScaleY="25852" custLinFactNeighborX="-40" custLinFactNeighborY="-193">
         <dgm:presLayoutVars>
           <dgm:bulletEnabled val="1"/>
         </dgm:presLayoutVars>
       </dgm:prSet>
       <dgm:spPr/>
-      <dgm:t>
-        <a:bodyPr/>
-        <a:lstStyle/>
-        <a:p>
-          <a:endParaRPr lang="zh-CN" altLang="en-US"/>
-        </a:p>
-      </dgm:t>
     </dgm:pt>
     <dgm:pt modelId="{C273DD00-29C5-4C55-9492-16027570554D}" type="pres">
-      <dgm:prSet presAssocID="{727EEF25-5726-48D6-BCEE-15735CC5B06A}" presName="Name13" presStyleLbl="parChTrans1D2" presStyleIdx="4" presStyleCnt="6"/>
-      <dgm:spPr/>
-      <dgm:t>
-        <a:bodyPr/>
-        <a:lstStyle/>
-        <a:p>
-          <a:endParaRPr lang="zh-CN" altLang="en-US"/>
-        </a:p>
-      </dgm:t>
+      <dgm:prSet presAssocID="{727EEF25-5726-48D6-BCEE-15735CC5B06A}" presName="Name13" presStyleLbl="parChTrans1D2" presStyleIdx="4" presStyleCnt="8"/>
+      <dgm:spPr/>
     </dgm:pt>
     <dgm:pt modelId="{2CB1C6E7-9142-4D03-A094-6A7E37BFF4B9}" type="pres">
-      <dgm:prSet presAssocID="{D1710CBD-AB40-4F45-8178-834B49B3DA01}" presName="childText" presStyleLbl="bgAcc1" presStyleIdx="4" presStyleCnt="6" custScaleX="73933" custScaleY="26287" custLinFactNeighborX="-40" custLinFactNeighborY="-193">
+      <dgm:prSet presAssocID="{D1710CBD-AB40-4F45-8178-834B49B3DA01}" presName="childText" presStyleLbl="bgAcc1" presStyleIdx="4" presStyleCnt="8" custScaleX="74839" custScaleY="26287" custLinFactNeighborX="-40" custLinFactNeighborY="-193">
         <dgm:presLayoutVars>
           <dgm:bulletEnabled val="1"/>
         </dgm:presLayoutVars>
       </dgm:prSet>
       <dgm:spPr/>
-      <dgm:t>
-        <a:bodyPr/>
-        <a:lstStyle/>
-        <a:p>
-          <a:endParaRPr lang="zh-CN" altLang="en-US"/>
-        </a:p>
-      </dgm:t>
     </dgm:pt>
     <dgm:pt modelId="{E3FD055E-5114-4AE0-876F-3220E45CF707}" type="pres">
-      <dgm:prSet presAssocID="{5140BE97-C22D-4E5F-89DE-41E3841149BD}" presName="Name13" presStyleLbl="parChTrans1D2" presStyleIdx="5" presStyleCnt="6"/>
-      <dgm:spPr/>
-      <dgm:t>
-        <a:bodyPr/>
-        <a:lstStyle/>
-        <a:p>
-          <a:endParaRPr lang="zh-CN" altLang="en-US"/>
-        </a:p>
-      </dgm:t>
+      <dgm:prSet presAssocID="{5140BE97-C22D-4E5F-89DE-41E3841149BD}" presName="Name13" presStyleLbl="parChTrans1D2" presStyleIdx="5" presStyleCnt="8"/>
+      <dgm:spPr/>
     </dgm:pt>
     <dgm:pt modelId="{81CCEF33-02CC-440B-B6DA-92C1028740FF}" type="pres">
-      <dgm:prSet presAssocID="{FC53A1AA-2FAB-4595-ABA3-BE4FEBEBDD3A}" presName="childText" presStyleLbl="bgAcc1" presStyleIdx="5" presStyleCnt="6" custScaleX="74879" custScaleY="26454" custLinFactNeighborX="-40" custLinFactNeighborY="-193">
+      <dgm:prSet presAssocID="{FC53A1AA-2FAB-4595-ABA3-BE4FEBEBDD3A}" presName="childText" presStyleLbl="bgAcc1" presStyleIdx="5" presStyleCnt="8" custScaleX="74879" custScaleY="26454" custLinFactNeighborX="-40" custLinFactNeighborY="-193">
         <dgm:presLayoutVars>
           <dgm:bulletEnabled val="1"/>
         </dgm:presLayoutVars>
       </dgm:prSet>
       <dgm:spPr/>
-      <dgm:t>
-        <a:bodyPr/>
-        <a:lstStyle/>
-        <a:p>
-          <a:endParaRPr lang="zh-CN" altLang="en-US"/>
-        </a:p>
-      </dgm:t>
+    </dgm:pt>
+    <dgm:pt modelId="{67A53A9C-6684-41CB-83EA-895D8C0BE877}" type="pres">
+      <dgm:prSet presAssocID="{F2F4608F-F47C-4E38-95AB-5A95AE2B35F9}" presName="Name13" presStyleLbl="parChTrans1D2" presStyleIdx="6" presStyleCnt="8"/>
+      <dgm:spPr/>
+    </dgm:pt>
+    <dgm:pt modelId="{08B2416A-412D-4251-A7B9-153F8C688432}" type="pres">
+      <dgm:prSet presAssocID="{849C2DB6-2265-4CD8-BFD0-D0E90CA21F84}" presName="childText" presStyleLbl="bgAcc1" presStyleIdx="6" presStyleCnt="8" custScaleX="74839" custScaleY="26582">
+        <dgm:presLayoutVars>
+          <dgm:bulletEnabled val="1"/>
+        </dgm:presLayoutVars>
+      </dgm:prSet>
+      <dgm:spPr/>
+    </dgm:pt>
+    <dgm:pt modelId="{DD995BBC-98D4-481B-9DE1-974C82484BD9}" type="pres">
+      <dgm:prSet presAssocID="{7B610B38-8AFF-43A4-AE91-AFC43713857E}" presName="Name13" presStyleLbl="parChTrans1D2" presStyleIdx="7" presStyleCnt="8"/>
+      <dgm:spPr/>
+    </dgm:pt>
+    <dgm:pt modelId="{CDE4D515-6751-4A1C-901F-E5813D4F9EDB}" type="pres">
+      <dgm:prSet presAssocID="{DCB6A17A-67C5-4B03-8E42-E4A04E76EE4A}" presName="childText" presStyleLbl="bgAcc1" presStyleIdx="7" presStyleCnt="8" custScaleX="74839" custScaleY="26582">
+        <dgm:presLayoutVars>
+          <dgm:bulletEnabled val="1"/>
+        </dgm:presLayoutVars>
+      </dgm:prSet>
+      <dgm:spPr/>
     </dgm:pt>
   </dgm:ptLst>
   <dgm:cxnLst>
+    <dgm:cxn modelId="{E1D6C401-7485-436A-AED1-262C0C6A447E}" srcId="{34056986-2666-41AE-AF1C-2DDE8896B393}" destId="{3985C515-0B94-49C0-8E0B-12AAF058782B}" srcOrd="1" destOrd="0" parTransId="{51F11A03-7701-449C-A577-60E1D680E19A}" sibTransId="{65D58652-7033-4BA7-BA8F-7E2DE12F50BB}"/>
+    <dgm:cxn modelId="{BCD7FF01-045D-4689-B94E-CB6B65AD4403}" srcId="{530853BB-A3FC-4BE4-8043-E66AEB4AF174}" destId="{34056986-2666-41AE-AF1C-2DDE8896B393}" srcOrd="0" destOrd="0" parTransId="{5B1DD257-7CC7-4C0C-B594-EC43FE6A864D}" sibTransId="{753A4B17-BA61-4180-99BF-D58E0F2FC3CC}"/>
+    <dgm:cxn modelId="{84211803-F468-4803-8163-96C6660DBECF}" srcId="{34056986-2666-41AE-AF1C-2DDE8896B393}" destId="{26562236-CAB2-45E3-872B-DE66CB2D3B52}" srcOrd="3" destOrd="0" parTransId="{69BD8A25-FC6E-412F-97DF-626058C289B8}" sibTransId="{82CBBD28-6ADE-4BEF-8D88-3072098F1668}"/>
+    <dgm:cxn modelId="{6131D408-10CE-4ECF-AB0B-F05677A9F5D0}" type="presOf" srcId="{78B2DFB2-2F1F-488A-8479-D43D76F53C74}" destId="{048A9ECF-9D80-4B92-8F1E-BCCEE5386184}" srcOrd="0" destOrd="0" presId="urn:microsoft.com/office/officeart/2005/8/layout/hierarchy3"/>
+    <dgm:cxn modelId="{8813B60F-0D28-435E-87CD-8D8D836D57E6}" srcId="{34056986-2666-41AE-AF1C-2DDE8896B393}" destId="{DCB6A17A-67C5-4B03-8E42-E4A04E76EE4A}" srcOrd="7" destOrd="0" parTransId="{7B610B38-8AFF-43A4-AE91-AFC43713857E}" sibTransId="{51C1CF0C-E0E0-46DA-8227-7198DB358ED5}"/>
+    <dgm:cxn modelId="{D0094115-204D-4411-8F9E-950FF02787A1}" type="presOf" srcId="{F2F4608F-F47C-4E38-95AB-5A95AE2B35F9}" destId="{67A53A9C-6684-41CB-83EA-895D8C0BE877}" srcOrd="0" destOrd="0" presId="urn:microsoft.com/office/officeart/2005/8/layout/hierarchy3"/>
+    <dgm:cxn modelId="{B79B7C16-0948-4007-9712-A0D651AA4778}" type="presOf" srcId="{5140BE97-C22D-4E5F-89DE-41E3841149BD}" destId="{E3FD055E-5114-4AE0-876F-3220E45CF707}" srcOrd="0" destOrd="0" presId="urn:microsoft.com/office/officeart/2005/8/layout/hierarchy3"/>
+    <dgm:cxn modelId="{24E3DD18-FE85-4BF0-BC55-2EA942C35EF5}" type="presOf" srcId="{34056986-2666-41AE-AF1C-2DDE8896B393}" destId="{92F6AE3F-1E3E-41D0-B768-5C2423D894BF}" srcOrd="1" destOrd="0" presId="urn:microsoft.com/office/officeart/2005/8/layout/hierarchy3"/>
+    <dgm:cxn modelId="{FBAAE91E-76E2-43EB-BE2C-8BB59F6FFC94}" type="presOf" srcId="{34056986-2666-41AE-AF1C-2DDE8896B393}" destId="{28871C56-86E6-42A9-B126-12E074E41452}" srcOrd="0" destOrd="0" presId="urn:microsoft.com/office/officeart/2005/8/layout/hierarchy3"/>
+    <dgm:cxn modelId="{88B73329-F772-49F4-B6BA-CB6AB65ACCEB}" type="presOf" srcId="{727EEF25-5726-48D6-BCEE-15735CC5B06A}" destId="{C273DD00-29C5-4C55-9492-16027570554D}" srcOrd="0" destOrd="0" presId="urn:microsoft.com/office/officeart/2005/8/layout/hierarchy3"/>
+    <dgm:cxn modelId="{482F1D2F-DCB1-4EF1-B494-A5F1862B85DA}" type="presOf" srcId="{530853BB-A3FC-4BE4-8043-E66AEB4AF174}" destId="{F8F62866-FAED-444D-8280-5BE6897D0FAB}" srcOrd="0" destOrd="0" presId="urn:microsoft.com/office/officeart/2005/8/layout/hierarchy3"/>
+    <dgm:cxn modelId="{E5726C33-BD3E-4F7B-A3C8-CF4FAEAC4763}" srcId="{34056986-2666-41AE-AF1C-2DDE8896B393}" destId="{78B2DFB2-2F1F-488A-8479-D43D76F53C74}" srcOrd="2" destOrd="0" parTransId="{BD81DC21-B32C-4C72-8374-613991D6E1EA}" sibTransId="{A47E901D-6E56-40A1-A8CE-8E05517BF615}"/>
+    <dgm:cxn modelId="{A300DB62-57C2-4ABD-AA60-EFF273B0F619}" type="presOf" srcId="{DCB6A17A-67C5-4B03-8E42-E4A04E76EE4A}" destId="{CDE4D515-6751-4A1C-901F-E5813D4F9EDB}" srcOrd="0" destOrd="0" presId="urn:microsoft.com/office/officeart/2005/8/layout/hierarchy3"/>
+    <dgm:cxn modelId="{98D5C167-E09B-4AD4-B4CB-679DE5924B80}" type="presOf" srcId="{7B610B38-8AFF-43A4-AE91-AFC43713857E}" destId="{DD995BBC-98D4-481B-9DE1-974C82484BD9}" srcOrd="0" destOrd="0" presId="urn:microsoft.com/office/officeart/2005/8/layout/hierarchy3"/>
+    <dgm:cxn modelId="{BA70E56D-F6B9-4367-967A-24775B6FB8C6}" srcId="{34056986-2666-41AE-AF1C-2DDE8896B393}" destId="{DD3861E8-843E-43EC-BF4F-ACD97A3E9418}" srcOrd="0" destOrd="0" parTransId="{65DAD07D-E74B-4565-B78E-56149E78C065}" sibTransId="{79DC67DD-5A9D-47E8-B04E-E9A428440411}"/>
+    <dgm:cxn modelId="{88EEDB4F-ECD6-4B62-8AE1-F4C47DCD0E7D}" srcId="{34056986-2666-41AE-AF1C-2DDE8896B393}" destId="{FC53A1AA-2FAB-4595-ABA3-BE4FEBEBDD3A}" srcOrd="5" destOrd="0" parTransId="{5140BE97-C22D-4E5F-89DE-41E3841149BD}" sibTransId="{CF867E1D-3DC5-4AB6-A200-58D16B2C61B9}"/>
+    <dgm:cxn modelId="{DDE8E086-A366-424C-908A-3F078D39328B}" type="presOf" srcId="{26562236-CAB2-45E3-872B-DE66CB2D3B52}" destId="{1F8EBB40-AD1E-43BB-BB82-9B7B2FD97A19}" srcOrd="0" destOrd="0" presId="urn:microsoft.com/office/officeart/2005/8/layout/hierarchy3"/>
+    <dgm:cxn modelId="{53DEDA8A-2E15-466F-B5B8-1DC731B20E1C}" srcId="{34056986-2666-41AE-AF1C-2DDE8896B393}" destId="{D1710CBD-AB40-4F45-8178-834B49B3DA01}" srcOrd="4" destOrd="0" parTransId="{727EEF25-5726-48D6-BCEE-15735CC5B06A}" sibTransId="{1A1D70BF-605C-4BAA-A634-B6E3560003C7}"/>
+    <dgm:cxn modelId="{A80F9192-AD40-483C-8D4C-02B70C876875}" type="presOf" srcId="{BD81DC21-B32C-4C72-8374-613991D6E1EA}" destId="{C52EAAA0-3D93-49E1-9C5B-C5AECA912F36}" srcOrd="0" destOrd="0" presId="urn:microsoft.com/office/officeart/2005/8/layout/hierarchy3"/>
+    <dgm:cxn modelId="{F4CE6CA9-FD3E-41D2-B1CF-382EA4E1FA6D}" type="presOf" srcId="{D1710CBD-AB40-4F45-8178-834B49B3DA01}" destId="{2CB1C6E7-9142-4D03-A094-6A7E37BFF4B9}" srcOrd="0" destOrd="0" presId="urn:microsoft.com/office/officeart/2005/8/layout/hierarchy3"/>
     <dgm:cxn modelId="{66D074AF-967F-4E3B-8F34-2100D68935B7}" type="presOf" srcId="{3985C515-0B94-49C0-8E0B-12AAF058782B}" destId="{4FB9068B-7DB7-4553-A520-C65CBDA48E47}" srcOrd="0" destOrd="0" presId="urn:microsoft.com/office/officeart/2005/8/layout/hierarchy3"/>
+    <dgm:cxn modelId="{79410CB9-8E8B-45E4-A4D3-D08C67E8278D}" type="presOf" srcId="{65DAD07D-E74B-4565-B78E-56149E78C065}" destId="{43D36F6B-64B1-4DB4-AFF8-7D344D714B1A}" srcOrd="0" destOrd="0" presId="urn:microsoft.com/office/officeart/2005/8/layout/hierarchy3"/>
+    <dgm:cxn modelId="{18081ABD-E994-4BFF-8216-2D652C818635}" type="presOf" srcId="{51F11A03-7701-449C-A577-60E1D680E19A}" destId="{EB9659E7-9A53-4644-9314-86DE72DC9001}" srcOrd="0" destOrd="0" presId="urn:microsoft.com/office/officeart/2005/8/layout/hierarchy3"/>
+    <dgm:cxn modelId="{513833D0-E5D2-405E-A416-39E181EF56BB}" type="presOf" srcId="{849C2DB6-2265-4CD8-BFD0-D0E90CA21F84}" destId="{08B2416A-412D-4251-A7B9-153F8C688432}" srcOrd="0" destOrd="0" presId="urn:microsoft.com/office/officeart/2005/8/layout/hierarchy3"/>
+    <dgm:cxn modelId="{E4DB50DA-EAE0-449F-9637-80DF0E499B2F}" type="presOf" srcId="{FC53A1AA-2FAB-4595-ABA3-BE4FEBEBDD3A}" destId="{81CCEF33-02CC-440B-B6DA-92C1028740FF}" srcOrd="0" destOrd="0" presId="urn:microsoft.com/office/officeart/2005/8/layout/hierarchy3"/>
+    <dgm:cxn modelId="{E94DF1EE-903B-4479-B7B7-AA6123CBAEC6}" srcId="{34056986-2666-41AE-AF1C-2DDE8896B393}" destId="{849C2DB6-2265-4CD8-BFD0-D0E90CA21F84}" srcOrd="6" destOrd="0" parTransId="{F2F4608F-F47C-4E38-95AB-5A95AE2B35F9}" sibTransId="{5ABC9459-8C99-45F4-8B16-074C07544FCB}"/>
+    <dgm:cxn modelId="{B191BFFD-8D6C-415C-838D-5EF2164D3D87}" type="presOf" srcId="{DD3861E8-843E-43EC-BF4F-ACD97A3E9418}" destId="{169207AD-8A1F-42E4-B949-0DBD721663A0}" srcOrd="0" destOrd="0" presId="urn:microsoft.com/office/officeart/2005/8/layout/hierarchy3"/>
     <dgm:cxn modelId="{E4EE0CFF-D02B-474A-A5CE-425D2597FF07}" type="presOf" srcId="{69BD8A25-FC6E-412F-97DF-626058C289B8}" destId="{75D7EA51-CD76-43FD-BCF9-E99A1ACB081F}" srcOrd="0" destOrd="0" presId="urn:microsoft.com/office/officeart/2005/8/layout/hierarchy3"/>
-    <dgm:cxn modelId="{B79B7C16-0948-4007-9712-A0D651AA4778}" type="presOf" srcId="{5140BE97-C22D-4E5F-89DE-41E3841149BD}" destId="{E3FD055E-5114-4AE0-876F-3220E45CF707}" srcOrd="0" destOrd="0" presId="urn:microsoft.com/office/officeart/2005/8/layout/hierarchy3"/>
-    <dgm:cxn modelId="{E5726C33-BD3E-4F7B-A3C8-CF4FAEAC4763}" srcId="{34056986-2666-41AE-AF1C-2DDE8896B393}" destId="{78B2DFB2-2F1F-488A-8479-D43D76F53C74}" srcOrd="2" destOrd="0" parTransId="{BD81DC21-B32C-4C72-8374-613991D6E1EA}" sibTransId="{A47E901D-6E56-40A1-A8CE-8E05517BF615}"/>
-    <dgm:cxn modelId="{DDE8E086-A366-424C-908A-3F078D39328B}" type="presOf" srcId="{26562236-CAB2-45E3-872B-DE66CB2D3B52}" destId="{1F8EBB40-AD1E-43BB-BB82-9B7B2FD97A19}" srcOrd="0" destOrd="0" presId="urn:microsoft.com/office/officeart/2005/8/layout/hierarchy3"/>
-    <dgm:cxn modelId="{BCD7FF01-045D-4689-B94E-CB6B65AD4403}" srcId="{530853BB-A3FC-4BE4-8043-E66AEB4AF174}" destId="{34056986-2666-41AE-AF1C-2DDE8896B393}" srcOrd="0" destOrd="0" parTransId="{5B1DD257-7CC7-4C0C-B594-EC43FE6A864D}" sibTransId="{753A4B17-BA61-4180-99BF-D58E0F2FC3CC}"/>
-    <dgm:cxn modelId="{79410CB9-8E8B-45E4-A4D3-D08C67E8278D}" type="presOf" srcId="{65DAD07D-E74B-4565-B78E-56149E78C065}" destId="{43D36F6B-64B1-4DB4-AFF8-7D344D714B1A}" srcOrd="0" destOrd="0" presId="urn:microsoft.com/office/officeart/2005/8/layout/hierarchy3"/>
-    <dgm:cxn modelId="{53DEDA8A-2E15-466F-B5B8-1DC731B20E1C}" srcId="{34056986-2666-41AE-AF1C-2DDE8896B393}" destId="{D1710CBD-AB40-4F45-8178-834B49B3DA01}" srcOrd="4" destOrd="0" parTransId="{727EEF25-5726-48D6-BCEE-15735CC5B06A}" sibTransId="{1A1D70BF-605C-4BAA-A634-B6E3560003C7}"/>
-    <dgm:cxn modelId="{88B73329-F772-49F4-B6BA-CB6AB65ACCEB}" type="presOf" srcId="{727EEF25-5726-48D6-BCEE-15735CC5B06A}" destId="{C273DD00-29C5-4C55-9492-16027570554D}" srcOrd="0" destOrd="0" presId="urn:microsoft.com/office/officeart/2005/8/layout/hierarchy3"/>
-    <dgm:cxn modelId="{E4DB50DA-EAE0-449F-9637-80DF0E499B2F}" type="presOf" srcId="{FC53A1AA-2FAB-4595-ABA3-BE4FEBEBDD3A}" destId="{81CCEF33-02CC-440B-B6DA-92C1028740FF}" srcOrd="0" destOrd="0" presId="urn:microsoft.com/office/officeart/2005/8/layout/hierarchy3"/>
-    <dgm:cxn modelId="{84211803-F468-4803-8163-96C6660DBECF}" srcId="{34056986-2666-41AE-AF1C-2DDE8896B393}" destId="{26562236-CAB2-45E3-872B-DE66CB2D3B52}" srcOrd="3" destOrd="0" parTransId="{69BD8A25-FC6E-412F-97DF-626058C289B8}" sibTransId="{82CBBD28-6ADE-4BEF-8D88-3072098F1668}"/>
-    <dgm:cxn modelId="{18081ABD-E994-4BFF-8216-2D652C818635}" type="presOf" srcId="{51F11A03-7701-449C-A577-60E1D680E19A}" destId="{EB9659E7-9A53-4644-9314-86DE72DC9001}" srcOrd="0" destOrd="0" presId="urn:microsoft.com/office/officeart/2005/8/layout/hierarchy3"/>
-    <dgm:cxn modelId="{88EEDB4F-ECD6-4B62-8AE1-F4C47DCD0E7D}" srcId="{34056986-2666-41AE-AF1C-2DDE8896B393}" destId="{FC53A1AA-2FAB-4595-ABA3-BE4FEBEBDD3A}" srcOrd="5" destOrd="0" parTransId="{5140BE97-C22D-4E5F-89DE-41E3841149BD}" sibTransId="{CF867E1D-3DC5-4AB6-A200-58D16B2C61B9}"/>
-    <dgm:cxn modelId="{B191BFFD-8D6C-415C-838D-5EF2164D3D87}" type="presOf" srcId="{DD3861E8-843E-43EC-BF4F-ACD97A3E9418}" destId="{169207AD-8A1F-42E4-B949-0DBD721663A0}" srcOrd="0" destOrd="0" presId="urn:microsoft.com/office/officeart/2005/8/layout/hierarchy3"/>
-    <dgm:cxn modelId="{F4CE6CA9-FD3E-41D2-B1CF-382EA4E1FA6D}" type="presOf" srcId="{D1710CBD-AB40-4F45-8178-834B49B3DA01}" destId="{2CB1C6E7-9142-4D03-A094-6A7E37BFF4B9}" srcOrd="0" destOrd="0" presId="urn:microsoft.com/office/officeart/2005/8/layout/hierarchy3"/>
-    <dgm:cxn modelId="{BA70E56D-F6B9-4367-967A-24775B6FB8C6}" srcId="{34056986-2666-41AE-AF1C-2DDE8896B393}" destId="{DD3861E8-843E-43EC-BF4F-ACD97A3E9418}" srcOrd="0" destOrd="0" parTransId="{65DAD07D-E74B-4565-B78E-56149E78C065}" sibTransId="{79DC67DD-5A9D-47E8-B04E-E9A428440411}"/>
-    <dgm:cxn modelId="{24E3DD18-FE85-4BF0-BC55-2EA942C35EF5}" type="presOf" srcId="{34056986-2666-41AE-AF1C-2DDE8896B393}" destId="{92F6AE3F-1E3E-41D0-B768-5C2423D894BF}" srcOrd="1" destOrd="0" presId="urn:microsoft.com/office/officeart/2005/8/layout/hierarchy3"/>
-    <dgm:cxn modelId="{482F1D2F-DCB1-4EF1-B494-A5F1862B85DA}" type="presOf" srcId="{530853BB-A3FC-4BE4-8043-E66AEB4AF174}" destId="{F8F62866-FAED-444D-8280-5BE6897D0FAB}" srcOrd="0" destOrd="0" presId="urn:microsoft.com/office/officeart/2005/8/layout/hierarchy3"/>
-    <dgm:cxn modelId="{A80F9192-AD40-483C-8D4C-02B70C876875}" type="presOf" srcId="{BD81DC21-B32C-4C72-8374-613991D6E1EA}" destId="{C52EAAA0-3D93-49E1-9C5B-C5AECA912F36}" srcOrd="0" destOrd="0" presId="urn:microsoft.com/office/officeart/2005/8/layout/hierarchy3"/>
-    <dgm:cxn modelId="{6131D408-10CE-4ECF-AB0B-F05677A9F5D0}" type="presOf" srcId="{78B2DFB2-2F1F-488A-8479-D43D76F53C74}" destId="{048A9ECF-9D80-4B92-8F1E-BCCEE5386184}" srcOrd="0" destOrd="0" presId="urn:microsoft.com/office/officeart/2005/8/layout/hierarchy3"/>
-    <dgm:cxn modelId="{E1D6C401-7485-436A-AED1-262C0C6A447E}" srcId="{34056986-2666-41AE-AF1C-2DDE8896B393}" destId="{3985C515-0B94-49C0-8E0B-12AAF058782B}" srcOrd="1" destOrd="0" parTransId="{51F11A03-7701-449C-A577-60E1D680E19A}" sibTransId="{65D58652-7033-4BA7-BA8F-7E2DE12F50BB}"/>
-    <dgm:cxn modelId="{FBAAE91E-76E2-43EB-BE2C-8BB59F6FFC94}" type="presOf" srcId="{34056986-2666-41AE-AF1C-2DDE8896B393}" destId="{28871C56-86E6-42A9-B126-12E074E41452}" srcOrd="0" destOrd="0" presId="urn:microsoft.com/office/officeart/2005/8/layout/hierarchy3"/>
     <dgm:cxn modelId="{ABD55043-7FA4-4F9D-9F07-3601211E5801}" type="presParOf" srcId="{F8F62866-FAED-444D-8280-5BE6897D0FAB}" destId="{255B1160-FBC3-42F1-8D69-C6F1E895DD29}" srcOrd="0" destOrd="0" presId="urn:microsoft.com/office/officeart/2005/8/layout/hierarchy3"/>
     <dgm:cxn modelId="{9C9FCDDB-F03B-4026-9144-9E7103D2636F}" type="presParOf" srcId="{255B1160-FBC3-42F1-8D69-C6F1E895DD29}" destId="{70202FD3-84FA-46E9-877B-1361F099AD61}" srcOrd="0" destOrd="0" presId="urn:microsoft.com/office/officeart/2005/8/layout/hierarchy3"/>
     <dgm:cxn modelId="{F44D1A6B-C02F-4C5A-81C5-65F21FEDB750}" type="presParOf" srcId="{70202FD3-84FA-46E9-877B-1361F099AD61}" destId="{28871C56-86E6-42A9-B126-12E074E41452}" srcOrd="0" destOrd="0" presId="urn:microsoft.com/office/officeart/2005/8/layout/hierarchy3"/>
@@ -4852,6 +4467,10 @@
     <dgm:cxn modelId="{B5136537-DFA5-4784-9DC5-620C67E3B32A}" type="presParOf" srcId="{2B9DDED7-3A3F-4729-871B-E557532B823D}" destId="{2CB1C6E7-9142-4D03-A094-6A7E37BFF4B9}" srcOrd="9" destOrd="0" presId="urn:microsoft.com/office/officeart/2005/8/layout/hierarchy3"/>
     <dgm:cxn modelId="{658B1A8B-7EB4-4FB5-B244-888973D25542}" type="presParOf" srcId="{2B9DDED7-3A3F-4729-871B-E557532B823D}" destId="{E3FD055E-5114-4AE0-876F-3220E45CF707}" srcOrd="10" destOrd="0" presId="urn:microsoft.com/office/officeart/2005/8/layout/hierarchy3"/>
     <dgm:cxn modelId="{EF7ADCD4-73CE-4628-AD9B-307DF689CEDA}" type="presParOf" srcId="{2B9DDED7-3A3F-4729-871B-E557532B823D}" destId="{81CCEF33-02CC-440B-B6DA-92C1028740FF}" srcOrd="11" destOrd="0" presId="urn:microsoft.com/office/officeart/2005/8/layout/hierarchy3"/>
+    <dgm:cxn modelId="{7C757C5B-EA42-499E-8556-B70A12CF0D5C}" type="presParOf" srcId="{2B9DDED7-3A3F-4729-871B-E557532B823D}" destId="{67A53A9C-6684-41CB-83EA-895D8C0BE877}" srcOrd="12" destOrd="0" presId="urn:microsoft.com/office/officeart/2005/8/layout/hierarchy3"/>
+    <dgm:cxn modelId="{AD5F9518-F0EE-499E-9CE5-28425CE7249A}" type="presParOf" srcId="{2B9DDED7-3A3F-4729-871B-E557532B823D}" destId="{08B2416A-412D-4251-A7B9-153F8C688432}" srcOrd="13" destOrd="0" presId="urn:microsoft.com/office/officeart/2005/8/layout/hierarchy3"/>
+    <dgm:cxn modelId="{4F861622-800A-48ED-811C-89B156767DB6}" type="presParOf" srcId="{2B9DDED7-3A3F-4729-871B-E557532B823D}" destId="{DD995BBC-98D4-481B-9DE1-974C82484BD9}" srcOrd="14" destOrd="0" presId="urn:microsoft.com/office/officeart/2005/8/layout/hierarchy3"/>
+    <dgm:cxn modelId="{DF4EAF14-004A-43B7-AE3E-732764C03A57}" type="presParOf" srcId="{2B9DDED7-3A3F-4729-871B-E557532B823D}" destId="{CDE4D515-6751-4A1C-901F-E5813D4F9EDB}" srcOrd="15" destOrd="0" presId="urn:microsoft.com/office/officeart/2005/8/layout/hierarchy3"/>
   </dgm:cxnLst>
   <dgm:bg/>
   <dgm:whole/>
@@ -4927,7 +4546,7 @@
         </a:bodyPr>
         <a:lstStyle/>
         <a:p>
-          <a:pPr lvl="0" algn="ctr" defTabSz="800100">
+          <a:pPr marL="0" lvl="0" indent="0" algn="ctr" defTabSz="800100">
             <a:lnSpc>
               <a:spcPct val="90000"/>
             </a:lnSpc>
@@ -4937,12 +4556,12 @@
             <a:spcAft>
               <a:spcPct val="35000"/>
             </a:spcAft>
+            <a:buNone/>
           </a:pPr>
           <a:r>
-            <a:rPr lang="zh-CN" altLang="en-US" sz="1800" b="1" kern="1200" dirty="0" smtClean="0"/>
+            <a:rPr lang="zh-CN" altLang="en-US" sz="1800" b="1" kern="1200" dirty="0"/>
             <a:t>基础统计分析</a:t>
           </a:r>
-          <a:endParaRPr lang="zh-CN" altLang="en-US" sz="1800" b="1" kern="1200" dirty="0"/>
         </a:p>
       </dsp:txBody>
       <dsp:txXfrm>
@@ -5063,7 +4682,7 @@
         </a:bodyPr>
         <a:lstStyle/>
         <a:p>
-          <a:pPr lvl="0" algn="ctr" defTabSz="622300">
+          <a:pPr marL="0" lvl="0" indent="0" algn="ctr" defTabSz="622300">
             <a:lnSpc>
               <a:spcPct val="90000"/>
             </a:lnSpc>
@@ -5073,12 +4692,12 @@
             <a:spcAft>
               <a:spcPct val="35000"/>
             </a:spcAft>
+            <a:buNone/>
           </a:pPr>
           <a:r>
-            <a:rPr lang="zh-CN" altLang="en-US" sz="1400" kern="1200" dirty="0" smtClean="0"/>
+            <a:rPr lang="zh-CN" altLang="en-US" sz="1400" kern="1200" dirty="0"/>
             <a:t>描述性指标</a:t>
           </a:r>
-          <a:endParaRPr lang="zh-CN" altLang="en-US" sz="1400" kern="1200" dirty="0"/>
         </a:p>
       </dsp:txBody>
       <dsp:txXfrm>
@@ -5199,7 +4818,7 @@
         </a:bodyPr>
         <a:lstStyle/>
         <a:p>
-          <a:pPr lvl="0" algn="ctr" defTabSz="622300">
+          <a:pPr marL="0" lvl="0" indent="0" algn="ctr" defTabSz="622300">
             <a:lnSpc>
               <a:spcPct val="90000"/>
             </a:lnSpc>
@@ -5209,19 +4828,19 @@
             <a:spcAft>
               <a:spcPct val="35000"/>
             </a:spcAft>
+            <a:buNone/>
           </a:pPr>
           <a:r>
-            <a:rPr lang="en-US" altLang="zh-CN" sz="1400" kern="1200" dirty="0" smtClean="0">
+            <a:rPr lang="en-US" altLang="zh-CN" sz="1400" kern="1200" dirty="0">
               <a:latin typeface="Times New Roman" panose="02020603050405020304" pitchFamily="18" charset="0"/>
               <a:cs typeface="Times New Roman" panose="02020603050405020304" pitchFamily="18" charset="0"/>
             </a:rPr>
             <a:t>t</a:t>
           </a:r>
           <a:r>
-            <a:rPr lang="zh-CN" altLang="en-US" sz="1400" kern="1200" dirty="0" smtClean="0"/>
+            <a:rPr lang="zh-CN" altLang="en-US" sz="1400" kern="1200" dirty="0"/>
             <a:t>检验</a:t>
           </a:r>
-          <a:endParaRPr lang="zh-CN" altLang="en-US" sz="1400" kern="1200" dirty="0"/>
         </a:p>
       </dsp:txBody>
       <dsp:txXfrm>
@@ -5342,7 +4961,7 @@
         </a:bodyPr>
         <a:lstStyle/>
         <a:p>
-          <a:pPr lvl="0" algn="ctr" defTabSz="622300">
+          <a:pPr marL="0" lvl="0" indent="0" algn="ctr" defTabSz="622300">
             <a:lnSpc>
               <a:spcPct val="90000"/>
             </a:lnSpc>
@@ -5352,12 +4971,12 @@
             <a:spcAft>
               <a:spcPct val="35000"/>
             </a:spcAft>
+            <a:buNone/>
           </a:pPr>
           <a:r>
-            <a:rPr lang="zh-CN" altLang="en-US" sz="1400" kern="1200" dirty="0" smtClean="0"/>
+            <a:rPr lang="zh-CN" altLang="en-US" sz="1400" kern="1200" dirty="0"/>
             <a:t>方差分析</a:t>
           </a:r>
-          <a:endParaRPr lang="zh-CN" altLang="en-US" sz="1400" kern="1200" dirty="0"/>
         </a:p>
       </dsp:txBody>
       <dsp:txXfrm>
@@ -5478,7 +5097,7 @@
         </a:bodyPr>
         <a:lstStyle/>
         <a:p>
-          <a:pPr lvl="0" algn="ctr" defTabSz="622300">
+          <a:pPr marL="0" lvl="0" indent="0" algn="ctr" defTabSz="622300">
             <a:lnSpc>
               <a:spcPct val="90000"/>
             </a:lnSpc>
@@ -5488,12 +5107,12 @@
             <a:spcAft>
               <a:spcPct val="35000"/>
             </a:spcAft>
+            <a:buNone/>
           </a:pPr>
           <a:r>
-            <a:rPr lang="zh-CN" altLang="en-US" sz="1400" kern="1200" dirty="0" smtClean="0"/>
+            <a:rPr lang="zh-CN" altLang="en-US" sz="1400" kern="1200" dirty="0"/>
             <a:t>卡方检验</a:t>
           </a:r>
-          <a:endParaRPr lang="zh-CN" altLang="en-US" sz="1400" kern="1200" dirty="0"/>
         </a:p>
       </dsp:txBody>
       <dsp:txXfrm>
@@ -5614,7 +5233,7 @@
         </a:bodyPr>
         <a:lstStyle/>
         <a:p>
-          <a:pPr lvl="0" algn="ctr" defTabSz="622300">
+          <a:pPr marL="0" lvl="0" indent="0" algn="ctr" defTabSz="622300">
             <a:lnSpc>
               <a:spcPct val="90000"/>
             </a:lnSpc>
@@ -5624,12 +5243,12 @@
             <a:spcAft>
               <a:spcPct val="35000"/>
             </a:spcAft>
+            <a:buNone/>
           </a:pPr>
           <a:r>
-            <a:rPr lang="zh-CN" altLang="en-US" sz="1400" kern="1200" dirty="0" smtClean="0"/>
+            <a:rPr lang="zh-CN" altLang="en-US" sz="1400" kern="1200" dirty="0"/>
             <a:t>秩和检验</a:t>
           </a:r>
-          <a:endParaRPr lang="zh-CN" altLang="en-US" sz="1400" kern="1200" dirty="0"/>
         </a:p>
       </dsp:txBody>
       <dsp:txXfrm>
@@ -5750,7 +5369,7 @@
         </a:bodyPr>
         <a:lstStyle/>
         <a:p>
-          <a:pPr lvl="0" algn="ctr" defTabSz="622300">
+          <a:pPr marL="0" lvl="0" indent="0" algn="ctr" defTabSz="622300">
             <a:lnSpc>
               <a:spcPct val="90000"/>
             </a:lnSpc>
@@ -5760,12 +5379,12 @@
             <a:spcAft>
               <a:spcPct val="35000"/>
             </a:spcAft>
+            <a:buNone/>
           </a:pPr>
           <a:r>
-            <a:rPr lang="zh-CN" altLang="en-US" sz="1400" kern="1200" dirty="0" smtClean="0"/>
+            <a:rPr lang="zh-CN" altLang="en-US" sz="1400" kern="1200" dirty="0"/>
             <a:t>相关性分析</a:t>
           </a:r>
-          <a:endParaRPr lang="zh-CN" altLang="en-US" sz="1400" kern="1200" dirty="0"/>
         </a:p>
       </dsp:txBody>
       <dsp:txXfrm>
@@ -5886,7 +5505,7 @@
         </a:bodyPr>
         <a:lstStyle/>
         <a:p>
-          <a:pPr lvl="0" algn="ctr" defTabSz="622300">
+          <a:pPr marL="0" lvl="0" indent="0" algn="ctr" defTabSz="622300">
             <a:lnSpc>
               <a:spcPct val="90000"/>
             </a:lnSpc>
@@ -5896,12 +5515,12 @@
             <a:spcAft>
               <a:spcPct val="35000"/>
             </a:spcAft>
+            <a:buNone/>
           </a:pPr>
           <a:r>
-            <a:rPr lang="zh-CN" altLang="en-US" sz="1400" kern="1200" dirty="0" smtClean="0"/>
+            <a:rPr lang="zh-CN" altLang="en-US" sz="1400" kern="1200" dirty="0"/>
             <a:t>多重线性回归</a:t>
           </a:r>
-          <a:endParaRPr lang="zh-CN" altLang="en-US" sz="1400" kern="1200" dirty="0"/>
         </a:p>
       </dsp:txBody>
       <dsp:txXfrm>
@@ -6022,7 +5641,7 @@
         </a:bodyPr>
         <a:lstStyle/>
         <a:p>
-          <a:pPr lvl="0" algn="ctr" defTabSz="622300">
+          <a:pPr marL="0" lvl="0" indent="0" algn="ctr" defTabSz="622300">
             <a:lnSpc>
               <a:spcPct val="90000"/>
             </a:lnSpc>
@@ -6032,19 +5651,19 @@
             <a:spcAft>
               <a:spcPct val="35000"/>
             </a:spcAft>
+            <a:buNone/>
           </a:pPr>
           <a:r>
-            <a:rPr lang="en-US" altLang="zh-CN" sz="1400" kern="1200" dirty="0" smtClean="0">
+            <a:rPr lang="en-US" altLang="zh-CN" sz="1400" kern="1200" dirty="0">
               <a:latin typeface="Times New Roman" pitchFamily="18" charset="0"/>
               <a:cs typeface="Times New Roman" pitchFamily="18" charset="0"/>
             </a:rPr>
             <a:t>logistic</a:t>
           </a:r>
           <a:r>
-            <a:rPr lang="zh-CN" altLang="en-US" sz="1400" kern="1200" dirty="0" smtClean="0"/>
+            <a:rPr lang="zh-CN" altLang="en-US" sz="1400" kern="1200" dirty="0"/>
             <a:t>回归</a:t>
           </a:r>
-          <a:endParaRPr lang="zh-CN" altLang="en-US" sz="1400" kern="1200" dirty="0"/>
         </a:p>
       </dsp:txBody>
       <dsp:txXfrm>
@@ -6165,7 +5784,7 @@
         </a:bodyPr>
         <a:lstStyle/>
         <a:p>
-          <a:pPr lvl="0" algn="ctr" defTabSz="622300">
+          <a:pPr marL="0" lvl="0" indent="0" algn="ctr" defTabSz="622300">
             <a:lnSpc>
               <a:spcPct val="90000"/>
             </a:lnSpc>
@@ -6175,19 +5794,19 @@
             <a:spcAft>
               <a:spcPct val="35000"/>
             </a:spcAft>
+            <a:buNone/>
           </a:pPr>
           <a:r>
-            <a:rPr lang="en-US" altLang="zh-CN" sz="1400" kern="1200" dirty="0" smtClean="0">
+            <a:rPr lang="en-US" altLang="zh-CN" sz="1400" kern="1200" dirty="0">
               <a:latin typeface="Times New Roman" panose="02020603050405020304" pitchFamily="18" charset="0"/>
               <a:cs typeface="Times New Roman" panose="02020603050405020304" pitchFamily="18" charset="0"/>
             </a:rPr>
             <a:t>Cox</a:t>
           </a:r>
           <a:r>
-            <a:rPr lang="zh-CN" altLang="en-US" sz="1400" kern="1200" dirty="0" smtClean="0"/>
+            <a:rPr lang="zh-CN" altLang="en-US" sz="1400" kern="1200" dirty="0"/>
             <a:t>回归</a:t>
           </a:r>
-          <a:endParaRPr lang="zh-CN" altLang="en-US" sz="1400" kern="1200" dirty="0"/>
         </a:p>
       </dsp:txBody>
       <dsp:txXfrm>
@@ -6308,7 +5927,7 @@
         </a:bodyPr>
         <a:lstStyle/>
         <a:p>
-          <a:pPr lvl="0" algn="ctr" defTabSz="622300">
+          <a:pPr marL="0" lvl="0" indent="0" algn="ctr" defTabSz="622300">
             <a:lnSpc>
               <a:spcPct val="90000"/>
             </a:lnSpc>
@@ -6318,25 +5937,22 @@
             <a:spcAft>
               <a:spcPct val="35000"/>
             </a:spcAft>
+            <a:buNone/>
           </a:pPr>
           <a:r>
-            <a:rPr lang="en-US" altLang="zh-CN" sz="1400" kern="1200" dirty="0" smtClean="0">
+            <a:rPr lang="en-US" altLang="zh-CN" sz="1400" kern="1200" dirty="0">
               <a:latin typeface="Times New Roman" panose="02020603050405020304" pitchFamily="18" charset="0"/>
               <a:cs typeface="Times New Roman" panose="02020603050405020304" pitchFamily="18" charset="0"/>
             </a:rPr>
             <a:t>ROC</a:t>
           </a:r>
           <a:r>
-            <a:rPr lang="zh-CN" altLang="en-US" sz="1400" kern="1200" dirty="0" smtClean="0">
+            <a:rPr lang="zh-CN" altLang="en-US" sz="1400" kern="1200" dirty="0">
               <a:latin typeface="Times New Roman" panose="02020603050405020304" pitchFamily="18" charset="0"/>
               <a:cs typeface="Times New Roman" panose="02020603050405020304" pitchFamily="18" charset="0"/>
             </a:rPr>
             <a:t>分析</a:t>
           </a:r>
-          <a:endParaRPr lang="zh-CN" altLang="en-US" sz="1400" kern="1200" dirty="0">
-            <a:latin typeface="Times New Roman" panose="02020603050405020304" pitchFamily="18" charset="0"/>
-            <a:cs typeface="Times New Roman" panose="02020603050405020304" pitchFamily="18" charset="0"/>
-          </a:endParaRPr>
         </a:p>
       </dsp:txBody>
       <dsp:txXfrm>
@@ -6457,7 +6073,7 @@
         </a:bodyPr>
         <a:lstStyle/>
         <a:p>
-          <a:pPr lvl="0" algn="ctr" defTabSz="622300">
+          <a:pPr marL="0" lvl="0" indent="0" algn="ctr" defTabSz="622300">
             <a:lnSpc>
               <a:spcPct val="90000"/>
             </a:lnSpc>
@@ -6467,23 +6083,24 @@
             <a:spcAft>
               <a:spcPct val="35000"/>
             </a:spcAft>
+            <a:buNone/>
           </a:pPr>
           <a:r>
-            <a:rPr lang="en-US" altLang="zh-CN" sz="1400" kern="1200" dirty="0" smtClean="0">
+            <a:rPr lang="en-US" altLang="zh-CN" sz="1400" kern="1200" dirty="0">
               <a:latin typeface="Times New Roman" panose="02020603050405020304" pitchFamily="18" charset="0"/>
               <a:cs typeface="Times New Roman" panose="02020603050405020304" pitchFamily="18" charset="0"/>
             </a:rPr>
             <a:t>NRI</a:t>
           </a:r>
           <a:r>
-            <a:rPr lang="zh-CN" altLang="en-US" sz="1400" kern="1200" dirty="0" smtClean="0">
+            <a:rPr lang="zh-CN" altLang="en-US" sz="1400" kern="1200" dirty="0">
               <a:latin typeface="Times New Roman" panose="02020603050405020304" pitchFamily="18" charset="0"/>
               <a:cs typeface="Times New Roman" panose="02020603050405020304" pitchFamily="18" charset="0"/>
             </a:rPr>
             <a:t>和</a:t>
           </a:r>
           <a:r>
-            <a:rPr lang="en-US" altLang="zh-CN" sz="1400" kern="1200" dirty="0" smtClean="0">
+            <a:rPr lang="en-US" altLang="zh-CN" sz="1400" kern="1200" dirty="0">
               <a:latin typeface="Times New Roman" panose="02020603050405020304" pitchFamily="18" charset="0"/>
               <a:cs typeface="Times New Roman" panose="02020603050405020304" pitchFamily="18" charset="0"/>
             </a:rPr>
@@ -6610,7 +6227,7 @@
         </a:bodyPr>
         <a:lstStyle/>
         <a:p>
-          <a:pPr lvl="0" algn="ctr" defTabSz="622300">
+          <a:pPr marL="0" lvl="0" indent="0" algn="ctr" defTabSz="622300">
             <a:lnSpc>
               <a:spcPct val="90000"/>
             </a:lnSpc>
@@ -6620,32 +6237,29 @@
             <a:spcAft>
               <a:spcPct val="35000"/>
             </a:spcAft>
+            <a:buNone/>
           </a:pPr>
           <a:r>
-            <a:rPr lang="zh-CN" altLang="en-US" sz="1400" kern="1200" dirty="0" smtClean="0">
+            <a:rPr lang="zh-CN" altLang="en-US" sz="1400" kern="1200" dirty="0">
               <a:latin typeface="Times New Roman" panose="02020603050405020304" pitchFamily="18" charset="0"/>
               <a:cs typeface="Times New Roman" panose="02020603050405020304" pitchFamily="18" charset="0"/>
             </a:rPr>
             <a:t>限制性立方样条（</a:t>
           </a:r>
           <a:r>
-            <a:rPr lang="en-US" altLang="zh-CN" sz="1400" kern="1200" dirty="0" smtClean="0">
+            <a:rPr lang="en-US" altLang="zh-CN" sz="1400" kern="1200" dirty="0">
               <a:latin typeface="Times New Roman" panose="02020603050405020304" pitchFamily="18" charset="0"/>
               <a:cs typeface="Times New Roman" panose="02020603050405020304" pitchFamily="18" charset="0"/>
             </a:rPr>
             <a:t>RCS</a:t>
           </a:r>
           <a:r>
-            <a:rPr lang="zh-CN" altLang="en-US" sz="1400" kern="1200" dirty="0" smtClean="0">
+            <a:rPr lang="zh-CN" altLang="en-US" sz="1400" kern="1200" dirty="0">
               <a:latin typeface="Times New Roman" panose="02020603050405020304" pitchFamily="18" charset="0"/>
               <a:cs typeface="Times New Roman" panose="02020603050405020304" pitchFamily="18" charset="0"/>
             </a:rPr>
             <a:t>）</a:t>
           </a:r>
-          <a:endParaRPr lang="zh-CN" altLang="en-US" sz="1400" kern="1200" dirty="0">
-            <a:latin typeface="Times New Roman" panose="02020603050405020304" pitchFamily="18" charset="0"/>
-            <a:cs typeface="Times New Roman" panose="02020603050405020304" pitchFamily="18" charset="0"/>
-          </a:endParaRPr>
         </a:p>
       </dsp:txBody>
       <dsp:txXfrm>
@@ -6721,7 +6335,7 @@
         </a:bodyPr>
         <a:lstStyle/>
         <a:p>
-          <a:pPr lvl="0" algn="ctr" defTabSz="800100">
+          <a:pPr marL="0" lvl="0" indent="0" algn="ctr" defTabSz="800100">
             <a:lnSpc>
               <a:spcPct val="90000"/>
             </a:lnSpc>
@@ -6731,12 +6345,12 @@
             <a:spcAft>
               <a:spcPct val="35000"/>
             </a:spcAft>
+            <a:buNone/>
           </a:pPr>
           <a:r>
-            <a:rPr lang="zh-CN" altLang="en-US" sz="1800" b="1" kern="1200" dirty="0" smtClean="0"/>
+            <a:rPr lang="zh-CN" altLang="en-US" sz="1800" b="1" kern="1200" dirty="0"/>
             <a:t>高维数据分析</a:t>
           </a:r>
-          <a:endParaRPr lang="zh-CN" altLang="en-US" sz="1800" b="1" kern="1200" dirty="0"/>
         </a:p>
       </dsp:txBody>
       <dsp:txXfrm>
@@ -6857,7 +6471,7 @@
         </a:bodyPr>
         <a:lstStyle/>
         <a:p>
-          <a:pPr lvl="0" algn="ctr" defTabSz="622300">
+          <a:pPr marL="0" lvl="0" indent="0" algn="ctr" defTabSz="622300">
             <a:lnSpc>
               <a:spcPct val="90000"/>
             </a:lnSpc>
@@ -6867,12 +6481,12 @@
             <a:spcAft>
               <a:spcPct val="35000"/>
             </a:spcAft>
+            <a:buNone/>
           </a:pPr>
           <a:r>
-            <a:rPr lang="zh-CN" altLang="en-US" sz="1400" kern="1200" dirty="0" smtClean="0"/>
+            <a:rPr lang="zh-CN" altLang="en-US" sz="1400" kern="1200" dirty="0"/>
             <a:t>主成分分析</a:t>
           </a:r>
-          <a:endParaRPr lang="zh-CN" altLang="en-US" sz="1400" kern="1200" dirty="0"/>
         </a:p>
       </dsp:txBody>
       <dsp:txXfrm>
@@ -6993,7 +6607,7 @@
         </a:bodyPr>
         <a:lstStyle/>
         <a:p>
-          <a:pPr lvl="0" algn="ctr" defTabSz="622300">
+          <a:pPr marL="0" lvl="0" indent="0" algn="ctr" defTabSz="622300">
             <a:lnSpc>
               <a:spcPct val="90000"/>
             </a:lnSpc>
@@ -7003,12 +6617,12 @@
             <a:spcAft>
               <a:spcPct val="35000"/>
             </a:spcAft>
+            <a:buNone/>
           </a:pPr>
           <a:r>
-            <a:rPr lang="zh-CN" altLang="en-US" sz="1400" kern="1200" dirty="0" smtClean="0"/>
+            <a:rPr lang="zh-CN" altLang="en-US" sz="1400" kern="1200" dirty="0"/>
             <a:t>判别分析</a:t>
           </a:r>
-          <a:endParaRPr lang="zh-CN" altLang="en-US" sz="1400" kern="1200" dirty="0"/>
         </a:p>
       </dsp:txBody>
       <dsp:txXfrm>
@@ -7129,7 +6743,7 @@
         </a:bodyPr>
         <a:lstStyle/>
         <a:p>
-          <a:pPr lvl="0" algn="ctr" defTabSz="622300">
+          <a:pPr marL="0" lvl="0" indent="0" algn="ctr" defTabSz="622300">
             <a:lnSpc>
               <a:spcPct val="90000"/>
             </a:lnSpc>
@@ -7139,12 +6753,12 @@
             <a:spcAft>
               <a:spcPct val="35000"/>
             </a:spcAft>
+            <a:buNone/>
           </a:pPr>
           <a:r>
-            <a:rPr lang="zh-CN" altLang="en-US" sz="1400" kern="1200" dirty="0" smtClean="0"/>
+            <a:rPr lang="zh-CN" altLang="en-US" sz="1400" kern="1200" dirty="0"/>
             <a:t>判别分析</a:t>
           </a:r>
-          <a:endParaRPr lang="zh-CN" altLang="en-US" sz="1400" kern="1200" dirty="0"/>
         </a:p>
       </dsp:txBody>
       <dsp:txXfrm>
@@ -7265,7 +6879,7 @@
         </a:bodyPr>
         <a:lstStyle/>
         <a:p>
-          <a:pPr lvl="0" algn="ctr" defTabSz="622300">
+          <a:pPr marL="0" lvl="0" indent="0" algn="ctr" defTabSz="622300">
             <a:lnSpc>
               <a:spcPct val="90000"/>
             </a:lnSpc>
@@ -7275,12 +6889,12 @@
             <a:spcAft>
               <a:spcPct val="35000"/>
             </a:spcAft>
+            <a:buNone/>
           </a:pPr>
           <a:r>
-            <a:rPr lang="zh-CN" altLang="en-US" sz="1400" kern="1200" dirty="0" smtClean="0"/>
+            <a:rPr lang="zh-CN" altLang="en-US" sz="1400" kern="1200" dirty="0"/>
             <a:t>置换检验</a:t>
           </a:r>
-          <a:endParaRPr lang="zh-CN" altLang="en-US" sz="1400" kern="1200" dirty="0"/>
         </a:p>
       </dsp:txBody>
       <dsp:txXfrm>
@@ -7401,7 +7015,7 @@
         </a:bodyPr>
         <a:lstStyle/>
         <a:p>
-          <a:pPr lvl="0" algn="ctr" defTabSz="622300">
+          <a:pPr marL="0" lvl="0" indent="0" algn="ctr" defTabSz="622300">
             <a:lnSpc>
               <a:spcPct val="90000"/>
             </a:lnSpc>
@@ -7411,12 +7025,12 @@
             <a:spcAft>
               <a:spcPct val="35000"/>
             </a:spcAft>
+            <a:buNone/>
           </a:pPr>
           <a:r>
-            <a:rPr lang="zh-CN" altLang="en-US" sz="1400" kern="1200" dirty="0" smtClean="0"/>
+            <a:rPr lang="zh-CN" altLang="en-US" sz="1400" kern="1200" dirty="0"/>
             <a:t>交叉验证</a:t>
           </a:r>
-          <a:endParaRPr lang="zh-CN" altLang="en-US" sz="1400" kern="1200" dirty="0"/>
         </a:p>
       </dsp:txBody>
       <dsp:txXfrm>
@@ -7537,7 +7151,7 @@
         </a:bodyPr>
         <a:lstStyle/>
         <a:p>
-          <a:pPr lvl="0" algn="ctr" defTabSz="622300">
+          <a:pPr marL="0" lvl="0" indent="0" algn="ctr" defTabSz="622300">
             <a:lnSpc>
               <a:spcPct val="90000"/>
             </a:lnSpc>
@@ -7547,9 +7161,10 @@
             <a:spcAft>
               <a:spcPct val="35000"/>
             </a:spcAft>
+            <a:buNone/>
           </a:pPr>
           <a:r>
-            <a:rPr lang="en-US" altLang="zh-CN" sz="1400" kern="1200" dirty="0" smtClean="0">
+            <a:rPr lang="en-US" altLang="zh-CN" sz="1400" kern="1200" dirty="0">
               <a:latin typeface="Times New Roman" panose="02020603050405020304" pitchFamily="18" charset="0"/>
               <a:cs typeface="Times New Roman" panose="02020603050405020304" pitchFamily="18" charset="0"/>
             </a:rPr>
@@ -7679,7 +7294,7 @@
         </a:bodyPr>
         <a:lstStyle/>
         <a:p>
-          <a:pPr lvl="0" algn="ctr" defTabSz="622300">
+          <a:pPr marL="0" lvl="0" indent="0" algn="ctr" defTabSz="622300">
             <a:lnSpc>
               <a:spcPct val="90000"/>
             </a:lnSpc>
@@ -7689,12 +7304,12 @@
             <a:spcAft>
               <a:spcPct val="35000"/>
             </a:spcAft>
+            <a:buNone/>
           </a:pPr>
           <a:r>
-            <a:rPr lang="zh-CN" altLang="en-US" sz="1400" kern="1200" dirty="0" smtClean="0"/>
+            <a:rPr lang="zh-CN" altLang="en-US" sz="1400" kern="1200" dirty="0"/>
             <a:t>随机森林</a:t>
           </a:r>
-          <a:endParaRPr lang="zh-CN" altLang="en-US" sz="1400" kern="1200" dirty="0"/>
         </a:p>
       </dsp:txBody>
       <dsp:txXfrm>
@@ -7815,7 +7430,7 @@
         </a:bodyPr>
         <a:lstStyle/>
         <a:p>
-          <a:pPr lvl="0" algn="ctr" defTabSz="622300">
+          <a:pPr marL="0" lvl="0" indent="0" algn="ctr" defTabSz="622300">
             <a:lnSpc>
               <a:spcPct val="90000"/>
             </a:lnSpc>
@@ -7825,12 +7440,12 @@
             <a:spcAft>
               <a:spcPct val="35000"/>
             </a:spcAft>
+            <a:buNone/>
           </a:pPr>
           <a:r>
-            <a:rPr lang="zh-CN" altLang="en-US" sz="1400" kern="1200" dirty="0" smtClean="0"/>
+            <a:rPr lang="zh-CN" altLang="en-US" sz="1400" kern="1200" dirty="0"/>
             <a:t>支持向量机</a:t>
           </a:r>
-          <a:endParaRPr lang="zh-CN" altLang="en-US" sz="1400" kern="1200" dirty="0"/>
         </a:p>
       </dsp:txBody>
       <dsp:txXfrm>
@@ -7951,7 +7566,7 @@
         </a:bodyPr>
         <a:lstStyle/>
         <a:p>
-          <a:pPr lvl="0" algn="ctr" defTabSz="622300">
+          <a:pPr marL="0" lvl="0" indent="0" algn="ctr" defTabSz="622300">
             <a:lnSpc>
               <a:spcPct val="90000"/>
             </a:lnSpc>
@@ -7961,12 +7576,12 @@
             <a:spcAft>
               <a:spcPct val="35000"/>
             </a:spcAft>
+            <a:buNone/>
           </a:pPr>
           <a:r>
-            <a:rPr lang="zh-CN" altLang="en-US" sz="1400" kern="1200" dirty="0" smtClean="0"/>
+            <a:rPr lang="zh-CN" altLang="en-US" sz="1400" kern="1200" dirty="0"/>
             <a:t>遗传算法</a:t>
           </a:r>
-          <a:endParaRPr lang="zh-CN" altLang="en-US" sz="1400" kern="1200" dirty="0"/>
         </a:p>
       </dsp:txBody>
       <dsp:txXfrm>
@@ -8087,7 +7702,7 @@
         </a:bodyPr>
         <a:lstStyle/>
         <a:p>
-          <a:pPr lvl="0" algn="ctr" defTabSz="622300">
+          <a:pPr marL="0" lvl="0" indent="0" algn="ctr" defTabSz="622300">
             <a:lnSpc>
               <a:spcPct val="90000"/>
             </a:lnSpc>
@@ -8097,12 +7712,12 @@
             <a:spcAft>
               <a:spcPct val="35000"/>
             </a:spcAft>
+            <a:buNone/>
           </a:pPr>
           <a:r>
-            <a:rPr lang="zh-CN" altLang="en-US" sz="1400" kern="1200" dirty="0" smtClean="0"/>
+            <a:rPr lang="zh-CN" altLang="en-US" sz="1400" kern="1200" dirty="0"/>
             <a:t>免疫算法</a:t>
           </a:r>
-          <a:endParaRPr lang="zh-CN" altLang="en-US" sz="1400" kern="1200" dirty="0"/>
         </a:p>
       </dsp:txBody>
       <dsp:txXfrm>
@@ -8223,7 +7838,7 @@
         </a:bodyPr>
         <a:lstStyle/>
         <a:p>
-          <a:pPr lvl="0" algn="ctr" defTabSz="622300">
+          <a:pPr marL="0" lvl="0" indent="0" algn="ctr" defTabSz="622300">
             <a:lnSpc>
               <a:spcPct val="90000"/>
             </a:lnSpc>
@@ -8233,12 +7848,12 @@
             <a:spcAft>
               <a:spcPct val="35000"/>
             </a:spcAft>
+            <a:buNone/>
           </a:pPr>
           <a:r>
-            <a:rPr lang="zh-CN" altLang="en-US" sz="1400" kern="1200" dirty="0" smtClean="0"/>
+            <a:rPr lang="zh-CN" altLang="en-US" sz="1400" kern="1200" dirty="0"/>
             <a:t>神经网络</a:t>
           </a:r>
-          <a:endParaRPr lang="zh-CN" altLang="en-US" sz="1400" kern="1200" dirty="0"/>
         </a:p>
       </dsp:txBody>
       <dsp:txXfrm>
@@ -8359,7 +7974,7 @@
         </a:bodyPr>
         <a:lstStyle/>
         <a:p>
-          <a:pPr lvl="0" algn="ctr" defTabSz="622300">
+          <a:pPr marL="0" lvl="0" indent="0" algn="ctr" defTabSz="622300">
             <a:lnSpc>
               <a:spcPct val="90000"/>
             </a:lnSpc>
@@ -8369,9 +7984,10 @@
             <a:spcAft>
               <a:spcPct val="35000"/>
             </a:spcAft>
+            <a:buNone/>
           </a:pPr>
           <a:r>
-            <a:rPr lang="en-US" altLang="zh-CN" sz="1400" kern="1200" dirty="0" smtClean="0">
+            <a:rPr lang="en-US" altLang="zh-CN" sz="1400" kern="1200" dirty="0">
               <a:latin typeface="Times New Roman" panose="02020603050405020304" pitchFamily="18" charset="0"/>
               <a:cs typeface="Times New Roman" panose="02020603050405020304" pitchFamily="18" charset="0"/>
             </a:rPr>
@@ -8407,7 +8023,7 @@
       </dsp:nvSpPr>
       <dsp:spPr>
         <a:xfrm>
-          <a:off x="0" y="1778521"/>
+          <a:off x="0" y="29142"/>
           <a:ext cx="2588719" cy="452149"/>
         </a:xfrm>
         <a:prstGeom prst="roundRect">
@@ -8456,7 +8072,7 @@
         </a:bodyPr>
         <a:lstStyle/>
         <a:p>
-          <a:pPr lvl="0" algn="ctr" defTabSz="800100">
+          <a:pPr marL="0" lvl="0" indent="0" algn="ctr" defTabSz="800100">
             <a:lnSpc>
               <a:spcPct val="90000"/>
             </a:lnSpc>
@@ -8466,16 +8082,16 @@
             <a:spcAft>
               <a:spcPct val="35000"/>
             </a:spcAft>
+            <a:buNone/>
           </a:pPr>
           <a:r>
-            <a:rPr lang="zh-CN" altLang="en-US" sz="1800" b="1" kern="1200" dirty="0" smtClean="0"/>
+            <a:rPr lang="zh-CN" altLang="en-US" sz="1800" b="1" kern="1200" dirty="0"/>
             <a:t>数据挖掘与机器学习</a:t>
           </a:r>
-          <a:endParaRPr lang="zh-CN" altLang="en-US" sz="1800" b="1" kern="1200" dirty="0"/>
         </a:p>
       </dsp:txBody>
       <dsp:txXfrm>
-        <a:off x="13243" y="1791764"/>
+        <a:off x="13243" y="42385"/>
         <a:ext cx="2562233" cy="425663"/>
       </dsp:txXfrm>
     </dsp:sp>
@@ -8486,8 +8102,8 @@
       </dsp:nvSpPr>
       <dsp:spPr>
         <a:xfrm>
-          <a:off x="258871" y="2230670"/>
-          <a:ext cx="440676" cy="548963"/>
+          <a:off x="258871" y="481291"/>
+          <a:ext cx="440676" cy="556307"/>
         </a:xfrm>
         <a:custGeom>
           <a:avLst/>
@@ -8501,10 +8117,10 @@
                 <a:pt x="0" y="0"/>
               </a:moveTo>
               <a:lnTo>
-                <a:pt x="0" y="548963"/>
+                <a:pt x="0" y="556307"/>
               </a:lnTo>
               <a:lnTo>
-                <a:pt x="440676" y="548963"/>
+                <a:pt x="440676" y="556307"/>
               </a:lnTo>
             </a:path>
           </a:pathLst>
@@ -8544,8 +8160,8 @@
       </dsp:nvSpPr>
       <dsp:spPr>
         <a:xfrm>
-          <a:off x="699548" y="2590780"/>
-          <a:ext cx="1701414" cy="377706"/>
+          <a:off x="699548" y="841401"/>
+          <a:ext cx="1767594" cy="392393"/>
         </a:xfrm>
         <a:prstGeom prst="roundRect">
           <a:avLst>
@@ -8592,7 +8208,7 @@
         </a:bodyPr>
         <a:lstStyle/>
         <a:p>
-          <a:pPr lvl="0" algn="ctr" defTabSz="622300">
+          <a:pPr marL="0" lvl="0" indent="0" algn="ctr" defTabSz="622300">
             <a:lnSpc>
               <a:spcPct val="90000"/>
             </a:lnSpc>
@@ -8602,17 +8218,17 @@
             <a:spcAft>
               <a:spcPct val="35000"/>
             </a:spcAft>
+            <a:buNone/>
           </a:pPr>
           <a:r>
-            <a:rPr lang="zh-CN" altLang="en-US" sz="1400" kern="1200" dirty="0" smtClean="0"/>
+            <a:rPr lang="zh-CN" altLang="en-US" sz="1400" kern="1200" dirty="0"/>
             <a:t>主成分分析</a:t>
           </a:r>
-          <a:endParaRPr lang="zh-CN" altLang="en-US" sz="1400" kern="1200" dirty="0"/>
         </a:p>
       </dsp:txBody>
       <dsp:txXfrm>
-        <a:off x="710611" y="2601843"/>
-        <a:ext cx="1679288" cy="355580"/>
+        <a:off x="711041" y="852894"/>
+        <a:ext cx="1744608" cy="369407"/>
       </dsp:txXfrm>
     </dsp:sp>
     <dsp:sp modelId="{EB9659E7-9A53-4644-9314-86DE72DC9001}">
@@ -8622,8 +8238,8 @@
       </dsp:nvSpPr>
       <dsp:spPr>
         <a:xfrm>
-          <a:off x="258871" y="2230670"/>
-          <a:ext cx="440676" cy="1295902"/>
+          <a:off x="258871" y="481291"/>
+          <a:ext cx="440676" cy="1310590"/>
         </a:xfrm>
         <a:custGeom>
           <a:avLst/>
@@ -8637,10 +8253,10 @@
                 <a:pt x="0" y="0"/>
               </a:moveTo>
               <a:lnTo>
-                <a:pt x="0" y="1295902"/>
+                <a:pt x="0" y="1310590"/>
               </a:lnTo>
               <a:lnTo>
-                <a:pt x="440676" y="1295902"/>
+                <a:pt x="440676" y="1310590"/>
               </a:lnTo>
             </a:path>
           </a:pathLst>
@@ -8680,8 +8296,8 @@
       </dsp:nvSpPr>
       <dsp:spPr>
         <a:xfrm>
-          <a:off x="699548" y="3337528"/>
-          <a:ext cx="1708429" cy="378089"/>
+          <a:off x="699548" y="1602836"/>
+          <a:ext cx="1767594" cy="378089"/>
         </a:xfrm>
         <a:prstGeom prst="roundRect">
           <a:avLst>
@@ -8728,7 +8344,7 @@
         </a:bodyPr>
         <a:lstStyle/>
         <a:p>
-          <a:pPr lvl="0" algn="ctr" defTabSz="622300">
+          <a:pPr marL="0" lvl="0" indent="0" algn="ctr" defTabSz="622300">
             <a:lnSpc>
               <a:spcPct val="90000"/>
             </a:lnSpc>
@@ -8738,9 +8354,10 @@
             <a:spcAft>
               <a:spcPct val="35000"/>
             </a:spcAft>
+            <a:buNone/>
           </a:pPr>
           <a:r>
-            <a:rPr lang="en-US" altLang="zh-CN" sz="1400" kern="1200" dirty="0" smtClean="0">
+            <a:rPr lang="en-US" altLang="zh-CN" sz="1400" kern="1200" dirty="0">
               <a:latin typeface="Times New Roman" panose="02020603050405020304" pitchFamily="18" charset="0"/>
               <a:cs typeface="Times New Roman" panose="02020603050405020304" pitchFamily="18" charset="0"/>
             </a:rPr>
@@ -8753,8 +8370,8 @@
         </a:p>
       </dsp:txBody>
       <dsp:txXfrm>
-        <a:off x="710622" y="3348602"/>
-        <a:ext cx="1686281" cy="355941"/>
+        <a:off x="710622" y="1613910"/>
+        <a:ext cx="1745446" cy="355941"/>
       </dsp:txXfrm>
     </dsp:sp>
     <dsp:sp modelId="{C52EAAA0-3D93-49E1-9C5B-C5AECA912F36}">
@@ -8764,8 +8381,8 @@
       </dsp:nvSpPr>
       <dsp:spPr>
         <a:xfrm>
-          <a:off x="258871" y="2230670"/>
-          <a:ext cx="439731" cy="2040966"/>
+          <a:off x="258871" y="481291"/>
+          <a:ext cx="439731" cy="2062023"/>
         </a:xfrm>
         <a:custGeom>
           <a:avLst/>
@@ -8779,10 +8396,10 @@
                 <a:pt x="0" y="0"/>
               </a:moveTo>
               <a:lnTo>
-                <a:pt x="0" y="2040966"/>
+                <a:pt x="0" y="2062023"/>
               </a:lnTo>
               <a:lnTo>
-                <a:pt x="439731" y="2040966"/>
+                <a:pt x="439731" y="2062023"/>
               </a:lnTo>
             </a:path>
           </a:pathLst>
@@ -8822,8 +8439,8 @@
       </dsp:nvSpPr>
       <dsp:spPr>
         <a:xfrm>
-          <a:off x="698603" y="4081809"/>
-          <a:ext cx="1717262" cy="379654"/>
+          <a:off x="698603" y="2347118"/>
+          <a:ext cx="1767594" cy="392393"/>
         </a:xfrm>
         <a:prstGeom prst="roundRect">
           <a:avLst>
@@ -8870,7 +8487,7 @@
         </a:bodyPr>
         <a:lstStyle/>
         <a:p>
-          <a:pPr lvl="0" algn="ctr" defTabSz="622300">
+          <a:pPr marL="0" lvl="0" indent="0" algn="ctr" defTabSz="622300">
             <a:lnSpc>
               <a:spcPct val="90000"/>
             </a:lnSpc>
@@ -8880,9 +8497,10 @@
             <a:spcAft>
               <a:spcPct val="35000"/>
             </a:spcAft>
+            <a:buNone/>
           </a:pPr>
           <a:r>
-            <a:rPr lang="en-US" altLang="zh-CN" sz="1400" kern="1200" dirty="0" smtClean="0">
+            <a:rPr lang="en-US" altLang="zh-CN" sz="1400" kern="1200" dirty="0">
               <a:latin typeface="Times New Roman" panose="02020603050405020304" pitchFamily="18" charset="0"/>
               <a:cs typeface="Times New Roman" panose="02020603050405020304" pitchFamily="18" charset="0"/>
             </a:rPr>
@@ -8895,8 +8513,8 @@
         </a:p>
       </dsp:txBody>
       <dsp:txXfrm>
-        <a:off x="709723" y="4092929"/>
-        <a:ext cx="1695022" cy="357414"/>
+        <a:off x="710096" y="2358611"/>
+        <a:ext cx="1744608" cy="369407"/>
       </dsp:txXfrm>
     </dsp:sp>
     <dsp:sp modelId="{75D7EA51-CD76-43FD-BCF9-E99A1ACB081F}">
@@ -8906,8 +8524,8 @@
       </dsp:nvSpPr>
       <dsp:spPr>
         <a:xfrm>
-          <a:off x="258871" y="2230670"/>
-          <a:ext cx="439731" cy="2790643"/>
+          <a:off x="258871" y="481291"/>
+          <a:ext cx="439731" cy="2818070"/>
         </a:xfrm>
         <a:custGeom>
           <a:avLst/>
@@ -8921,10 +8539,10 @@
                 <a:pt x="0" y="0"/>
               </a:moveTo>
               <a:lnTo>
-                <a:pt x="0" y="2790643"/>
+                <a:pt x="0" y="2818070"/>
               </a:lnTo>
               <a:lnTo>
-                <a:pt x="439731" y="2790643"/>
+                <a:pt x="439731" y="2818070"/>
               </a:lnTo>
             </a:path>
           </a:pathLst>
@@ -8964,8 +8582,8 @@
       </dsp:nvSpPr>
       <dsp:spPr>
         <a:xfrm>
-          <a:off x="698603" y="4830505"/>
-          <a:ext cx="1726190" cy="381617"/>
+          <a:off x="698603" y="3108553"/>
+          <a:ext cx="1760390" cy="381617"/>
         </a:xfrm>
         <a:prstGeom prst="roundRect">
           <a:avLst>
@@ -9012,7 +8630,7 @@
         </a:bodyPr>
         <a:lstStyle/>
         <a:p>
-          <a:pPr lvl="0" algn="ctr" defTabSz="622300">
+          <a:pPr marL="0" lvl="0" indent="0" algn="ctr" defTabSz="622300">
             <a:lnSpc>
               <a:spcPct val="90000"/>
             </a:lnSpc>
@@ -9022,17 +8640,17 @@
             <a:spcAft>
               <a:spcPct val="35000"/>
             </a:spcAft>
+            <a:buNone/>
           </a:pPr>
           <a:r>
-            <a:rPr lang="zh-CN" altLang="en-US" sz="1400" kern="1200" dirty="0" smtClean="0"/>
+            <a:rPr lang="zh-CN" altLang="en-US" sz="1400" kern="1200" dirty="0"/>
             <a:t>热图</a:t>
           </a:r>
-          <a:endParaRPr lang="zh-CN" altLang="en-US" sz="1400" kern="1200" dirty="0"/>
         </a:p>
       </dsp:txBody>
       <dsp:txXfrm>
-        <a:off x="709780" y="4841682"/>
-        <a:ext cx="1703836" cy="359263"/>
+        <a:off x="709780" y="3119730"/>
+        <a:ext cx="1738036" cy="359263"/>
       </dsp:txXfrm>
     </dsp:sp>
     <dsp:sp modelId="{C273DD00-29C5-4C55-9492-16027570554D}">
@@ -9042,8 +8660,8 @@
       </dsp:nvSpPr>
       <dsp:spPr>
         <a:xfrm>
-          <a:off x="258871" y="2230670"/>
-          <a:ext cx="439731" cy="3544513"/>
+          <a:off x="258871" y="481291"/>
+          <a:ext cx="439731" cy="3571940"/>
         </a:xfrm>
         <a:custGeom>
           <a:avLst/>
@@ -9057,10 +8675,10 @@
                 <a:pt x="0" y="0"/>
               </a:moveTo>
               <a:lnTo>
-                <a:pt x="0" y="3544513"/>
+                <a:pt x="0" y="3571940"/>
               </a:lnTo>
               <a:lnTo>
-                <a:pt x="439731" y="3544513"/>
+                <a:pt x="439731" y="3571940"/>
               </a:lnTo>
             </a:path>
           </a:pathLst>
@@ -9100,8 +8718,8 @@
       </dsp:nvSpPr>
       <dsp:spPr>
         <a:xfrm>
-          <a:off x="698603" y="5581164"/>
-          <a:ext cx="1746195" cy="388039"/>
+          <a:off x="698603" y="3859212"/>
+          <a:ext cx="1767594" cy="388039"/>
         </a:xfrm>
         <a:prstGeom prst="roundRect">
           <a:avLst>
@@ -9148,7 +8766,7 @@
         </a:bodyPr>
         <a:lstStyle/>
         <a:p>
-          <a:pPr lvl="0" algn="ctr" defTabSz="622300">
+          <a:pPr marL="0" lvl="0" indent="0" algn="ctr" defTabSz="622300">
             <a:lnSpc>
               <a:spcPct val="90000"/>
             </a:lnSpc>
@@ -9158,17 +8776,17 @@
             <a:spcAft>
               <a:spcPct val="35000"/>
             </a:spcAft>
+            <a:buNone/>
           </a:pPr>
           <a:r>
-            <a:rPr lang="zh-CN" altLang="en-US" sz="1400" kern="1200" dirty="0" smtClean="0"/>
+            <a:rPr lang="zh-CN" altLang="en-US" sz="1400" kern="1200" dirty="0"/>
             <a:t>随机森林</a:t>
           </a:r>
-          <a:endParaRPr lang="zh-CN" altLang="en-US" sz="1400" kern="1200" dirty="0"/>
         </a:p>
       </dsp:txBody>
       <dsp:txXfrm>
-        <a:off x="709968" y="5592529"/>
-        <a:ext cx="1723465" cy="365309"/>
+        <a:off x="709968" y="3870577"/>
+        <a:ext cx="1744864" cy="365309"/>
       </dsp:txXfrm>
     </dsp:sp>
     <dsp:sp modelId="{E3FD055E-5114-4AE0-876F-3220E45CF707}">
@@ -9178,8 +8796,8 @@
       </dsp:nvSpPr>
       <dsp:spPr>
         <a:xfrm>
-          <a:off x="258871" y="2230670"/>
-          <a:ext cx="439731" cy="4302826"/>
+          <a:off x="258871" y="481291"/>
+          <a:ext cx="439731" cy="4330253"/>
         </a:xfrm>
         <a:custGeom>
           <a:avLst/>
@@ -9193,10 +8811,10 @@
                 <a:pt x="0" y="0"/>
               </a:moveTo>
               <a:lnTo>
-                <a:pt x="0" y="4302826"/>
+                <a:pt x="0" y="4330253"/>
               </a:lnTo>
               <a:lnTo>
-                <a:pt x="439731" y="4302826"/>
+                <a:pt x="439731" y="4330253"/>
               </a:lnTo>
             </a:path>
           </a:pathLst>
@@ -9236,7 +8854,7 @@
       </dsp:nvSpPr>
       <dsp:spPr>
         <a:xfrm>
-          <a:off x="698603" y="6338244"/>
+          <a:off x="698603" y="4616292"/>
           <a:ext cx="1768538" cy="390504"/>
         </a:xfrm>
         <a:prstGeom prst="roundRect">
@@ -9284,7 +8902,7 @@
         </a:bodyPr>
         <a:lstStyle/>
         <a:p>
-          <a:pPr lvl="0" algn="ctr" defTabSz="622300">
+          <a:pPr marL="0" lvl="0" indent="0" algn="ctr" defTabSz="622300">
             <a:lnSpc>
               <a:spcPct val="90000"/>
             </a:lnSpc>
@@ -9294,17 +8912,303 @@
             <a:spcAft>
               <a:spcPct val="35000"/>
             </a:spcAft>
+            <a:buNone/>
           </a:pPr>
           <a:r>
-            <a:rPr lang="zh-CN" altLang="en-US" sz="1400" kern="1200" dirty="0" smtClean="0"/>
+            <a:rPr lang="zh-CN" altLang="en-US" sz="1400" kern="1200" dirty="0"/>
             <a:t>支持向量机</a:t>
           </a:r>
-          <a:endParaRPr lang="zh-CN" altLang="en-US" sz="1400" kern="1200" dirty="0"/>
         </a:p>
       </dsp:txBody>
       <dsp:txXfrm>
-        <a:off x="710040" y="6349681"/>
+        <a:off x="710040" y="4627729"/>
         <a:ext cx="1745664" cy="367630"/>
+      </dsp:txXfrm>
+    </dsp:sp>
+    <dsp:sp modelId="{67A53A9C-6684-41CB-83EA-895D8C0BE877}">
+      <dsp:nvSpPr>
+        <dsp:cNvPr id="0" name=""/>
+        <dsp:cNvSpPr/>
+      </dsp:nvSpPr>
+      <dsp:spPr>
+        <a:xfrm>
+          <a:off x="258871" y="481291"/>
+          <a:ext cx="440676" cy="5093592"/>
+        </a:xfrm>
+        <a:custGeom>
+          <a:avLst/>
+          <a:gdLst/>
+          <a:ahLst/>
+          <a:cxnLst/>
+          <a:rect l="0" t="0" r="0" b="0"/>
+          <a:pathLst>
+            <a:path>
+              <a:moveTo>
+                <a:pt x="0" y="0"/>
+              </a:moveTo>
+              <a:lnTo>
+                <a:pt x="0" y="5093592"/>
+              </a:lnTo>
+              <a:lnTo>
+                <a:pt x="440676" y="5093592"/>
+              </a:lnTo>
+            </a:path>
+          </a:pathLst>
+        </a:custGeom>
+        <a:noFill/>
+        <a:ln w="25400" cap="flat" cmpd="sng" algn="ctr">
+          <a:solidFill>
+            <a:schemeClr val="accent1">
+              <a:shade val="60000"/>
+              <a:hueOff val="0"/>
+              <a:satOff val="0"/>
+              <a:lumOff val="0"/>
+              <a:alphaOff val="0"/>
+            </a:schemeClr>
+          </a:solidFill>
+          <a:prstDash val="solid"/>
+        </a:ln>
+        <a:effectLst/>
+      </dsp:spPr>
+      <dsp:style>
+        <a:lnRef idx="2">
+          <a:scrgbClr r="0" g="0" b="0"/>
+        </a:lnRef>
+        <a:fillRef idx="0">
+          <a:scrgbClr r="0" g="0" b="0"/>
+        </a:fillRef>
+        <a:effectRef idx="0">
+          <a:scrgbClr r="0" g="0" b="0"/>
+        </a:effectRef>
+        <a:fontRef idx="minor"/>
+      </dsp:style>
+    </dsp:sp>
+    <dsp:sp modelId="{08B2416A-412D-4251-A7B9-153F8C688432}">
+      <dsp:nvSpPr>
+        <dsp:cNvPr id="0" name=""/>
+        <dsp:cNvSpPr/>
+      </dsp:nvSpPr>
+      <dsp:spPr>
+        <a:xfrm>
+          <a:off x="699548" y="5378687"/>
+          <a:ext cx="1767594" cy="392393"/>
+        </a:xfrm>
+        <a:prstGeom prst="roundRect">
+          <a:avLst>
+            <a:gd name="adj" fmla="val 10000"/>
+          </a:avLst>
+        </a:prstGeom>
+        <a:solidFill>
+          <a:schemeClr val="lt1">
+            <a:alpha val="90000"/>
+            <a:hueOff val="0"/>
+            <a:satOff val="0"/>
+            <a:lumOff val="0"/>
+            <a:alphaOff val="0"/>
+          </a:schemeClr>
+        </a:solidFill>
+        <a:ln w="25400" cap="flat" cmpd="sng" algn="ctr">
+          <a:solidFill>
+            <a:schemeClr val="accent1">
+              <a:hueOff val="0"/>
+              <a:satOff val="0"/>
+              <a:lumOff val="0"/>
+              <a:alphaOff val="0"/>
+            </a:schemeClr>
+          </a:solidFill>
+          <a:prstDash val="solid"/>
+        </a:ln>
+        <a:effectLst/>
+      </dsp:spPr>
+      <dsp:style>
+        <a:lnRef idx="2">
+          <a:scrgbClr r="0" g="0" b="0"/>
+        </a:lnRef>
+        <a:fillRef idx="1">
+          <a:scrgbClr r="0" g="0" b="0"/>
+        </a:fillRef>
+        <a:effectRef idx="0">
+          <a:scrgbClr r="0" g="0" b="0"/>
+        </a:effectRef>
+        <a:fontRef idx="minor"/>
+      </dsp:style>
+      <dsp:txBody>
+        <a:bodyPr spcFirstLastPara="0" vert="horz" wrap="square" lIns="26670" tIns="17780" rIns="26670" bIns="17780" numCol="1" spcCol="1270" anchor="ctr" anchorCtr="0">
+          <a:noAutofit/>
+        </a:bodyPr>
+        <a:lstStyle/>
+        <a:p>
+          <a:pPr marL="0" lvl="0" indent="0" algn="ctr" defTabSz="622300">
+            <a:lnSpc>
+              <a:spcPct val="90000"/>
+            </a:lnSpc>
+            <a:spcBef>
+              <a:spcPct val="0"/>
+            </a:spcBef>
+            <a:spcAft>
+              <a:spcPct val="35000"/>
+            </a:spcAft>
+            <a:buNone/>
+          </a:pPr>
+          <a:r>
+            <a:rPr lang="en-US" altLang="zh-CN" sz="1400" kern="1200" dirty="0">
+              <a:latin typeface="Times New Roman" panose="02020603050405020304" pitchFamily="18" charset="0"/>
+              <a:cs typeface="Times New Roman" panose="02020603050405020304" pitchFamily="18" charset="0"/>
+            </a:rPr>
+            <a:t>Lasso</a:t>
+          </a:r>
+          <a:endParaRPr lang="zh-CN" altLang="en-US" sz="1400" kern="1200" dirty="0">
+            <a:latin typeface="Times New Roman" panose="02020603050405020304" pitchFamily="18" charset="0"/>
+            <a:cs typeface="Times New Roman" panose="02020603050405020304" pitchFamily="18" charset="0"/>
+          </a:endParaRPr>
+        </a:p>
+      </dsp:txBody>
+      <dsp:txXfrm>
+        <a:off x="711041" y="5390180"/>
+        <a:ext cx="1744608" cy="369407"/>
+      </dsp:txXfrm>
+    </dsp:sp>
+    <dsp:sp modelId="{DD995BBC-98D4-481B-9DE1-974C82484BD9}">
+      <dsp:nvSpPr>
+        <dsp:cNvPr id="0" name=""/>
+        <dsp:cNvSpPr/>
+      </dsp:nvSpPr>
+      <dsp:spPr>
+        <a:xfrm>
+          <a:off x="258871" y="481291"/>
+          <a:ext cx="440676" cy="5855027"/>
+        </a:xfrm>
+        <a:custGeom>
+          <a:avLst/>
+          <a:gdLst/>
+          <a:ahLst/>
+          <a:cxnLst/>
+          <a:rect l="0" t="0" r="0" b="0"/>
+          <a:pathLst>
+            <a:path>
+              <a:moveTo>
+                <a:pt x="0" y="0"/>
+              </a:moveTo>
+              <a:lnTo>
+                <a:pt x="0" y="5855027"/>
+              </a:lnTo>
+              <a:lnTo>
+                <a:pt x="440676" y="5855027"/>
+              </a:lnTo>
+            </a:path>
+          </a:pathLst>
+        </a:custGeom>
+        <a:noFill/>
+        <a:ln w="25400" cap="flat" cmpd="sng" algn="ctr">
+          <a:solidFill>
+            <a:schemeClr val="accent1">
+              <a:shade val="60000"/>
+              <a:hueOff val="0"/>
+              <a:satOff val="0"/>
+              <a:lumOff val="0"/>
+              <a:alphaOff val="0"/>
+            </a:schemeClr>
+          </a:solidFill>
+          <a:prstDash val="solid"/>
+        </a:ln>
+        <a:effectLst/>
+      </dsp:spPr>
+      <dsp:style>
+        <a:lnRef idx="2">
+          <a:scrgbClr r="0" g="0" b="0"/>
+        </a:lnRef>
+        <a:fillRef idx="0">
+          <a:scrgbClr r="0" g="0" b="0"/>
+        </a:fillRef>
+        <a:effectRef idx="0">
+          <a:scrgbClr r="0" g="0" b="0"/>
+        </a:effectRef>
+        <a:fontRef idx="minor"/>
+      </dsp:style>
+    </dsp:sp>
+    <dsp:sp modelId="{CDE4D515-6751-4A1C-901F-E5813D4F9EDB}">
+      <dsp:nvSpPr>
+        <dsp:cNvPr id="0" name=""/>
+        <dsp:cNvSpPr/>
+      </dsp:nvSpPr>
+      <dsp:spPr>
+        <a:xfrm>
+          <a:off x="699548" y="6140122"/>
+          <a:ext cx="1767594" cy="392393"/>
+        </a:xfrm>
+        <a:prstGeom prst="roundRect">
+          <a:avLst>
+            <a:gd name="adj" fmla="val 10000"/>
+          </a:avLst>
+        </a:prstGeom>
+        <a:solidFill>
+          <a:schemeClr val="lt1">
+            <a:alpha val="90000"/>
+            <a:hueOff val="0"/>
+            <a:satOff val="0"/>
+            <a:lumOff val="0"/>
+            <a:alphaOff val="0"/>
+          </a:schemeClr>
+        </a:solidFill>
+        <a:ln w="25400" cap="flat" cmpd="sng" algn="ctr">
+          <a:solidFill>
+            <a:schemeClr val="accent1">
+              <a:hueOff val="0"/>
+              <a:satOff val="0"/>
+              <a:lumOff val="0"/>
+              <a:alphaOff val="0"/>
+            </a:schemeClr>
+          </a:solidFill>
+          <a:prstDash val="solid"/>
+        </a:ln>
+        <a:effectLst/>
+      </dsp:spPr>
+      <dsp:style>
+        <a:lnRef idx="2">
+          <a:scrgbClr r="0" g="0" b="0"/>
+        </a:lnRef>
+        <a:fillRef idx="1">
+          <a:scrgbClr r="0" g="0" b="0"/>
+        </a:fillRef>
+        <a:effectRef idx="0">
+          <a:scrgbClr r="0" g="0" b="0"/>
+        </a:effectRef>
+        <a:fontRef idx="minor"/>
+      </dsp:style>
+      <dsp:txBody>
+        <a:bodyPr spcFirstLastPara="0" vert="horz" wrap="square" lIns="26670" tIns="17780" rIns="26670" bIns="17780" numCol="1" spcCol="1270" anchor="ctr" anchorCtr="0">
+          <a:noAutofit/>
+        </a:bodyPr>
+        <a:lstStyle/>
+        <a:p>
+          <a:pPr marL="0" lvl="0" indent="0" algn="ctr" defTabSz="622300">
+            <a:lnSpc>
+              <a:spcPct val="90000"/>
+            </a:lnSpc>
+            <a:spcBef>
+              <a:spcPct val="0"/>
+            </a:spcBef>
+            <a:spcAft>
+              <a:spcPct val="35000"/>
+            </a:spcAft>
+            <a:buNone/>
+          </a:pPr>
+          <a:r>
+            <a:rPr lang="en-US" altLang="zh-CN" sz="1400" kern="1200" dirty="0">
+              <a:latin typeface="Times New Roman" panose="02020603050405020304" pitchFamily="18" charset="0"/>
+              <a:cs typeface="Times New Roman" panose="02020603050405020304" pitchFamily="18" charset="0"/>
+            </a:rPr>
+            <a:t>BeSS</a:t>
+          </a:r>
+          <a:endParaRPr lang="zh-CN" altLang="en-US" sz="1400" kern="1200" dirty="0">
+            <a:latin typeface="Times New Roman" panose="02020603050405020304" pitchFamily="18" charset="0"/>
+            <a:cs typeface="Times New Roman" panose="02020603050405020304" pitchFamily="18" charset="0"/>
+          </a:endParaRPr>
+        </a:p>
+      </dsp:txBody>
+      <dsp:txXfrm>
+        <a:off x="711041" y="6151615"/>
+        <a:ext cx="1744608" cy="369407"/>
       </dsp:txXfrm>
     </dsp:sp>
   </dsp:spTree>
@@ -13327,10 +13231,9 @@
           <a:lstStyle/>
           <a:p>
             <a:r>
-              <a:rPr lang="zh-CN" altLang="en-US" smtClean="0"/>
+              <a:rPr lang="zh-CN" altLang="en-US"/>
               <a:t>单击此处编辑母版标题样式</a:t>
             </a:r>
-            <a:endParaRPr lang="zh-CN" altLang="en-US"/>
           </a:p>
         </p:txBody>
       </p:sp>
@@ -13446,10 +13349,9 @@
           </a:lstStyle>
           <a:p>
             <a:r>
-              <a:rPr lang="zh-CN" altLang="en-US" smtClean="0"/>
+              <a:rPr lang="zh-CN" altLang="en-US"/>
               <a:t>单击此处编辑母版副标题样式</a:t>
             </a:r>
-            <a:endParaRPr lang="zh-CN" altLang="en-US"/>
           </a:p>
         </p:txBody>
       </p:sp>
@@ -13470,7 +13372,7 @@
           <a:p>
             <a:fld id="{530820CF-B880-4189-942D-D702A7CBA730}" type="datetimeFigureOut">
               <a:rPr lang="zh-CN" altLang="en-US" smtClean="0"/>
-              <a:t>2021/12/28</a:t>
+              <a:t>2024/4/23</a:t>
             </a:fld>
             <a:endParaRPr lang="zh-CN" altLang="en-US"/>
           </a:p>
@@ -13559,10 +13461,9 @@
           <a:lstStyle/>
           <a:p>
             <a:r>
-              <a:rPr lang="zh-CN" altLang="en-US" smtClean="0"/>
+              <a:rPr lang="zh-CN" altLang="en-US"/>
               <a:t>单击此处编辑母版标题样式</a:t>
             </a:r>
-            <a:endParaRPr lang="zh-CN" altLang="en-US"/>
           </a:p>
         </p:txBody>
       </p:sp>
@@ -13583,38 +13484,37 @@
           <a:p>
             <a:pPr lvl="0"/>
             <a:r>
-              <a:rPr lang="zh-CN" altLang="en-US" smtClean="0"/>
+              <a:rPr lang="zh-CN" altLang="en-US"/>
               <a:t>单击此处编辑母版文本样式</a:t>
             </a:r>
           </a:p>
           <a:p>
             <a:pPr lvl="1"/>
             <a:r>
-              <a:rPr lang="zh-CN" altLang="en-US" smtClean="0"/>
+              <a:rPr lang="zh-CN" altLang="en-US"/>
               <a:t>第二级</a:t>
             </a:r>
           </a:p>
           <a:p>
             <a:pPr lvl="2"/>
             <a:r>
-              <a:rPr lang="zh-CN" altLang="en-US" smtClean="0"/>
+              <a:rPr lang="zh-CN" altLang="en-US"/>
               <a:t>第三级</a:t>
             </a:r>
           </a:p>
           <a:p>
             <a:pPr lvl="3"/>
             <a:r>
-              <a:rPr lang="zh-CN" altLang="en-US" smtClean="0"/>
+              <a:rPr lang="zh-CN" altLang="en-US"/>
               <a:t>第四级</a:t>
             </a:r>
           </a:p>
           <a:p>
             <a:pPr lvl="4"/>
             <a:r>
-              <a:rPr lang="zh-CN" altLang="en-US" smtClean="0"/>
+              <a:rPr lang="zh-CN" altLang="en-US"/>
               <a:t>第五级</a:t>
             </a:r>
-            <a:endParaRPr lang="zh-CN" altLang="en-US"/>
           </a:p>
         </p:txBody>
       </p:sp>
@@ -13635,7 +13535,7 @@
           <a:p>
             <a:fld id="{530820CF-B880-4189-942D-D702A7CBA730}" type="datetimeFigureOut">
               <a:rPr lang="zh-CN" altLang="en-US" smtClean="0"/>
-              <a:t>2021/12/28</a:t>
+              <a:t>2024/4/23</a:t>
             </a:fld>
             <a:endParaRPr lang="zh-CN" altLang="en-US"/>
           </a:p>
@@ -13729,10 +13629,9 @@
           <a:lstStyle/>
           <a:p>
             <a:r>
-              <a:rPr lang="zh-CN" altLang="en-US" smtClean="0"/>
+              <a:rPr lang="zh-CN" altLang="en-US"/>
               <a:t>单击此处编辑母版标题样式</a:t>
             </a:r>
-            <a:endParaRPr lang="zh-CN" altLang="en-US"/>
           </a:p>
         </p:txBody>
       </p:sp>
@@ -13758,38 +13657,37 @@
           <a:p>
             <a:pPr lvl="0"/>
             <a:r>
-              <a:rPr lang="zh-CN" altLang="en-US" smtClean="0"/>
+              <a:rPr lang="zh-CN" altLang="en-US"/>
               <a:t>单击此处编辑母版文本样式</a:t>
             </a:r>
           </a:p>
           <a:p>
             <a:pPr lvl="1"/>
             <a:r>
-              <a:rPr lang="zh-CN" altLang="en-US" smtClean="0"/>
+              <a:rPr lang="zh-CN" altLang="en-US"/>
               <a:t>第二级</a:t>
             </a:r>
           </a:p>
           <a:p>
             <a:pPr lvl="2"/>
             <a:r>
-              <a:rPr lang="zh-CN" altLang="en-US" smtClean="0"/>
+              <a:rPr lang="zh-CN" altLang="en-US"/>
               <a:t>第三级</a:t>
             </a:r>
           </a:p>
           <a:p>
             <a:pPr lvl="3"/>
             <a:r>
-              <a:rPr lang="zh-CN" altLang="en-US" smtClean="0"/>
+              <a:rPr lang="zh-CN" altLang="en-US"/>
               <a:t>第四级</a:t>
             </a:r>
           </a:p>
           <a:p>
             <a:pPr lvl="4"/>
             <a:r>
-              <a:rPr lang="zh-CN" altLang="en-US" smtClean="0"/>
+              <a:rPr lang="zh-CN" altLang="en-US"/>
               <a:t>第五级</a:t>
             </a:r>
-            <a:endParaRPr lang="zh-CN" altLang="en-US"/>
           </a:p>
         </p:txBody>
       </p:sp>
@@ -13810,7 +13708,7 @@
           <a:p>
             <a:fld id="{530820CF-B880-4189-942D-D702A7CBA730}" type="datetimeFigureOut">
               <a:rPr lang="zh-CN" altLang="en-US" smtClean="0"/>
-              <a:t>2021/12/28</a:t>
+              <a:t>2024/4/23</a:t>
             </a:fld>
             <a:endParaRPr lang="zh-CN" altLang="en-US"/>
           </a:p>
@@ -13899,10 +13797,9 @@
           <a:lstStyle/>
           <a:p>
             <a:r>
-              <a:rPr lang="zh-CN" altLang="en-US" smtClean="0"/>
+              <a:rPr lang="zh-CN" altLang="en-US"/>
               <a:t>单击此处编辑母版标题样式</a:t>
             </a:r>
-            <a:endParaRPr lang="zh-CN" altLang="en-US"/>
           </a:p>
         </p:txBody>
       </p:sp>
@@ -13923,38 +13820,37 @@
           <a:p>
             <a:pPr lvl="0"/>
             <a:r>
-              <a:rPr lang="zh-CN" altLang="en-US" smtClean="0"/>
+              <a:rPr lang="zh-CN" altLang="en-US"/>
               <a:t>单击此处编辑母版文本样式</a:t>
             </a:r>
           </a:p>
           <a:p>
             <a:pPr lvl="1"/>
             <a:r>
-              <a:rPr lang="zh-CN" altLang="en-US" smtClean="0"/>
+              <a:rPr lang="zh-CN" altLang="en-US"/>
               <a:t>第二级</a:t>
             </a:r>
           </a:p>
           <a:p>
             <a:pPr lvl="2"/>
             <a:r>
-              <a:rPr lang="zh-CN" altLang="en-US" smtClean="0"/>
+              <a:rPr lang="zh-CN" altLang="en-US"/>
               <a:t>第三级</a:t>
             </a:r>
           </a:p>
           <a:p>
             <a:pPr lvl="3"/>
             <a:r>
-              <a:rPr lang="zh-CN" altLang="en-US" smtClean="0"/>
+              <a:rPr lang="zh-CN" altLang="en-US"/>
               <a:t>第四级</a:t>
             </a:r>
           </a:p>
           <a:p>
             <a:pPr lvl="4"/>
             <a:r>
-              <a:rPr lang="zh-CN" altLang="en-US" smtClean="0"/>
+              <a:rPr lang="zh-CN" altLang="en-US"/>
               <a:t>第五级</a:t>
             </a:r>
-            <a:endParaRPr lang="zh-CN" altLang="en-US"/>
           </a:p>
         </p:txBody>
       </p:sp>
@@ -13975,7 +13871,7 @@
           <a:p>
             <a:fld id="{530820CF-B880-4189-942D-D702A7CBA730}" type="datetimeFigureOut">
               <a:rPr lang="zh-CN" altLang="en-US" smtClean="0"/>
-              <a:t>2021/12/28</a:t>
+              <a:t>2024/4/23</a:t>
             </a:fld>
             <a:endParaRPr lang="zh-CN" altLang="en-US"/>
           </a:p>
@@ -14073,10 +13969,9 @@
           </a:lstStyle>
           <a:p>
             <a:r>
-              <a:rPr lang="zh-CN" altLang="en-US" smtClean="0"/>
+              <a:rPr lang="zh-CN" altLang="en-US"/>
               <a:t>单击此处编辑母版标题样式</a:t>
             </a:r>
-            <a:endParaRPr lang="zh-CN" altLang="en-US"/>
           </a:p>
         </p:txBody>
       </p:sp>
@@ -14193,7 +14088,7 @@
           <a:p>
             <a:pPr lvl="0"/>
             <a:r>
-              <a:rPr lang="zh-CN" altLang="en-US" smtClean="0"/>
+              <a:rPr lang="zh-CN" altLang="en-US"/>
               <a:t>单击此处编辑母版文本样式</a:t>
             </a:r>
           </a:p>
@@ -14216,7 +14111,7 @@
           <a:p>
             <a:fld id="{530820CF-B880-4189-942D-D702A7CBA730}" type="datetimeFigureOut">
               <a:rPr lang="zh-CN" altLang="en-US" smtClean="0"/>
-              <a:t>2021/12/28</a:t>
+              <a:t>2024/4/23</a:t>
             </a:fld>
             <a:endParaRPr lang="zh-CN" altLang="en-US"/>
           </a:p>
@@ -14305,10 +14200,9 @@
           <a:lstStyle/>
           <a:p>
             <a:r>
-              <a:rPr lang="zh-CN" altLang="en-US" smtClean="0"/>
+              <a:rPr lang="zh-CN" altLang="en-US"/>
               <a:t>单击此处编辑母版标题样式</a:t>
             </a:r>
-            <a:endParaRPr lang="zh-CN" altLang="en-US"/>
           </a:p>
         </p:txBody>
       </p:sp>
@@ -14362,38 +14256,37 @@
           <a:p>
             <a:pPr lvl="0"/>
             <a:r>
-              <a:rPr lang="zh-CN" altLang="en-US" smtClean="0"/>
+              <a:rPr lang="zh-CN" altLang="en-US"/>
               <a:t>单击此处编辑母版文本样式</a:t>
             </a:r>
           </a:p>
           <a:p>
             <a:pPr lvl="1"/>
             <a:r>
-              <a:rPr lang="zh-CN" altLang="en-US" smtClean="0"/>
+              <a:rPr lang="zh-CN" altLang="en-US"/>
               <a:t>第二级</a:t>
             </a:r>
           </a:p>
           <a:p>
             <a:pPr lvl="2"/>
             <a:r>
-              <a:rPr lang="zh-CN" altLang="en-US" smtClean="0"/>
+              <a:rPr lang="zh-CN" altLang="en-US"/>
               <a:t>第三级</a:t>
             </a:r>
           </a:p>
           <a:p>
             <a:pPr lvl="3"/>
             <a:r>
-              <a:rPr lang="zh-CN" altLang="en-US" smtClean="0"/>
+              <a:rPr lang="zh-CN" altLang="en-US"/>
               <a:t>第四级</a:t>
             </a:r>
           </a:p>
           <a:p>
             <a:pPr lvl="4"/>
             <a:r>
-              <a:rPr lang="zh-CN" altLang="en-US" smtClean="0"/>
+              <a:rPr lang="zh-CN" altLang="en-US"/>
               <a:t>第五级</a:t>
             </a:r>
-            <a:endParaRPr lang="zh-CN" altLang="en-US"/>
           </a:p>
         </p:txBody>
       </p:sp>
@@ -14447,38 +14340,37 @@
           <a:p>
             <a:pPr lvl="0"/>
             <a:r>
-              <a:rPr lang="zh-CN" altLang="en-US" smtClean="0"/>
+              <a:rPr lang="zh-CN" altLang="en-US"/>
               <a:t>单击此处编辑母版文本样式</a:t>
             </a:r>
           </a:p>
           <a:p>
             <a:pPr lvl="1"/>
             <a:r>
-              <a:rPr lang="zh-CN" altLang="en-US" smtClean="0"/>
+              <a:rPr lang="zh-CN" altLang="en-US"/>
               <a:t>第二级</a:t>
             </a:r>
           </a:p>
           <a:p>
             <a:pPr lvl="2"/>
             <a:r>
-              <a:rPr lang="zh-CN" altLang="en-US" smtClean="0"/>
+              <a:rPr lang="zh-CN" altLang="en-US"/>
               <a:t>第三级</a:t>
             </a:r>
           </a:p>
           <a:p>
             <a:pPr lvl="3"/>
             <a:r>
-              <a:rPr lang="zh-CN" altLang="en-US" smtClean="0"/>
+              <a:rPr lang="zh-CN" altLang="en-US"/>
               <a:t>第四级</a:t>
             </a:r>
           </a:p>
           <a:p>
             <a:pPr lvl="4"/>
             <a:r>
-              <a:rPr lang="zh-CN" altLang="en-US" smtClean="0"/>
+              <a:rPr lang="zh-CN" altLang="en-US"/>
               <a:t>第五级</a:t>
             </a:r>
-            <a:endParaRPr lang="zh-CN" altLang="en-US"/>
           </a:p>
         </p:txBody>
       </p:sp>
@@ -14499,7 +14391,7 @@
           <a:p>
             <a:fld id="{530820CF-B880-4189-942D-D702A7CBA730}" type="datetimeFigureOut">
               <a:rPr lang="zh-CN" altLang="en-US" smtClean="0"/>
-              <a:t>2021/12/28</a:t>
+              <a:t>2024/4/23</a:t>
             </a:fld>
             <a:endParaRPr lang="zh-CN" altLang="en-US"/>
           </a:p>
@@ -14592,10 +14484,9 @@
           </a:lstStyle>
           <a:p>
             <a:r>
-              <a:rPr lang="zh-CN" altLang="en-US" smtClean="0"/>
+              <a:rPr lang="zh-CN" altLang="en-US"/>
               <a:t>单击此处编辑母版标题样式</a:t>
             </a:r>
-            <a:endParaRPr lang="zh-CN" altLang="en-US"/>
           </a:p>
         </p:txBody>
       </p:sp>
@@ -14658,7 +14549,7 @@
           <a:p>
             <a:pPr lvl="0"/>
             <a:r>
-              <a:rPr lang="zh-CN" altLang="en-US" smtClean="0"/>
+              <a:rPr lang="zh-CN" altLang="en-US"/>
               <a:t>单击此处编辑母版文本样式</a:t>
             </a:r>
           </a:p>
@@ -14714,38 +14605,37 @@
           <a:p>
             <a:pPr lvl="0"/>
             <a:r>
-              <a:rPr lang="zh-CN" altLang="en-US" smtClean="0"/>
+              <a:rPr lang="zh-CN" altLang="en-US"/>
               <a:t>单击此处编辑母版文本样式</a:t>
             </a:r>
           </a:p>
           <a:p>
             <a:pPr lvl="1"/>
             <a:r>
-              <a:rPr lang="zh-CN" altLang="en-US" smtClean="0"/>
+              <a:rPr lang="zh-CN" altLang="en-US"/>
               <a:t>第二级</a:t>
             </a:r>
           </a:p>
           <a:p>
             <a:pPr lvl="2"/>
             <a:r>
-              <a:rPr lang="zh-CN" altLang="en-US" smtClean="0"/>
+              <a:rPr lang="zh-CN" altLang="en-US"/>
               <a:t>第三级</a:t>
             </a:r>
           </a:p>
           <a:p>
             <a:pPr lvl="3"/>
             <a:r>
-              <a:rPr lang="zh-CN" altLang="en-US" smtClean="0"/>
+              <a:rPr lang="zh-CN" altLang="en-US"/>
               <a:t>第四级</a:t>
             </a:r>
           </a:p>
           <a:p>
             <a:pPr lvl="4"/>
             <a:r>
-              <a:rPr lang="zh-CN" altLang="en-US" smtClean="0"/>
+              <a:rPr lang="zh-CN" altLang="en-US"/>
               <a:t>第五级</a:t>
             </a:r>
-            <a:endParaRPr lang="zh-CN" altLang="en-US"/>
           </a:p>
         </p:txBody>
       </p:sp>
@@ -14808,7 +14698,7 @@
           <a:p>
             <a:pPr lvl="0"/>
             <a:r>
-              <a:rPr lang="zh-CN" altLang="en-US" smtClean="0"/>
+              <a:rPr lang="zh-CN" altLang="en-US"/>
               <a:t>单击此处编辑母版文本样式</a:t>
             </a:r>
           </a:p>
@@ -14864,38 +14754,37 @@
           <a:p>
             <a:pPr lvl="0"/>
             <a:r>
-              <a:rPr lang="zh-CN" altLang="en-US" smtClean="0"/>
+              <a:rPr lang="zh-CN" altLang="en-US"/>
               <a:t>单击此处编辑母版文本样式</a:t>
             </a:r>
           </a:p>
           <a:p>
             <a:pPr lvl="1"/>
             <a:r>
-              <a:rPr lang="zh-CN" altLang="en-US" smtClean="0"/>
+              <a:rPr lang="zh-CN" altLang="en-US"/>
               <a:t>第二级</a:t>
             </a:r>
           </a:p>
           <a:p>
             <a:pPr lvl="2"/>
             <a:r>
-              <a:rPr lang="zh-CN" altLang="en-US" smtClean="0"/>
+              <a:rPr lang="zh-CN" altLang="en-US"/>
               <a:t>第三级</a:t>
             </a:r>
           </a:p>
           <a:p>
             <a:pPr lvl="3"/>
             <a:r>
-              <a:rPr lang="zh-CN" altLang="en-US" smtClean="0"/>
+              <a:rPr lang="zh-CN" altLang="en-US"/>
               <a:t>第四级</a:t>
             </a:r>
           </a:p>
           <a:p>
             <a:pPr lvl="4"/>
             <a:r>
-              <a:rPr lang="zh-CN" altLang="en-US" smtClean="0"/>
+              <a:rPr lang="zh-CN" altLang="en-US"/>
               <a:t>第五级</a:t>
             </a:r>
-            <a:endParaRPr lang="zh-CN" altLang="en-US"/>
           </a:p>
         </p:txBody>
       </p:sp>
@@ -14916,7 +14805,7 @@
           <a:p>
             <a:fld id="{530820CF-B880-4189-942D-D702A7CBA730}" type="datetimeFigureOut">
               <a:rPr lang="zh-CN" altLang="en-US" smtClean="0"/>
-              <a:t>2021/12/28</a:t>
+              <a:t>2024/4/23</a:t>
             </a:fld>
             <a:endParaRPr lang="zh-CN" altLang="en-US"/>
           </a:p>
@@ -15005,10 +14894,9 @@
           <a:lstStyle/>
           <a:p>
             <a:r>
-              <a:rPr lang="zh-CN" altLang="en-US" smtClean="0"/>
+              <a:rPr lang="zh-CN" altLang="en-US"/>
               <a:t>单击此处编辑母版标题样式</a:t>
             </a:r>
-            <a:endParaRPr lang="zh-CN" altLang="en-US"/>
           </a:p>
         </p:txBody>
       </p:sp>
@@ -15029,7 +14917,7 @@
           <a:p>
             <a:fld id="{530820CF-B880-4189-942D-D702A7CBA730}" type="datetimeFigureOut">
               <a:rPr lang="zh-CN" altLang="en-US" smtClean="0"/>
-              <a:t>2021/12/28</a:t>
+              <a:t>2024/4/23</a:t>
             </a:fld>
             <a:endParaRPr lang="zh-CN" altLang="en-US"/>
           </a:p>
@@ -15119,7 +15007,7 @@
           <a:p>
             <a:fld id="{530820CF-B880-4189-942D-D702A7CBA730}" type="datetimeFigureOut">
               <a:rPr lang="zh-CN" altLang="en-US" smtClean="0"/>
-              <a:t>2021/12/28</a:t>
+              <a:t>2024/4/23</a:t>
             </a:fld>
             <a:endParaRPr lang="zh-CN" altLang="en-US"/>
           </a:p>
@@ -15217,10 +15105,9 @@
           </a:lstStyle>
           <a:p>
             <a:r>
-              <a:rPr lang="zh-CN" altLang="en-US" smtClean="0"/>
+              <a:rPr lang="zh-CN" altLang="en-US"/>
               <a:t>单击此处编辑母版标题样式</a:t>
             </a:r>
-            <a:endParaRPr lang="zh-CN" altLang="en-US"/>
           </a:p>
         </p:txBody>
       </p:sp>
@@ -15274,38 +15161,37 @@
           <a:p>
             <a:pPr lvl="0"/>
             <a:r>
-              <a:rPr lang="zh-CN" altLang="en-US" smtClean="0"/>
+              <a:rPr lang="zh-CN" altLang="en-US"/>
               <a:t>单击此处编辑母版文本样式</a:t>
             </a:r>
           </a:p>
           <a:p>
             <a:pPr lvl="1"/>
             <a:r>
-              <a:rPr lang="zh-CN" altLang="en-US" smtClean="0"/>
+              <a:rPr lang="zh-CN" altLang="en-US"/>
               <a:t>第二级</a:t>
             </a:r>
           </a:p>
           <a:p>
             <a:pPr lvl="2"/>
             <a:r>
-              <a:rPr lang="zh-CN" altLang="en-US" smtClean="0"/>
+              <a:rPr lang="zh-CN" altLang="en-US"/>
               <a:t>第三级</a:t>
             </a:r>
           </a:p>
           <a:p>
             <a:pPr lvl="3"/>
             <a:r>
-              <a:rPr lang="zh-CN" altLang="en-US" smtClean="0"/>
+              <a:rPr lang="zh-CN" altLang="en-US"/>
               <a:t>第四级</a:t>
             </a:r>
           </a:p>
           <a:p>
             <a:pPr lvl="4"/>
             <a:r>
-              <a:rPr lang="zh-CN" altLang="en-US" smtClean="0"/>
+              <a:rPr lang="zh-CN" altLang="en-US"/>
               <a:t>第五级</a:t>
             </a:r>
-            <a:endParaRPr lang="zh-CN" altLang="en-US"/>
           </a:p>
         </p:txBody>
       </p:sp>
@@ -15368,7 +15254,7 @@
           <a:p>
             <a:pPr lvl="0"/>
             <a:r>
-              <a:rPr lang="zh-CN" altLang="en-US" smtClean="0"/>
+              <a:rPr lang="zh-CN" altLang="en-US"/>
               <a:t>单击此处编辑母版文本样式</a:t>
             </a:r>
           </a:p>
@@ -15391,7 +15277,7 @@
           <a:p>
             <a:fld id="{530820CF-B880-4189-942D-D702A7CBA730}" type="datetimeFigureOut">
               <a:rPr lang="zh-CN" altLang="en-US" smtClean="0"/>
-              <a:t>2021/12/28</a:t>
+              <a:t>2024/4/23</a:t>
             </a:fld>
             <a:endParaRPr lang="zh-CN" altLang="en-US"/>
           </a:p>
@@ -15489,10 +15375,9 @@
           </a:lstStyle>
           <a:p>
             <a:r>
-              <a:rPr lang="zh-CN" altLang="en-US" smtClean="0"/>
+              <a:rPr lang="zh-CN" altLang="en-US"/>
               <a:t>单击此处编辑母版标题样式</a:t>
             </a:r>
-            <a:endParaRPr lang="zh-CN" altLang="en-US"/>
           </a:p>
         </p:txBody>
       </p:sp>
@@ -15616,7 +15501,7 @@
           <a:p>
             <a:pPr lvl="0"/>
             <a:r>
-              <a:rPr lang="zh-CN" altLang="en-US" smtClean="0"/>
+              <a:rPr lang="zh-CN" altLang="en-US"/>
               <a:t>单击此处编辑母版文本样式</a:t>
             </a:r>
           </a:p>
@@ -15639,7 +15524,7 @@
           <a:p>
             <a:fld id="{530820CF-B880-4189-942D-D702A7CBA730}" type="datetimeFigureOut">
               <a:rPr lang="zh-CN" altLang="en-US" smtClean="0"/>
-              <a:t>2021/12/28</a:t>
+              <a:t>2024/4/23</a:t>
             </a:fld>
             <a:endParaRPr lang="zh-CN" altLang="en-US"/>
           </a:p>
@@ -15743,10 +15628,9 @@
           <a:lstStyle/>
           <a:p>
             <a:r>
-              <a:rPr lang="zh-CN" altLang="en-US" smtClean="0"/>
+              <a:rPr lang="zh-CN" altLang="en-US"/>
               <a:t>单击此处编辑母版标题样式</a:t>
             </a:r>
-            <a:endParaRPr lang="zh-CN" altLang="en-US"/>
           </a:p>
         </p:txBody>
       </p:sp>
@@ -15777,38 +15661,37 @@
           <a:p>
             <a:pPr lvl="0"/>
             <a:r>
-              <a:rPr lang="zh-CN" altLang="en-US" smtClean="0"/>
+              <a:rPr lang="zh-CN" altLang="en-US"/>
               <a:t>单击此处编辑母版文本样式</a:t>
             </a:r>
           </a:p>
           <a:p>
             <a:pPr lvl="1"/>
             <a:r>
-              <a:rPr lang="zh-CN" altLang="en-US" smtClean="0"/>
+              <a:rPr lang="zh-CN" altLang="en-US"/>
               <a:t>第二级</a:t>
             </a:r>
           </a:p>
           <a:p>
             <a:pPr lvl="2"/>
             <a:r>
-              <a:rPr lang="zh-CN" altLang="en-US" smtClean="0"/>
+              <a:rPr lang="zh-CN" altLang="en-US"/>
               <a:t>第三级</a:t>
             </a:r>
           </a:p>
           <a:p>
             <a:pPr lvl="3"/>
             <a:r>
-              <a:rPr lang="zh-CN" altLang="en-US" smtClean="0"/>
+              <a:rPr lang="zh-CN" altLang="en-US"/>
               <a:t>第四级</a:t>
             </a:r>
           </a:p>
           <a:p>
             <a:pPr lvl="4"/>
             <a:r>
-              <a:rPr lang="zh-CN" altLang="en-US" smtClean="0"/>
+              <a:rPr lang="zh-CN" altLang="en-US"/>
               <a:t>第五级</a:t>
             </a:r>
-            <a:endParaRPr lang="zh-CN" altLang="en-US"/>
           </a:p>
         </p:txBody>
       </p:sp>
@@ -15847,7 +15730,7 @@
           <a:p>
             <a:fld id="{530820CF-B880-4189-942D-D702A7CBA730}" type="datetimeFigureOut">
               <a:rPr lang="zh-CN" altLang="en-US" smtClean="0"/>
-              <a:t>2021/12/28</a:t>
+              <a:t>2024/4/23</a:t>
             </a:fld>
             <a:endParaRPr lang="zh-CN" altLang="en-US"/>
           </a:p>
@@ -16328,14 +16211,14 @@
           <p:nvPr>
             <p:extLst>
               <p:ext uri="{D42A27DB-BD31-4B8C-83A1-F6EECF244321}">
-                <p14:modId xmlns:p14="http://schemas.microsoft.com/office/powerpoint/2010/main" val="1956484396"/>
+                <p14:modId xmlns:p14="http://schemas.microsoft.com/office/powerpoint/2010/main" val="1919507508"/>
               </p:ext>
             </p:extLst>
           </p:nvPr>
         </p:nvGraphicFramePr>
         <p:xfrm>
-          <a:off x="755576" y="410520"/>
-          <a:ext cx="2952328" cy="8501189"/>
+          <a:off x="755576" y="1728267"/>
+          <a:ext cx="2952328" cy="6552728"/>
         </p:xfrm>
         <a:graphic>
           <a:graphicData uri="http://schemas.openxmlformats.org/drawingml/2006/diagram">

--- a/image/基础统计分析和高维图片.pptx
+++ b/image/基础统计分析和高维图片.pptx
@@ -4,6 +4,9 @@
   <p:sldMasterIdLst>
     <p:sldMasterId id="2147483648" r:id="rId1"/>
   </p:sldMasterIdLst>
+  <p:notesMasterIdLst>
+    <p:notesMasterId r:id="rId5"/>
+  </p:notesMasterIdLst>
   <p:sldIdLst>
     <p:sldId id="256" r:id="rId2"/>
     <p:sldId id="257" r:id="rId3"/>
@@ -4261,7 +4264,7 @@
               <a:latin typeface="Times New Roman" panose="02020603050405020304" pitchFamily="18" charset="0"/>
               <a:cs typeface="Times New Roman" panose="02020603050405020304" pitchFamily="18" charset="0"/>
             </a:rPr>
-            <a:t>Lasso</a:t>
+            <a:t>LASSO</a:t>
           </a:r>
           <a:endParaRPr lang="zh-CN" altLang="en-US" sz="1400" dirty="0">
             <a:latin typeface="Times New Roman" panose="02020603050405020304" pitchFamily="18" charset="0"/>
@@ -4476,7 +4479,7 @@
   <dgm:whole/>
   <dgm:extLst>
     <a:ext uri="http://schemas.microsoft.com/office/drawing/2008/diagram">
-      <dsp:dataModelExt xmlns:dsp="http://schemas.microsoft.com/office/drawing/2008/diagram" relId="rId6" minVer="http://schemas.openxmlformats.org/drawingml/2006/diagram"/>
+      <dsp:dataModelExt xmlns:dsp="http://schemas.microsoft.com/office/drawing/2008/diagram" relId="rId7" minVer="http://schemas.openxmlformats.org/drawingml/2006/diagram"/>
     </a:ext>
   </dgm:extLst>
 </dgm:dataModel>
@@ -9055,7 +9058,7 @@
               <a:latin typeface="Times New Roman" panose="02020603050405020304" pitchFamily="18" charset="0"/>
               <a:cs typeface="Times New Roman" panose="02020603050405020304" pitchFamily="18" charset="0"/>
             </a:rPr>
-            <a:t>Lasso</a:t>
+            <a:t>LASSO</a:t>
           </a:r>
           <a:endParaRPr lang="zh-CN" altLang="en-US" sz="1400" kern="1200" dirty="0">
             <a:latin typeface="Times New Roman" panose="02020603050405020304" pitchFamily="18" charset="0"/>
@@ -13193,6 +13196,439 @@
 </dgm:styleDef>
 </file>
 
+<file path=ppt/notesMasters/notesMaster1.xml><?xml version="1.0" encoding="utf-8"?>
+<p:notesMaster xmlns:a="http://schemas.openxmlformats.org/drawingml/2006/main" xmlns:r="http://schemas.openxmlformats.org/officeDocument/2006/relationships" xmlns:p="http://schemas.openxmlformats.org/presentationml/2006/main">
+  <p:cSld>
+    <p:bg>
+      <p:bgRef idx="1001">
+        <a:schemeClr val="bg1"/>
+      </p:bgRef>
+    </p:bg>
+    <p:spTree>
+      <p:nvGrpSpPr>
+        <p:cNvPr id="1" name=""/>
+        <p:cNvGrpSpPr/>
+        <p:nvPr/>
+      </p:nvGrpSpPr>
+      <p:grpSpPr>
+        <a:xfrm>
+          <a:off x="0" y="0"/>
+          <a:ext cx="0" cy="0"/>
+          <a:chOff x="0" y="0"/>
+          <a:chExt cx="0" cy="0"/>
+        </a:xfrm>
+      </p:grpSpPr>
+      <p:sp>
+        <p:nvSpPr>
+          <p:cNvPr id="2" name="页眉占位符 1"/>
+          <p:cNvSpPr>
+            <a:spLocks noGrp="1"/>
+          </p:cNvSpPr>
+          <p:nvPr>
+            <p:ph type="hdr" sz="quarter"/>
+          </p:nvPr>
+        </p:nvSpPr>
+        <p:spPr>
+          <a:xfrm>
+            <a:off x="0" y="0"/>
+            <a:ext cx="2971800" cy="458788"/>
+          </a:xfrm>
+          <a:prstGeom prst="rect">
+            <a:avLst/>
+          </a:prstGeom>
+        </p:spPr>
+        <p:txBody>
+          <a:bodyPr vert="horz" lIns="91440" tIns="45720" rIns="91440" bIns="45720" rtlCol="0"/>
+          <a:lstStyle>
+            <a:lvl1pPr algn="l">
+              <a:defRPr sz="1200"/>
+            </a:lvl1pPr>
+          </a:lstStyle>
+          <a:p>
+            <a:endParaRPr lang="zh-CN" altLang="en-US"/>
+          </a:p>
+        </p:txBody>
+      </p:sp>
+      <p:sp>
+        <p:nvSpPr>
+          <p:cNvPr id="3" name="日期占位符 2"/>
+          <p:cNvSpPr>
+            <a:spLocks noGrp="1"/>
+          </p:cNvSpPr>
+          <p:nvPr>
+            <p:ph type="dt" idx="1"/>
+          </p:nvPr>
+        </p:nvSpPr>
+        <p:spPr>
+          <a:xfrm>
+            <a:off x="3884613" y="0"/>
+            <a:ext cx="2971800" cy="458788"/>
+          </a:xfrm>
+          <a:prstGeom prst="rect">
+            <a:avLst/>
+          </a:prstGeom>
+        </p:spPr>
+        <p:txBody>
+          <a:bodyPr vert="horz" lIns="91440" tIns="45720" rIns="91440" bIns="45720" rtlCol="0"/>
+          <a:lstStyle>
+            <a:lvl1pPr algn="r">
+              <a:defRPr sz="1200"/>
+            </a:lvl1pPr>
+          </a:lstStyle>
+          <a:p>
+            <a:fld id="{894B15FD-0890-4319-A695-7191B63453D1}" type="datetimeFigureOut">
+              <a:rPr lang="zh-CN" altLang="en-US" smtClean="0"/>
+              <a:t>2024/4/27</a:t>
+            </a:fld>
+            <a:endParaRPr lang="zh-CN" altLang="en-US"/>
+          </a:p>
+        </p:txBody>
+      </p:sp>
+      <p:sp>
+        <p:nvSpPr>
+          <p:cNvPr id="4" name="幻灯片图像占位符 3"/>
+          <p:cNvSpPr>
+            <a:spLocks noGrp="1" noRot="1" noChangeAspect="1"/>
+          </p:cNvSpPr>
+          <p:nvPr>
+            <p:ph type="sldImg" idx="2"/>
+          </p:nvPr>
+        </p:nvSpPr>
+        <p:spPr>
+          <a:xfrm>
+            <a:off x="2122488" y="1143000"/>
+            <a:ext cx="2613025" cy="3086100"/>
+          </a:xfrm>
+          <a:prstGeom prst="rect">
+            <a:avLst/>
+          </a:prstGeom>
+          <a:noFill/>
+          <a:ln w="12700">
+            <a:solidFill>
+              <a:prstClr val="black"/>
+            </a:solidFill>
+          </a:ln>
+        </p:spPr>
+        <p:txBody>
+          <a:bodyPr vert="horz" lIns="91440" tIns="45720" rIns="91440" bIns="45720" rtlCol="0" anchor="ctr"/>
+          <a:lstStyle/>
+          <a:p>
+            <a:endParaRPr lang="zh-CN" altLang="en-US"/>
+          </a:p>
+        </p:txBody>
+      </p:sp>
+      <p:sp>
+        <p:nvSpPr>
+          <p:cNvPr id="5" name="备注占位符 4"/>
+          <p:cNvSpPr>
+            <a:spLocks noGrp="1"/>
+          </p:cNvSpPr>
+          <p:nvPr>
+            <p:ph type="body" sz="quarter" idx="3"/>
+          </p:nvPr>
+        </p:nvSpPr>
+        <p:spPr>
+          <a:xfrm>
+            <a:off x="685800" y="4400550"/>
+            <a:ext cx="5486400" cy="3600450"/>
+          </a:xfrm>
+          <a:prstGeom prst="rect">
+            <a:avLst/>
+          </a:prstGeom>
+        </p:spPr>
+        <p:txBody>
+          <a:bodyPr vert="horz" lIns="91440" tIns="45720" rIns="91440" bIns="45720" rtlCol="0"/>
+          <a:lstStyle/>
+          <a:p>
+            <a:pPr lvl="0"/>
+            <a:r>
+              <a:rPr lang="zh-CN" altLang="en-US"/>
+              <a:t>单击此处编辑母版文本样式</a:t>
+            </a:r>
+          </a:p>
+          <a:p>
+            <a:pPr lvl="1"/>
+            <a:r>
+              <a:rPr lang="zh-CN" altLang="en-US"/>
+              <a:t>二级</a:t>
+            </a:r>
+          </a:p>
+          <a:p>
+            <a:pPr lvl="2"/>
+            <a:r>
+              <a:rPr lang="zh-CN" altLang="en-US"/>
+              <a:t>三级</a:t>
+            </a:r>
+          </a:p>
+          <a:p>
+            <a:pPr lvl="3"/>
+            <a:r>
+              <a:rPr lang="zh-CN" altLang="en-US"/>
+              <a:t>四级</a:t>
+            </a:r>
+          </a:p>
+          <a:p>
+            <a:pPr lvl="4"/>
+            <a:r>
+              <a:rPr lang="zh-CN" altLang="en-US"/>
+              <a:t>五级</a:t>
+            </a:r>
+          </a:p>
+        </p:txBody>
+      </p:sp>
+      <p:sp>
+        <p:nvSpPr>
+          <p:cNvPr id="6" name="页脚占位符 5"/>
+          <p:cNvSpPr>
+            <a:spLocks noGrp="1"/>
+          </p:cNvSpPr>
+          <p:nvPr>
+            <p:ph type="ftr" sz="quarter" idx="4"/>
+          </p:nvPr>
+        </p:nvSpPr>
+        <p:spPr>
+          <a:xfrm>
+            <a:off x="0" y="8685213"/>
+            <a:ext cx="2971800" cy="458787"/>
+          </a:xfrm>
+          <a:prstGeom prst="rect">
+            <a:avLst/>
+          </a:prstGeom>
+        </p:spPr>
+        <p:txBody>
+          <a:bodyPr vert="horz" lIns="91440" tIns="45720" rIns="91440" bIns="45720" rtlCol="0" anchor="b"/>
+          <a:lstStyle>
+            <a:lvl1pPr algn="l">
+              <a:defRPr sz="1200"/>
+            </a:lvl1pPr>
+          </a:lstStyle>
+          <a:p>
+            <a:endParaRPr lang="zh-CN" altLang="en-US"/>
+          </a:p>
+        </p:txBody>
+      </p:sp>
+      <p:sp>
+        <p:nvSpPr>
+          <p:cNvPr id="7" name="灯片编号占位符 6"/>
+          <p:cNvSpPr>
+            <a:spLocks noGrp="1"/>
+          </p:cNvSpPr>
+          <p:nvPr>
+            <p:ph type="sldNum" sz="quarter" idx="5"/>
+          </p:nvPr>
+        </p:nvSpPr>
+        <p:spPr>
+          <a:xfrm>
+            <a:off x="3884613" y="8685213"/>
+            <a:ext cx="2971800" cy="458787"/>
+          </a:xfrm>
+          <a:prstGeom prst="rect">
+            <a:avLst/>
+          </a:prstGeom>
+        </p:spPr>
+        <p:txBody>
+          <a:bodyPr vert="horz" lIns="91440" tIns="45720" rIns="91440" bIns="45720" rtlCol="0" anchor="b"/>
+          <a:lstStyle>
+            <a:lvl1pPr algn="r">
+              <a:defRPr sz="1200"/>
+            </a:lvl1pPr>
+          </a:lstStyle>
+          <a:p>
+            <a:fld id="{42324BC9-7350-4B92-8425-D79E3B9DEC51}" type="slidenum">
+              <a:rPr lang="zh-CN" altLang="en-US" smtClean="0"/>
+              <a:t>‹#›</a:t>
+            </a:fld>
+            <a:endParaRPr lang="zh-CN" altLang="en-US"/>
+          </a:p>
+        </p:txBody>
+      </p:sp>
+    </p:spTree>
+    <p:extLst>
+      <p:ext uri="{BB962C8B-B14F-4D97-AF65-F5344CB8AC3E}">
+        <p14:creationId xmlns:p14="http://schemas.microsoft.com/office/powerpoint/2010/main" val="1344839379"/>
+      </p:ext>
+    </p:extLst>
+  </p:cSld>
+  <p:clrMap bg1="lt1" tx1="dk1" bg2="lt2" tx2="dk2" accent1="accent1" accent2="accent2" accent3="accent3" accent4="accent4" accent5="accent5" accent6="accent6" hlink="hlink" folHlink="folHlink"/>
+  <p:notesStyle>
+    <a:lvl1pPr marL="0" algn="l" defTabSz="914400" rtl="0" eaLnBrk="1" latinLnBrk="0" hangingPunct="1">
+      <a:defRPr sz="1200" kern="1200">
+        <a:solidFill>
+          <a:schemeClr val="tx1"/>
+        </a:solidFill>
+        <a:latin typeface="+mn-lt"/>
+        <a:ea typeface="+mn-ea"/>
+        <a:cs typeface="+mn-cs"/>
+      </a:defRPr>
+    </a:lvl1pPr>
+    <a:lvl2pPr marL="457200" algn="l" defTabSz="914400" rtl="0" eaLnBrk="1" latinLnBrk="0" hangingPunct="1">
+      <a:defRPr sz="1200" kern="1200">
+        <a:solidFill>
+          <a:schemeClr val="tx1"/>
+        </a:solidFill>
+        <a:latin typeface="+mn-lt"/>
+        <a:ea typeface="+mn-ea"/>
+        <a:cs typeface="+mn-cs"/>
+      </a:defRPr>
+    </a:lvl2pPr>
+    <a:lvl3pPr marL="914400" algn="l" defTabSz="914400" rtl="0" eaLnBrk="1" latinLnBrk="0" hangingPunct="1">
+      <a:defRPr sz="1200" kern="1200">
+        <a:solidFill>
+          <a:schemeClr val="tx1"/>
+        </a:solidFill>
+        <a:latin typeface="+mn-lt"/>
+        <a:ea typeface="+mn-ea"/>
+        <a:cs typeface="+mn-cs"/>
+      </a:defRPr>
+    </a:lvl3pPr>
+    <a:lvl4pPr marL="1371600" algn="l" defTabSz="914400" rtl="0" eaLnBrk="1" latinLnBrk="0" hangingPunct="1">
+      <a:defRPr sz="1200" kern="1200">
+        <a:solidFill>
+          <a:schemeClr val="tx1"/>
+        </a:solidFill>
+        <a:latin typeface="+mn-lt"/>
+        <a:ea typeface="+mn-ea"/>
+        <a:cs typeface="+mn-cs"/>
+      </a:defRPr>
+    </a:lvl4pPr>
+    <a:lvl5pPr marL="1828800" algn="l" defTabSz="914400" rtl="0" eaLnBrk="1" latinLnBrk="0" hangingPunct="1">
+      <a:defRPr sz="1200" kern="1200">
+        <a:solidFill>
+          <a:schemeClr val="tx1"/>
+        </a:solidFill>
+        <a:latin typeface="+mn-lt"/>
+        <a:ea typeface="+mn-ea"/>
+        <a:cs typeface="+mn-cs"/>
+      </a:defRPr>
+    </a:lvl5pPr>
+    <a:lvl6pPr marL="2286000" algn="l" defTabSz="914400" rtl="0" eaLnBrk="1" latinLnBrk="0" hangingPunct="1">
+      <a:defRPr sz="1200" kern="1200">
+        <a:solidFill>
+          <a:schemeClr val="tx1"/>
+        </a:solidFill>
+        <a:latin typeface="+mn-lt"/>
+        <a:ea typeface="+mn-ea"/>
+        <a:cs typeface="+mn-cs"/>
+      </a:defRPr>
+    </a:lvl6pPr>
+    <a:lvl7pPr marL="2743200" algn="l" defTabSz="914400" rtl="0" eaLnBrk="1" latinLnBrk="0" hangingPunct="1">
+      <a:defRPr sz="1200" kern="1200">
+        <a:solidFill>
+          <a:schemeClr val="tx1"/>
+        </a:solidFill>
+        <a:latin typeface="+mn-lt"/>
+        <a:ea typeface="+mn-ea"/>
+        <a:cs typeface="+mn-cs"/>
+      </a:defRPr>
+    </a:lvl7pPr>
+    <a:lvl8pPr marL="3200400" algn="l" defTabSz="914400" rtl="0" eaLnBrk="1" latinLnBrk="0" hangingPunct="1">
+      <a:defRPr sz="1200" kern="1200">
+        <a:solidFill>
+          <a:schemeClr val="tx1"/>
+        </a:solidFill>
+        <a:latin typeface="+mn-lt"/>
+        <a:ea typeface="+mn-ea"/>
+        <a:cs typeface="+mn-cs"/>
+      </a:defRPr>
+    </a:lvl8pPr>
+    <a:lvl9pPr marL="3657600" algn="l" defTabSz="914400" rtl="0" eaLnBrk="1" latinLnBrk="0" hangingPunct="1">
+      <a:defRPr sz="1200" kern="1200">
+        <a:solidFill>
+          <a:schemeClr val="tx1"/>
+        </a:solidFill>
+        <a:latin typeface="+mn-lt"/>
+        <a:ea typeface="+mn-ea"/>
+        <a:cs typeface="+mn-cs"/>
+      </a:defRPr>
+    </a:lvl9pPr>
+  </p:notesStyle>
+</p:notesMaster>
+</file>
+
+<file path=ppt/notesSlides/notesSlide1.xml><?xml version="1.0" encoding="utf-8"?>
+<p:notes xmlns:a="http://schemas.openxmlformats.org/drawingml/2006/main" xmlns:r="http://schemas.openxmlformats.org/officeDocument/2006/relationships" xmlns:p="http://schemas.openxmlformats.org/presentationml/2006/main">
+  <p:cSld>
+    <p:spTree>
+      <p:nvGrpSpPr>
+        <p:cNvPr id="1" name=""/>
+        <p:cNvGrpSpPr/>
+        <p:nvPr/>
+      </p:nvGrpSpPr>
+      <p:grpSpPr>
+        <a:xfrm>
+          <a:off x="0" y="0"/>
+          <a:ext cx="0" cy="0"/>
+          <a:chOff x="0" y="0"/>
+          <a:chExt cx="0" cy="0"/>
+        </a:xfrm>
+      </p:grpSpPr>
+      <p:sp>
+        <p:nvSpPr>
+          <p:cNvPr id="2" name="幻灯片图像占位符 1"/>
+          <p:cNvSpPr>
+            <a:spLocks noGrp="1" noRot="1" noChangeAspect="1"/>
+          </p:cNvSpPr>
+          <p:nvPr>
+            <p:ph type="sldImg"/>
+          </p:nvPr>
+        </p:nvSpPr>
+        <p:spPr/>
+      </p:sp>
+      <p:sp>
+        <p:nvSpPr>
+          <p:cNvPr id="3" name="备注占位符 2"/>
+          <p:cNvSpPr>
+            <a:spLocks noGrp="1"/>
+          </p:cNvSpPr>
+          <p:nvPr>
+            <p:ph type="body" idx="1"/>
+          </p:nvPr>
+        </p:nvSpPr>
+        <p:spPr/>
+        <p:txBody>
+          <a:bodyPr/>
+          <a:lstStyle/>
+          <a:p>
+            <a:endParaRPr lang="zh-CN" altLang="en-US" dirty="0"/>
+          </a:p>
+        </p:txBody>
+      </p:sp>
+      <p:sp>
+        <p:nvSpPr>
+          <p:cNvPr id="4" name="灯片编号占位符 3"/>
+          <p:cNvSpPr>
+            <a:spLocks noGrp="1"/>
+          </p:cNvSpPr>
+          <p:nvPr>
+            <p:ph type="sldNum" sz="quarter" idx="5"/>
+          </p:nvPr>
+        </p:nvSpPr>
+        <p:spPr/>
+        <p:txBody>
+          <a:bodyPr/>
+          <a:lstStyle/>
+          <a:p>
+            <a:fld id="{42324BC9-7350-4B92-8425-D79E3B9DEC51}" type="slidenum">
+              <a:rPr lang="zh-CN" altLang="en-US" smtClean="0"/>
+              <a:t>3</a:t>
+            </a:fld>
+            <a:endParaRPr lang="zh-CN" altLang="en-US"/>
+          </a:p>
+        </p:txBody>
+      </p:sp>
+    </p:spTree>
+    <p:extLst>
+      <p:ext uri="{BB962C8B-B14F-4D97-AF65-F5344CB8AC3E}">
+        <p14:creationId xmlns:p14="http://schemas.microsoft.com/office/powerpoint/2010/main" val="598404619"/>
+      </p:ext>
+    </p:extLst>
+  </p:cSld>
+  <p:clrMapOvr>
+    <a:masterClrMapping/>
+  </p:clrMapOvr>
+</p:notes>
+</file>
+
 <file path=ppt/slideLayouts/slideLayout1.xml><?xml version="1.0" encoding="utf-8"?>
 <p:sldLayout xmlns:a="http://schemas.openxmlformats.org/drawingml/2006/main" xmlns:r="http://schemas.openxmlformats.org/officeDocument/2006/relationships" xmlns:p="http://schemas.openxmlformats.org/presentationml/2006/main" type="title" preserve="1">
   <p:cSld name="标题幻灯片">
@@ -13372,7 +13808,7 @@
           <a:p>
             <a:fld id="{530820CF-B880-4189-942D-D702A7CBA730}" type="datetimeFigureOut">
               <a:rPr lang="zh-CN" altLang="en-US" smtClean="0"/>
-              <a:t>2024/4/23</a:t>
+              <a:t>2024/4/27</a:t>
             </a:fld>
             <a:endParaRPr lang="zh-CN" altLang="en-US"/>
           </a:p>
@@ -13535,7 +13971,7 @@
           <a:p>
             <a:fld id="{530820CF-B880-4189-942D-D702A7CBA730}" type="datetimeFigureOut">
               <a:rPr lang="zh-CN" altLang="en-US" smtClean="0"/>
-              <a:t>2024/4/23</a:t>
+              <a:t>2024/4/27</a:t>
             </a:fld>
             <a:endParaRPr lang="zh-CN" altLang="en-US"/>
           </a:p>
@@ -13708,7 +14144,7 @@
           <a:p>
             <a:fld id="{530820CF-B880-4189-942D-D702A7CBA730}" type="datetimeFigureOut">
               <a:rPr lang="zh-CN" altLang="en-US" smtClean="0"/>
-              <a:t>2024/4/23</a:t>
+              <a:t>2024/4/27</a:t>
             </a:fld>
             <a:endParaRPr lang="zh-CN" altLang="en-US"/>
           </a:p>
@@ -13871,7 +14307,7 @@
           <a:p>
             <a:fld id="{530820CF-B880-4189-942D-D702A7CBA730}" type="datetimeFigureOut">
               <a:rPr lang="zh-CN" altLang="en-US" smtClean="0"/>
-              <a:t>2024/4/23</a:t>
+              <a:t>2024/4/27</a:t>
             </a:fld>
             <a:endParaRPr lang="zh-CN" altLang="en-US"/>
           </a:p>
@@ -14111,7 +14547,7 @@
           <a:p>
             <a:fld id="{530820CF-B880-4189-942D-D702A7CBA730}" type="datetimeFigureOut">
               <a:rPr lang="zh-CN" altLang="en-US" smtClean="0"/>
-              <a:t>2024/4/23</a:t>
+              <a:t>2024/4/27</a:t>
             </a:fld>
             <a:endParaRPr lang="zh-CN" altLang="en-US"/>
           </a:p>
@@ -14391,7 +14827,7 @@
           <a:p>
             <a:fld id="{530820CF-B880-4189-942D-D702A7CBA730}" type="datetimeFigureOut">
               <a:rPr lang="zh-CN" altLang="en-US" smtClean="0"/>
-              <a:t>2024/4/23</a:t>
+              <a:t>2024/4/27</a:t>
             </a:fld>
             <a:endParaRPr lang="zh-CN" altLang="en-US"/>
           </a:p>
@@ -14805,7 +15241,7 @@
           <a:p>
             <a:fld id="{530820CF-B880-4189-942D-D702A7CBA730}" type="datetimeFigureOut">
               <a:rPr lang="zh-CN" altLang="en-US" smtClean="0"/>
-              <a:t>2024/4/23</a:t>
+              <a:t>2024/4/27</a:t>
             </a:fld>
             <a:endParaRPr lang="zh-CN" altLang="en-US"/>
           </a:p>
@@ -14917,7 +15353,7 @@
           <a:p>
             <a:fld id="{530820CF-B880-4189-942D-D702A7CBA730}" type="datetimeFigureOut">
               <a:rPr lang="zh-CN" altLang="en-US" smtClean="0"/>
-              <a:t>2024/4/23</a:t>
+              <a:t>2024/4/27</a:t>
             </a:fld>
             <a:endParaRPr lang="zh-CN" altLang="en-US"/>
           </a:p>
@@ -15007,7 +15443,7 @@
           <a:p>
             <a:fld id="{530820CF-B880-4189-942D-D702A7CBA730}" type="datetimeFigureOut">
               <a:rPr lang="zh-CN" altLang="en-US" smtClean="0"/>
-              <a:t>2024/4/23</a:t>
+              <a:t>2024/4/27</a:t>
             </a:fld>
             <a:endParaRPr lang="zh-CN" altLang="en-US"/>
           </a:p>
@@ -15277,7 +15713,7 @@
           <a:p>
             <a:fld id="{530820CF-B880-4189-942D-D702A7CBA730}" type="datetimeFigureOut">
               <a:rPr lang="zh-CN" altLang="en-US" smtClean="0"/>
-              <a:t>2024/4/23</a:t>
+              <a:t>2024/4/27</a:t>
             </a:fld>
             <a:endParaRPr lang="zh-CN" altLang="en-US"/>
           </a:p>
@@ -15524,7 +15960,7 @@
           <a:p>
             <a:fld id="{530820CF-B880-4189-942D-D702A7CBA730}" type="datetimeFigureOut">
               <a:rPr lang="zh-CN" altLang="en-US" smtClean="0"/>
-              <a:t>2024/4/23</a:t>
+              <a:t>2024/4/27</a:t>
             </a:fld>
             <a:endParaRPr lang="zh-CN" altLang="en-US"/>
           </a:p>
@@ -15730,7 +16166,7 @@
           <a:p>
             <a:fld id="{530820CF-B880-4189-942D-D702A7CBA730}" type="datetimeFigureOut">
               <a:rPr lang="zh-CN" altLang="en-US" smtClean="0"/>
-              <a:t>2024/4/23</a:t>
+              <a:t>2024/4/27</a:t>
             </a:fld>
             <a:endParaRPr lang="zh-CN" altLang="en-US"/>
           </a:p>
@@ -16211,7 +16647,7 @@
           <p:nvPr>
             <p:extLst>
               <p:ext uri="{D42A27DB-BD31-4B8C-83A1-F6EECF244321}">
-                <p14:modId xmlns:p14="http://schemas.microsoft.com/office/powerpoint/2010/main" val="1919507508"/>
+                <p14:modId xmlns:p14="http://schemas.microsoft.com/office/powerpoint/2010/main" val="3035681767"/>
               </p:ext>
             </p:extLst>
           </p:nvPr>
@@ -16222,7 +16658,7 @@
         </p:xfrm>
         <a:graphic>
           <a:graphicData uri="http://schemas.openxmlformats.org/drawingml/2006/diagram">
-            <dgm:relIds xmlns:dgm="http://schemas.openxmlformats.org/drawingml/2006/diagram" xmlns:r="http://schemas.openxmlformats.org/officeDocument/2006/relationships" r:dm="rId2" r:lo="rId3" r:qs="rId4" r:cs="rId5"/>
+            <dgm:relIds xmlns:dgm="http://schemas.openxmlformats.org/drawingml/2006/diagram" xmlns:r="http://schemas.openxmlformats.org/officeDocument/2006/relationships" r:dm="rId3" r:lo="rId4" r:qs="rId5" r:cs="rId6"/>
           </a:graphicData>
         </a:graphic>
       </p:graphicFrame>
@@ -16520,4 +16956,299 @@
   <a:objectDefaults/>
   <a:extraClrSchemeLst/>
 </a:theme>
+</file>
+
+<file path=ppt/theme/theme2.xml><?xml version="1.0" encoding="utf-8"?>
+<a:theme xmlns:a="http://schemas.openxmlformats.org/drawingml/2006/main" name="Office 主题​​">
+  <a:themeElements>
+    <a:clrScheme name="Office">
+      <a:dk1>
+        <a:sysClr val="windowText" lastClr="000000"/>
+      </a:dk1>
+      <a:lt1>
+        <a:sysClr val="window" lastClr="FFFFFF"/>
+      </a:lt1>
+      <a:dk2>
+        <a:srgbClr val="44546A"/>
+      </a:dk2>
+      <a:lt2>
+        <a:srgbClr val="E7E6E6"/>
+      </a:lt2>
+      <a:accent1>
+        <a:srgbClr val="4472C4"/>
+      </a:accent1>
+      <a:accent2>
+        <a:srgbClr val="ED7D31"/>
+      </a:accent2>
+      <a:accent3>
+        <a:srgbClr val="A5A5A5"/>
+      </a:accent3>
+      <a:accent4>
+        <a:srgbClr val="FFC000"/>
+      </a:accent4>
+      <a:accent5>
+        <a:srgbClr val="5B9BD5"/>
+      </a:accent5>
+      <a:accent6>
+        <a:srgbClr val="70AD47"/>
+      </a:accent6>
+      <a:hlink>
+        <a:srgbClr val="0563C1"/>
+      </a:hlink>
+      <a:folHlink>
+        <a:srgbClr val="954F72"/>
+      </a:folHlink>
+    </a:clrScheme>
+    <a:fontScheme name="Office">
+      <a:majorFont>
+        <a:latin typeface="等线 Light" panose="020F0302020204030204"/>
+        <a:ea typeface=""/>
+        <a:cs typeface=""/>
+        <a:font script="Jpan" typeface="游ゴシック Light"/>
+        <a:font script="Hang" typeface="맑은 고딕"/>
+        <a:font script="Hans" typeface="等线 Light"/>
+        <a:font script="Hant" typeface="新細明體"/>
+        <a:font script="Arab" typeface="Times New Roman"/>
+        <a:font script="Hebr" typeface="Times New Roman"/>
+        <a:font script="Thai" typeface="Angsana New"/>
+        <a:font script="Ethi" typeface="Nyala"/>
+        <a:font script="Beng" typeface="Vrinda"/>
+        <a:font script="Gujr" typeface="Shruti"/>
+        <a:font script="Khmr" typeface="MoolBoran"/>
+        <a:font script="Knda" typeface="Tunga"/>
+        <a:font script="Guru" typeface="Raavi"/>
+        <a:font script="Cans" typeface="Euphemia"/>
+        <a:font script="Cher" typeface="Plantagenet Cherokee"/>
+        <a:font script="Yiii" typeface="Microsoft Yi Baiti"/>
+        <a:font script="Tibt" typeface="Microsoft Himalaya"/>
+        <a:font script="Thaa" typeface="MV Boli"/>
+        <a:font script="Deva" typeface="Mangal"/>
+        <a:font script="Telu" typeface="Gautami"/>
+        <a:font script="Taml" typeface="Latha"/>
+        <a:font script="Syrc" typeface="Estrangelo Edessa"/>
+        <a:font script="Orya" typeface="Kalinga"/>
+        <a:font script="Mlym" typeface="Kartika"/>
+        <a:font script="Laoo" typeface="DokChampa"/>
+        <a:font script="Sinh" typeface="Iskoola Pota"/>
+        <a:font script="Mong" typeface="Mongolian Baiti"/>
+        <a:font script="Viet" typeface="Times New Roman"/>
+        <a:font script="Uigh" typeface="Microsoft Uighur"/>
+        <a:font script="Geor" typeface="Sylfaen"/>
+        <a:font script="Armn" typeface="Arial"/>
+        <a:font script="Bugi" typeface="Leelawadee UI"/>
+        <a:font script="Bopo" typeface="Microsoft JhengHei"/>
+        <a:font script="Java" typeface="Javanese Text"/>
+        <a:font script="Lisu" typeface="Segoe UI"/>
+        <a:font script="Mymr" typeface="Myanmar Text"/>
+        <a:font script="Nkoo" typeface="Ebrima"/>
+        <a:font script="Olck" typeface="Nirmala UI"/>
+        <a:font script="Osma" typeface="Ebrima"/>
+        <a:font script="Phag" typeface="Phagspa"/>
+        <a:font script="Syrn" typeface="Estrangelo Edessa"/>
+        <a:font script="Syrj" typeface="Estrangelo Edessa"/>
+        <a:font script="Syre" typeface="Estrangelo Edessa"/>
+        <a:font script="Sora" typeface="Nirmala UI"/>
+        <a:font script="Tale" typeface="Microsoft Tai Le"/>
+        <a:font script="Talu" typeface="Microsoft New Tai Lue"/>
+        <a:font script="Tfng" typeface="Ebrima"/>
+      </a:majorFont>
+      <a:minorFont>
+        <a:latin typeface="等线" panose="020F0502020204030204"/>
+        <a:ea typeface=""/>
+        <a:cs typeface=""/>
+        <a:font script="Jpan" typeface="游ゴシック"/>
+        <a:font script="Hang" typeface="맑은 고딕"/>
+        <a:font script="Hans" typeface="等线"/>
+        <a:font script="Hant" typeface="新細明體"/>
+        <a:font script="Arab" typeface="Arial"/>
+        <a:font script="Hebr" typeface="Arial"/>
+        <a:font script="Thai" typeface="Cordia New"/>
+        <a:font script="Ethi" typeface="Nyala"/>
+        <a:font script="Beng" typeface="Vrinda"/>
+        <a:font script="Gujr" typeface="Shruti"/>
+        <a:font script="Khmr" typeface="DaunPenh"/>
+        <a:font script="Knda" typeface="Tunga"/>
+        <a:font script="Guru" typeface="Raavi"/>
+        <a:font script="Cans" typeface="Euphemia"/>
+        <a:font script="Cher" typeface="Plantagenet Cherokee"/>
+        <a:font script="Yiii" typeface="Microsoft Yi Baiti"/>
+        <a:font script="Tibt" typeface="Microsoft Himalaya"/>
+        <a:font script="Thaa" typeface="MV Boli"/>
+        <a:font script="Deva" typeface="Mangal"/>
+        <a:font script="Telu" typeface="Gautami"/>
+        <a:font script="Taml" typeface="Latha"/>
+        <a:font script="Syrc" typeface="Estrangelo Edessa"/>
+        <a:font script="Orya" typeface="Kalinga"/>
+        <a:font script="Mlym" typeface="Kartika"/>
+        <a:font script="Laoo" typeface="DokChampa"/>
+        <a:font script="Sinh" typeface="Iskoola Pota"/>
+        <a:font script="Mong" typeface="Mongolian Baiti"/>
+        <a:font script="Viet" typeface="Arial"/>
+        <a:font script="Uigh" typeface="Microsoft Uighur"/>
+        <a:font script="Geor" typeface="Sylfaen"/>
+        <a:font script="Armn" typeface="Arial"/>
+        <a:font script="Bugi" typeface="Leelawadee UI"/>
+        <a:font script="Bopo" typeface="Microsoft JhengHei"/>
+        <a:font script="Java" typeface="Javanese Text"/>
+        <a:font script="Lisu" typeface="Segoe UI"/>
+        <a:font script="Mymr" typeface="Myanmar Text"/>
+        <a:font script="Nkoo" typeface="Ebrima"/>
+        <a:font script="Olck" typeface="Nirmala UI"/>
+        <a:font script="Osma" typeface="Ebrima"/>
+        <a:font script="Phag" typeface="Phagspa"/>
+        <a:font script="Syrn" typeface="Estrangelo Edessa"/>
+        <a:font script="Syrj" typeface="Estrangelo Edessa"/>
+        <a:font script="Syre" typeface="Estrangelo Edessa"/>
+        <a:font script="Sora" typeface="Nirmala UI"/>
+        <a:font script="Tale" typeface="Microsoft Tai Le"/>
+        <a:font script="Talu" typeface="Microsoft New Tai Lue"/>
+        <a:font script="Tfng" typeface="Ebrima"/>
+      </a:minorFont>
+    </a:fontScheme>
+    <a:fmtScheme name="Office">
+      <a:fillStyleLst>
+        <a:solidFill>
+          <a:schemeClr val="phClr"/>
+        </a:solidFill>
+        <a:gradFill rotWithShape="1">
+          <a:gsLst>
+            <a:gs pos="0">
+              <a:schemeClr val="phClr">
+                <a:lumMod val="110000"/>
+                <a:satMod val="105000"/>
+                <a:tint val="67000"/>
+              </a:schemeClr>
+            </a:gs>
+            <a:gs pos="50000">
+              <a:schemeClr val="phClr">
+                <a:lumMod val="105000"/>
+                <a:satMod val="103000"/>
+                <a:tint val="73000"/>
+              </a:schemeClr>
+            </a:gs>
+            <a:gs pos="100000">
+              <a:schemeClr val="phClr">
+                <a:lumMod val="105000"/>
+                <a:satMod val="109000"/>
+                <a:tint val="81000"/>
+              </a:schemeClr>
+            </a:gs>
+          </a:gsLst>
+          <a:lin ang="5400000" scaled="0"/>
+        </a:gradFill>
+        <a:gradFill rotWithShape="1">
+          <a:gsLst>
+            <a:gs pos="0">
+              <a:schemeClr val="phClr">
+                <a:satMod val="103000"/>
+                <a:lumMod val="102000"/>
+                <a:tint val="94000"/>
+              </a:schemeClr>
+            </a:gs>
+            <a:gs pos="50000">
+              <a:schemeClr val="phClr">
+                <a:satMod val="110000"/>
+                <a:lumMod val="100000"/>
+                <a:shade val="100000"/>
+              </a:schemeClr>
+            </a:gs>
+            <a:gs pos="100000">
+              <a:schemeClr val="phClr">
+                <a:lumMod val="99000"/>
+                <a:satMod val="120000"/>
+                <a:shade val="78000"/>
+              </a:schemeClr>
+            </a:gs>
+          </a:gsLst>
+          <a:lin ang="5400000" scaled="0"/>
+        </a:gradFill>
+      </a:fillStyleLst>
+      <a:lnStyleLst>
+        <a:ln w="6350" cap="flat" cmpd="sng" algn="ctr">
+          <a:solidFill>
+            <a:schemeClr val="phClr"/>
+          </a:solidFill>
+          <a:prstDash val="solid"/>
+          <a:miter lim="800000"/>
+        </a:ln>
+        <a:ln w="12700" cap="flat" cmpd="sng" algn="ctr">
+          <a:solidFill>
+            <a:schemeClr val="phClr"/>
+          </a:solidFill>
+          <a:prstDash val="solid"/>
+          <a:miter lim="800000"/>
+        </a:ln>
+        <a:ln w="19050" cap="flat" cmpd="sng" algn="ctr">
+          <a:solidFill>
+            <a:schemeClr val="phClr"/>
+          </a:solidFill>
+          <a:prstDash val="solid"/>
+          <a:miter lim="800000"/>
+        </a:ln>
+      </a:lnStyleLst>
+      <a:effectStyleLst>
+        <a:effectStyle>
+          <a:effectLst/>
+        </a:effectStyle>
+        <a:effectStyle>
+          <a:effectLst/>
+        </a:effectStyle>
+        <a:effectStyle>
+          <a:effectLst>
+            <a:outerShdw blurRad="57150" dist="19050" dir="5400000" algn="ctr" rotWithShape="0">
+              <a:srgbClr val="000000">
+                <a:alpha val="63000"/>
+              </a:srgbClr>
+            </a:outerShdw>
+          </a:effectLst>
+        </a:effectStyle>
+      </a:effectStyleLst>
+      <a:bgFillStyleLst>
+        <a:solidFill>
+          <a:schemeClr val="phClr"/>
+        </a:solidFill>
+        <a:solidFill>
+          <a:schemeClr val="phClr">
+            <a:tint val="95000"/>
+            <a:satMod val="170000"/>
+          </a:schemeClr>
+        </a:solidFill>
+        <a:gradFill rotWithShape="1">
+          <a:gsLst>
+            <a:gs pos="0">
+              <a:schemeClr val="phClr">
+                <a:tint val="93000"/>
+                <a:satMod val="150000"/>
+                <a:shade val="98000"/>
+                <a:lumMod val="102000"/>
+              </a:schemeClr>
+            </a:gs>
+            <a:gs pos="50000">
+              <a:schemeClr val="phClr">
+                <a:tint val="98000"/>
+                <a:satMod val="130000"/>
+                <a:shade val="90000"/>
+                <a:lumMod val="103000"/>
+              </a:schemeClr>
+            </a:gs>
+            <a:gs pos="100000">
+              <a:schemeClr val="phClr">
+                <a:shade val="63000"/>
+                <a:satMod val="120000"/>
+              </a:schemeClr>
+            </a:gs>
+          </a:gsLst>
+          <a:lin ang="5400000" scaled="0"/>
+        </a:gradFill>
+      </a:bgFillStyleLst>
+    </a:fmtScheme>
+  </a:themeElements>
+  <a:objectDefaults/>
+  <a:extraClrSchemeLst/>
+  <a:extLst>
+    <a:ext uri="{05A4C25C-085E-4340-85A3-A5531E510DB2}">
+      <thm15:themeFamily xmlns:thm15="http://schemas.microsoft.com/office/thememl/2012/main" name="Office Theme" id="{62F939B6-93AF-4DB8-9C6B-D6C7DFDC589F}" vid="{4A3C46E8-61CC-4603-A589-7422A47A8E4A}"/>
+    </a:ext>
+  </a:extLst>
+</a:theme>
 </file>